--- a/spec/additionalDescription/pictures/MetadataPics.pptx
+++ b/spec/additionalDescription/pictures/MetadataPics.pptx
@@ -263,7 +263,7 @@
           <a:p>
             <a:fld id="{A13AB217-A22B-45C9-B442-C9534E44A269}" type="datetimeFigureOut">
               <a:rPr lang="de-DE" smtClean="0"/>
-              <a:t>19.05.2025</a:t>
+              <a:t>20.05.2025</a:t>
             </a:fld>
             <a:endParaRPr lang="de-DE"/>
           </a:p>
@@ -461,7 +461,7 @@
           <a:p>
             <a:fld id="{A13AB217-A22B-45C9-B442-C9534E44A269}" type="datetimeFigureOut">
               <a:rPr lang="de-DE" smtClean="0"/>
-              <a:t>19.05.2025</a:t>
+              <a:t>20.05.2025</a:t>
             </a:fld>
             <a:endParaRPr lang="de-DE"/>
           </a:p>
@@ -669,7 +669,7 @@
           <a:p>
             <a:fld id="{A13AB217-A22B-45C9-B442-C9534E44A269}" type="datetimeFigureOut">
               <a:rPr lang="de-DE" smtClean="0"/>
-              <a:t>19.05.2025</a:t>
+              <a:t>20.05.2025</a:t>
             </a:fld>
             <a:endParaRPr lang="de-DE"/>
           </a:p>
@@ -867,7 +867,7 @@
           <a:p>
             <a:fld id="{A13AB217-A22B-45C9-B442-C9534E44A269}" type="datetimeFigureOut">
               <a:rPr lang="de-DE" smtClean="0"/>
-              <a:t>19.05.2025</a:t>
+              <a:t>20.05.2025</a:t>
             </a:fld>
             <a:endParaRPr lang="de-DE"/>
           </a:p>
@@ -1142,7 +1142,7 @@
           <a:p>
             <a:fld id="{A13AB217-A22B-45C9-B442-C9534E44A269}" type="datetimeFigureOut">
               <a:rPr lang="de-DE" smtClean="0"/>
-              <a:t>19.05.2025</a:t>
+              <a:t>20.05.2025</a:t>
             </a:fld>
             <a:endParaRPr lang="de-DE"/>
           </a:p>
@@ -1407,7 +1407,7 @@
           <a:p>
             <a:fld id="{A13AB217-A22B-45C9-B442-C9534E44A269}" type="datetimeFigureOut">
               <a:rPr lang="de-DE" smtClean="0"/>
-              <a:t>19.05.2025</a:t>
+              <a:t>20.05.2025</a:t>
             </a:fld>
             <a:endParaRPr lang="de-DE"/>
           </a:p>
@@ -1819,7 +1819,7 @@
           <a:p>
             <a:fld id="{A13AB217-A22B-45C9-B442-C9534E44A269}" type="datetimeFigureOut">
               <a:rPr lang="de-DE" smtClean="0"/>
-              <a:t>19.05.2025</a:t>
+              <a:t>20.05.2025</a:t>
             </a:fld>
             <a:endParaRPr lang="de-DE"/>
           </a:p>
@@ -1960,7 +1960,7 @@
           <a:p>
             <a:fld id="{A13AB217-A22B-45C9-B442-C9534E44A269}" type="datetimeFigureOut">
               <a:rPr lang="de-DE" smtClean="0"/>
-              <a:t>19.05.2025</a:t>
+              <a:t>20.05.2025</a:t>
             </a:fld>
             <a:endParaRPr lang="de-DE"/>
           </a:p>
@@ -2073,7 +2073,7 @@
           <a:p>
             <a:fld id="{A13AB217-A22B-45C9-B442-C9534E44A269}" type="datetimeFigureOut">
               <a:rPr lang="de-DE" smtClean="0"/>
-              <a:t>19.05.2025</a:t>
+              <a:t>20.05.2025</a:t>
             </a:fld>
             <a:endParaRPr lang="de-DE"/>
           </a:p>
@@ -2384,7 +2384,7 @@
           <a:p>
             <a:fld id="{A13AB217-A22B-45C9-B442-C9534E44A269}" type="datetimeFigureOut">
               <a:rPr lang="de-DE" smtClean="0"/>
-              <a:t>19.05.2025</a:t>
+              <a:t>20.05.2025</a:t>
             </a:fld>
             <a:endParaRPr lang="de-DE"/>
           </a:p>
@@ -2672,7 +2672,7 @@
           <a:p>
             <a:fld id="{A13AB217-A22B-45C9-B442-C9534E44A269}" type="datetimeFigureOut">
               <a:rPr lang="de-DE" smtClean="0"/>
-              <a:t>19.05.2025</a:t>
+              <a:t>20.05.2025</a:t>
             </a:fld>
             <a:endParaRPr lang="de-DE"/>
           </a:p>
@@ -2913,7 +2913,7 @@
           <a:p>
             <a:fld id="{A13AB217-A22B-45C9-B442-C9534E44A269}" type="datetimeFigureOut">
               <a:rPr lang="de-DE" smtClean="0"/>
-              <a:t>19.05.2025</a:t>
+              <a:t>20.05.2025</a:t>
             </a:fld>
             <a:endParaRPr lang="de-DE"/>
           </a:p>
@@ -3509,7 +3509,7 @@
             <a:pPr algn="ctr"/>
             <a:r>
               <a:rPr lang="de-DE"/>
-              <a:t>MWDI deviceList with metadata and ControlConstruct updates</a:t>
+              <a:t>MWDI deviceMetadataList with metadata and ControlConstruct updates</a:t>
             </a:r>
           </a:p>
         </p:txBody>
@@ -3529,7 +3529,7 @@
         <p:spPr>
           <a:xfrm>
             <a:off x="377107" y="640747"/>
-            <a:ext cx="4433592" cy="6848029"/>
+            <a:ext cx="5043732" cy="6663363"/>
           </a:xfrm>
           <a:prstGeom prst="rect">
             <a:avLst/>
@@ -3548,7 +3548,7 @@
                   <a:srgbClr val="002060"/>
                 </a:solidFill>
               </a:rPr>
-              <a:t>DeviceList</a:t>
+              <a:t>DeviceMetadataList</a:t>
             </a:r>
           </a:p>
           <a:p>
@@ -3579,7 +3579,7 @@
             </a:pPr>
             <a:r>
               <a:rPr lang="de-DE" sz="1200"/>
-              <a:t>Added due to periodic deviceList sync or notifications</a:t>
+              <a:t>Added due to periodic deviceMetadataList sync or notifications</a:t>
             </a:r>
           </a:p>
           <a:p>
@@ -3658,7 +3658,7 @@
             </a:r>
             <a:r>
               <a:rPr lang="de-DE" sz="1200" b="1"/>
-              <a:t>of all connected devices in the deviceList</a:t>
+              <a:t>of all connected devices in the deviceMetadataList</a:t>
             </a:r>
             <a:r>
               <a:rPr lang="de-DE" sz="1200"/>
@@ -3753,7 +3753,7 @@
             </a:pPr>
             <a:r>
               <a:rPr lang="de-DE" sz="1100"/>
-              <a:t>Not yet included devices in connected state are added to MWDI deviceList (CCs will be queried with priority)</a:t>
+              <a:t>Not yet included devices in connected state are added to MWDI deviceMetadataList (CCs will be queried with priority)</a:t>
             </a:r>
           </a:p>
           <a:p>
@@ -3763,7 +3763,7 @@
             </a:pPr>
             <a:r>
               <a:rPr lang="de-DE" sz="1100"/>
-              <a:t>Devices no longer in connected state are not deleted from MWDI deviceList, but marked as disconnected; the related CC is deleted from the cache or kept due to policy</a:t>
+              <a:t>Devices no longer in connected state are not deleted from MWDI deviceMetadataList, but marked as disconnected; the related CC is deleted from the cache or kept due to policy</a:t>
             </a:r>
           </a:p>
           <a:p>
@@ -3795,7 +3795,7 @@
             </a:pPr>
             <a:r>
               <a:rPr lang="de-DE" sz="1200"/>
-              <a:t>The list of connected devices within the deviceList can be retrieved via service </a:t>
+              <a:t>The list of connected devices within the deviceMetadataList can be retrieved via service </a:t>
             </a:r>
             <a:r>
               <a:rPr lang="de-DE" sz="1200" b="1"/>
@@ -3821,7 +3821,7 @@
             </a:r>
             <a:r>
               <a:rPr lang="de-DE" sz="1200"/>
-              <a:t> will return all devices which are currently found in the deviceList (i.e. disconnected ones as well)</a:t>
+              <a:t> will return all devices which are currently found in the deviceMetadataList (i.e. disconnected ones as well)</a:t>
             </a:r>
           </a:p>
         </p:txBody>
@@ -4002,7 +4002,7 @@
         <p:spPr>
           <a:xfrm>
             <a:off x="5846708" y="3233361"/>
-            <a:ext cx="3892503" cy="3739485"/>
+            <a:ext cx="3892503" cy="4078039"/>
           </a:xfrm>
           <a:prstGeom prst="rect">
             <a:avLst/>
@@ -4045,7 +4045,7 @@
             </a:r>
             <a:r>
               <a:rPr lang="de-DE" sz="1100"/>
-              <a:t>is filled with devices fetched from deviceList which is sorted according to update priority</a:t>
+              <a:t>is filled with devices fetched from deviceMetadataList which is sorted according to update priority</a:t>
             </a:r>
           </a:p>
           <a:p>
@@ -4087,7 +4087,7 @@
             </a:pPr>
             <a:r>
               <a:rPr lang="de-DE" sz="1100"/>
-              <a:t>Every x minutes the CC of a the next candidate device (fetch again from deviceList) is queried from the Controller for measuring the cache quality</a:t>
+              <a:t>Every x minutes the CC of a the next candidate device (fetch again from deviceMetadataList) is queried from the Controller for measuring the cache quality</a:t>
             </a:r>
           </a:p>
           <a:p>
@@ -10910,7 +10910,7 @@
             <a:pPr algn="ctr"/>
             <a:r>
               <a:rPr lang="de-DE"/>
-              <a:t>DeviceList ordering and update order</a:t>
+              <a:t>DeviceMetadataList ordering and update order</a:t>
             </a:r>
           </a:p>
         </p:txBody>
@@ -12138,7 +12138,7 @@
             </a:pPr>
             <a:r>
               <a:rPr lang="de-DE" sz="1100"/>
-              <a:t>Successful retrieval: move device to the position after the last connected device in the deviceList (i.e. right before the first not-connected device)</a:t>
+              <a:t>Successful retrieval: move device to the position after the last connected device in the deviceMetadataList (i.e. right before the first not-connected device)</a:t>
             </a:r>
           </a:p>
           <a:p>
@@ -12308,7 +12308,7 @@
             </a:pPr>
             <a:r>
               <a:rPr lang="de-DE" sz="1100"/>
-              <a:t>select 1st  not-locked device from table with timestamp == null,</a:t>
+              <a:t>select 1st  not-locked device from list with timestamp == null,</a:t>
             </a:r>
           </a:p>
           <a:p>
@@ -12318,7 +12318,7 @@
             </a:pPr>
             <a:r>
               <a:rPr lang="de-DE" sz="1100"/>
-              <a:t>If none found, select 1st  not-locked device from deviceList (i.e. the one with oldest timestamp)</a:t>
+              <a:t>If none found, select 1st  not-locked device from deviceMetadataList (i.e. the one with oldest timestamp)</a:t>
             </a:r>
           </a:p>
         </p:txBody>
@@ -12412,7 +12412,7 @@
             </a:pPr>
             <a:r>
               <a:rPr lang="de-DE" sz="1100"/>
-              <a:t>select 1st not-locked device from deviceList with timestamp </a:t>
+              <a:t>select 1st not-locked device from deviceMetadataList with timestamp </a:t>
             </a:r>
             <a:r>
               <a:rPr lang="de-DE" sz="1100">
@@ -12823,7 +12823,7 @@
             <a:pPr algn="ctr"/>
             <a:r>
               <a:rPr lang="de-DE"/>
-              <a:t>Metadata table ordering and CC update order</a:t>
+              <a:t>DeviceMetadataList ordering and CC update order</a:t>
             </a:r>
           </a:p>
         </p:txBody>
@@ -15404,8 +15404,8 @@
         </p:nvSpPr>
         <p:spPr>
           <a:xfrm>
-            <a:off x="8150775" y="3948970"/>
-            <a:ext cx="1227036" cy="261610"/>
+            <a:off x="7848601" y="3948970"/>
+            <a:ext cx="1529210" cy="261610"/>
           </a:xfrm>
           <a:prstGeom prst="rect">
             <a:avLst/>
@@ -15421,7 +15421,7 @@
             <a:pPr algn="l"/>
             <a:r>
               <a:rPr lang="de-DE" sz="1100" b="1"/>
-              <a:t>Metadata table</a:t>
+              <a:t>deviceMetadataList</a:t>
             </a:r>
             <a:endParaRPr lang="de-DE" sz="1100"/>
           </a:p>

--- a/spec/additionalDescription/pictures/MetadataPics.pptx
+++ b/spec/additionalDescription/pictures/MetadataPics.pptx
@@ -13061,7 +13061,7 @@
         </p:nvCxnSpPr>
         <p:spPr>
           <a:xfrm flipV="1">
-            <a:off x="758313" y="1560871"/>
+            <a:off x="1092037" y="1560871"/>
             <a:ext cx="0" cy="542439"/>
           </a:xfrm>
           <a:prstGeom prst="line">
@@ -13098,7 +13098,7 @@
         <p:spPr>
           <a:xfrm>
             <a:off x="89804" y="1125079"/>
-            <a:ext cx="996334" cy="461665"/>
+            <a:ext cx="1520608" cy="461665"/>
           </a:xfrm>
           <a:prstGeom prst="rect">
             <a:avLst/>
@@ -13120,49 +13120,11 @@
                   </a:schemeClr>
                 </a:solidFill>
               </a:rPr>
-              <a:t>select A for update</a:t>
+              <a:t>already selected for update:  A, B</a:t>
             </a:r>
           </a:p>
         </p:txBody>
       </p:sp>
-      <p:cxnSp>
-        <p:nvCxnSpPr>
-          <p:cNvPr id="14" name="Gerader Verbinder 13">
-            <a:extLst>
-              <a:ext uri="{FF2B5EF4-FFF2-40B4-BE49-F238E27FC236}">
-                <a16:creationId xmlns:a16="http://schemas.microsoft.com/office/drawing/2014/main" id="{7D7F2FFE-3A94-B2F2-9E02-732EF7A78F9B}"/>
-              </a:ext>
-            </a:extLst>
-          </p:cNvPr>
-          <p:cNvCxnSpPr>
-            <a:cxnSpLocks/>
-          </p:cNvCxnSpPr>
-          <p:nvPr/>
-        </p:nvCxnSpPr>
-        <p:spPr>
-          <a:xfrm>
-            <a:off x="758313" y="1977838"/>
-            <a:ext cx="0" cy="125472"/>
-          </a:xfrm>
-          <a:prstGeom prst="line">
-            <a:avLst/>
-          </a:prstGeom>
-        </p:spPr>
-        <p:style>
-          <a:lnRef idx="2">
-            <a:schemeClr val="accent1"/>
-          </a:lnRef>
-          <a:fillRef idx="0">
-            <a:schemeClr val="accent1"/>
-          </a:fillRef>
-          <a:effectRef idx="1">
-            <a:schemeClr val="accent1"/>
-          </a:effectRef>
-          <a:fontRef idx="minor">
-            <a:schemeClr val="tx1"/>
-          </a:fontRef>
-        </p:style>
-      </p:cxnSp>
       <p:sp>
         <p:nvSpPr>
           <p:cNvPr id="15" name="Textfeld 14">
@@ -13177,8 +13139,8 @@
         </p:nvSpPr>
         <p:spPr>
           <a:xfrm>
-            <a:off x="84506" y="3236179"/>
-            <a:ext cx="996334" cy="276999"/>
+            <a:off x="90398" y="3216656"/>
+            <a:ext cx="1581143" cy="276999"/>
           </a:xfrm>
           <a:prstGeom prst="rect">
             <a:avLst/>
@@ -13200,84 +13162,7 @@
                   </a:schemeClr>
                 </a:solidFill>
               </a:rPr>
-              <a:t>select C</a:t>
-            </a:r>
-          </a:p>
-        </p:txBody>
-      </p:sp>
-      <p:cxnSp>
-        <p:nvCxnSpPr>
-          <p:cNvPr id="16" name="Gerader Verbinder 15">
-            <a:extLst>
-              <a:ext uri="{FF2B5EF4-FFF2-40B4-BE49-F238E27FC236}">
-                <a16:creationId xmlns:a16="http://schemas.microsoft.com/office/drawing/2014/main" id="{4EB74AE1-1C8E-EF78-3F43-9BD9318CD2D6}"/>
-              </a:ext>
-            </a:extLst>
-          </p:cNvPr>
-          <p:cNvCxnSpPr/>
-          <p:nvPr/>
-        </p:nvCxnSpPr>
-        <p:spPr>
-          <a:xfrm flipV="1">
-            <a:off x="1343333" y="1560870"/>
-            <a:ext cx="0" cy="542439"/>
-          </a:xfrm>
-          <a:prstGeom prst="line">
-            <a:avLst/>
-          </a:prstGeom>
-        </p:spPr>
-        <p:style>
-          <a:lnRef idx="2">
-            <a:schemeClr val="accent1"/>
-          </a:lnRef>
-          <a:fillRef idx="0">
-            <a:schemeClr val="accent1"/>
-          </a:fillRef>
-          <a:effectRef idx="1">
-            <a:schemeClr val="accent1"/>
-          </a:effectRef>
-          <a:fontRef idx="minor">
-            <a:schemeClr val="tx1"/>
-          </a:fontRef>
-        </p:style>
-      </p:cxnSp>
-      <p:sp>
-        <p:nvSpPr>
-          <p:cNvPr id="17" name="Textfeld 16">
-            <a:extLst>
-              <a:ext uri="{FF2B5EF4-FFF2-40B4-BE49-F238E27FC236}">
-                <a16:creationId xmlns:a16="http://schemas.microsoft.com/office/drawing/2014/main" id="{F75C9D51-DA48-6BBB-0A50-458441DD9AEE}"/>
-              </a:ext>
-            </a:extLst>
-          </p:cNvPr>
-          <p:cNvSpPr txBox="1"/>
-          <p:nvPr/>
-        </p:nvSpPr>
-        <p:spPr>
-          <a:xfrm>
-            <a:off x="1066083" y="1229263"/>
-            <a:ext cx="821708" cy="276999"/>
-          </a:xfrm>
-          <a:prstGeom prst="rect">
-            <a:avLst/>
-          </a:prstGeom>
-          <a:noFill/>
-        </p:spPr>
-        <p:txBody>
-          <a:bodyPr wrap="square" rtlCol="0">
-            <a:spAutoFit/>
-          </a:bodyPr>
-          <a:lstStyle/>
-          <a:p>
-            <a:r>
-              <a:rPr lang="de-DE" sz="1200">
-                <a:solidFill>
-                  <a:schemeClr val="accent4">
-                    <a:lumMod val="50000"/>
-                  </a:schemeClr>
-                </a:solidFill>
-              </a:rPr>
-              <a:t>select B</a:t>
+              <a:t>already selected: C</a:t>
             </a:r>
           </a:p>
         </p:txBody>
@@ -13298,7 +13183,7 @@
         </p:nvCxnSpPr>
         <p:spPr>
           <a:xfrm>
-            <a:off x="788380" y="2697050"/>
+            <a:off x="1122104" y="2697050"/>
             <a:ext cx="0" cy="577971"/>
           </a:xfrm>
           <a:prstGeom prst="line">
@@ -14953,74 +14838,7 @@
         </p:nvSpPr>
         <p:spPr>
           <a:xfrm>
-            <a:off x="678436" y="2068124"/>
-            <a:ext cx="166256" cy="639514"/>
-          </a:xfrm>
-          <a:prstGeom prst="rect">
-            <a:avLst/>
-          </a:prstGeom>
-          <a:solidFill>
-            <a:schemeClr val="tx1">
-              <a:lumMod val="65000"/>
-              <a:lumOff val="35000"/>
-            </a:schemeClr>
-          </a:solidFill>
-          <a:ln w="9525">
-            <a:solidFill>
-              <a:schemeClr val="tx1">
-                <a:lumMod val="85000"/>
-                <a:lumOff val="15000"/>
-              </a:schemeClr>
-            </a:solidFill>
-          </a:ln>
-        </p:spPr>
-        <p:style>
-          <a:lnRef idx="2">
-            <a:schemeClr val="accent1">
-              <a:shade val="15000"/>
-            </a:schemeClr>
-          </a:lnRef>
-          <a:fillRef idx="1">
-            <a:schemeClr val="accent1"/>
-          </a:fillRef>
-          <a:effectRef idx="0">
-            <a:schemeClr val="accent1"/>
-          </a:effectRef>
-          <a:fontRef idx="minor">
-            <a:schemeClr val="lt1"/>
-          </a:fontRef>
-        </p:style>
-        <p:txBody>
-          <a:bodyPr rtlCol="0" anchor="ctr"/>
-          <a:lstStyle/>
-          <a:p>
-            <a:pPr algn="ctr"/>
-            <a:endParaRPr lang="de-DE" sz="1000" i="1">
-              <a:solidFill>
-                <a:schemeClr val="accent6">
-                  <a:lumMod val="40000"/>
-                  <a:lumOff val="60000"/>
-                </a:schemeClr>
-              </a:solidFill>
-            </a:endParaRPr>
-          </a:p>
-        </p:txBody>
-      </p:sp>
-      <p:sp>
-        <p:nvSpPr>
-          <p:cNvPr id="91" name="Rechteck 90">
-            <a:extLst>
-              <a:ext uri="{FF2B5EF4-FFF2-40B4-BE49-F238E27FC236}">
-                <a16:creationId xmlns:a16="http://schemas.microsoft.com/office/drawing/2014/main" id="{CE55FE21-B259-AB9A-772B-56711A020E15}"/>
-              </a:ext>
-            </a:extLst>
-          </p:cNvPr>
-          <p:cNvSpPr/>
-          <p:nvPr/>
-        </p:nvSpPr>
-        <p:spPr>
-          <a:xfrm>
-            <a:off x="1287063" y="2068124"/>
+            <a:off x="1012160" y="2068124"/>
             <a:ext cx="166256" cy="639514"/>
           </a:xfrm>
           <a:prstGeom prst="rect">
@@ -15513,6 +15331,68 @@
           </a:fontRef>
         </p:style>
       </p:cxnSp>
+      <p:sp>
+        <p:nvSpPr>
+          <p:cNvPr id="5" name="Pfeil: nach rechts 4">
+            <a:extLst>
+              <a:ext uri="{FF2B5EF4-FFF2-40B4-BE49-F238E27FC236}">
+                <a16:creationId xmlns:a16="http://schemas.microsoft.com/office/drawing/2014/main" id="{9997CCE8-BE2D-57CC-70EF-FBA1BB9A0AED}"/>
+              </a:ext>
+            </a:extLst>
+          </p:cNvPr>
+          <p:cNvSpPr/>
+          <p:nvPr/>
+        </p:nvSpPr>
+        <p:spPr>
+          <a:xfrm>
+            <a:off x="213494" y="1948760"/>
+            <a:ext cx="609260" cy="869803"/>
+          </a:xfrm>
+          <a:prstGeom prst="rightArrow">
+            <a:avLst>
+              <a:gd name="adj1" fmla="val 50000"/>
+              <a:gd name="adj2" fmla="val 80348"/>
+            </a:avLst>
+          </a:prstGeom>
+          <a:solidFill>
+            <a:schemeClr val="bg1">
+              <a:lumMod val="75000"/>
+            </a:schemeClr>
+          </a:solidFill>
+          <a:ln w="9525">
+            <a:solidFill>
+              <a:schemeClr val="tx1">
+                <a:lumMod val="75000"/>
+                <a:lumOff val="25000"/>
+              </a:schemeClr>
+            </a:solidFill>
+          </a:ln>
+        </p:spPr>
+        <p:style>
+          <a:lnRef idx="2">
+            <a:schemeClr val="accent1">
+              <a:shade val="15000"/>
+            </a:schemeClr>
+          </a:lnRef>
+          <a:fillRef idx="1">
+            <a:schemeClr val="accent1"/>
+          </a:fillRef>
+          <a:effectRef idx="0">
+            <a:schemeClr val="accent1"/>
+          </a:effectRef>
+          <a:fontRef idx="minor">
+            <a:schemeClr val="lt1"/>
+          </a:fontRef>
+        </p:style>
+        <p:txBody>
+          <a:bodyPr rtlCol="0" anchor="ctr"/>
+          <a:lstStyle/>
+          <a:p>
+            <a:pPr algn="ctr"/>
+            <a:endParaRPr lang="de-DE"/>
+          </a:p>
+        </p:txBody>
+      </p:sp>
     </p:spTree>
     <p:extLst>
       <p:ext uri="{BB962C8B-B14F-4D97-AF65-F5344CB8AC3E}">

--- a/spec/additionalDescription/pictures/MetadataPics.pptx
+++ b/spec/additionalDescription/pictures/MetadataPics.pptx
@@ -263,7 +263,7 @@
           <a:p>
             <a:fld id="{A13AB217-A22B-45C9-B442-C9534E44A269}" type="datetimeFigureOut">
               <a:rPr lang="de-DE" smtClean="0"/>
-              <a:t>20.05.2025</a:t>
+              <a:t>21.05.2025</a:t>
             </a:fld>
             <a:endParaRPr lang="de-DE"/>
           </a:p>
@@ -461,7 +461,7 @@
           <a:p>
             <a:fld id="{A13AB217-A22B-45C9-B442-C9534E44A269}" type="datetimeFigureOut">
               <a:rPr lang="de-DE" smtClean="0"/>
-              <a:t>20.05.2025</a:t>
+              <a:t>21.05.2025</a:t>
             </a:fld>
             <a:endParaRPr lang="de-DE"/>
           </a:p>
@@ -669,7 +669,7 @@
           <a:p>
             <a:fld id="{A13AB217-A22B-45C9-B442-C9534E44A269}" type="datetimeFigureOut">
               <a:rPr lang="de-DE" smtClean="0"/>
-              <a:t>20.05.2025</a:t>
+              <a:t>21.05.2025</a:t>
             </a:fld>
             <a:endParaRPr lang="de-DE"/>
           </a:p>
@@ -867,7 +867,7 @@
           <a:p>
             <a:fld id="{A13AB217-A22B-45C9-B442-C9534E44A269}" type="datetimeFigureOut">
               <a:rPr lang="de-DE" smtClean="0"/>
-              <a:t>20.05.2025</a:t>
+              <a:t>21.05.2025</a:t>
             </a:fld>
             <a:endParaRPr lang="de-DE"/>
           </a:p>
@@ -1142,7 +1142,7 @@
           <a:p>
             <a:fld id="{A13AB217-A22B-45C9-B442-C9534E44A269}" type="datetimeFigureOut">
               <a:rPr lang="de-DE" smtClean="0"/>
-              <a:t>20.05.2025</a:t>
+              <a:t>21.05.2025</a:t>
             </a:fld>
             <a:endParaRPr lang="de-DE"/>
           </a:p>
@@ -1407,7 +1407,7 @@
           <a:p>
             <a:fld id="{A13AB217-A22B-45C9-B442-C9534E44A269}" type="datetimeFigureOut">
               <a:rPr lang="de-DE" smtClean="0"/>
-              <a:t>20.05.2025</a:t>
+              <a:t>21.05.2025</a:t>
             </a:fld>
             <a:endParaRPr lang="de-DE"/>
           </a:p>
@@ -1819,7 +1819,7 @@
           <a:p>
             <a:fld id="{A13AB217-A22B-45C9-B442-C9534E44A269}" type="datetimeFigureOut">
               <a:rPr lang="de-DE" smtClean="0"/>
-              <a:t>20.05.2025</a:t>
+              <a:t>21.05.2025</a:t>
             </a:fld>
             <a:endParaRPr lang="de-DE"/>
           </a:p>
@@ -1960,7 +1960,7 @@
           <a:p>
             <a:fld id="{A13AB217-A22B-45C9-B442-C9534E44A269}" type="datetimeFigureOut">
               <a:rPr lang="de-DE" smtClean="0"/>
-              <a:t>20.05.2025</a:t>
+              <a:t>21.05.2025</a:t>
             </a:fld>
             <a:endParaRPr lang="de-DE"/>
           </a:p>
@@ -2073,7 +2073,7 @@
           <a:p>
             <a:fld id="{A13AB217-A22B-45C9-B442-C9534E44A269}" type="datetimeFigureOut">
               <a:rPr lang="de-DE" smtClean="0"/>
-              <a:t>20.05.2025</a:t>
+              <a:t>21.05.2025</a:t>
             </a:fld>
             <a:endParaRPr lang="de-DE"/>
           </a:p>
@@ -2384,7 +2384,7 @@
           <a:p>
             <a:fld id="{A13AB217-A22B-45C9-B442-C9534E44A269}" type="datetimeFigureOut">
               <a:rPr lang="de-DE" smtClean="0"/>
-              <a:t>20.05.2025</a:t>
+              <a:t>21.05.2025</a:t>
             </a:fld>
             <a:endParaRPr lang="de-DE"/>
           </a:p>
@@ -2672,7 +2672,7 @@
           <a:p>
             <a:fld id="{A13AB217-A22B-45C9-B442-C9534E44A269}" type="datetimeFigureOut">
               <a:rPr lang="de-DE" smtClean="0"/>
-              <a:t>20.05.2025</a:t>
+              <a:t>21.05.2025</a:t>
             </a:fld>
             <a:endParaRPr lang="de-DE"/>
           </a:p>
@@ -2913,7 +2913,7 @@
           <a:p>
             <a:fld id="{A13AB217-A22B-45C9-B442-C9534E44A269}" type="datetimeFigureOut">
               <a:rPr lang="de-DE" smtClean="0"/>
-              <a:t>20.05.2025</a:t>
+              <a:t>21.05.2025</a:t>
             </a:fld>
             <a:endParaRPr lang="de-DE"/>
           </a:p>
@@ -3923,7 +3923,7 @@
             </a:pPr>
             <a:r>
               <a:rPr lang="de-DE" sz="1200"/>
-              <a:t>device-type</a:t>
+              <a:t>device-type, vendor</a:t>
             </a:r>
           </a:p>
           <a:p>
@@ -10040,14 +10040,14 @@
           <p:nvPr>
             <p:extLst>
               <p:ext uri="{D42A27DB-BD31-4B8C-83A1-F6EECF244321}">
-                <p14:modId xmlns:p14="http://schemas.microsoft.com/office/powerpoint/2010/main" val="2755339490"/>
+                <p14:modId xmlns:p14="http://schemas.microsoft.com/office/powerpoint/2010/main" val="243226693"/>
               </p:ext>
             </p:extLst>
           </p:nvPr>
         </p:nvGraphicFramePr>
         <p:xfrm>
           <a:off x="317499" y="536786"/>
-          <a:ext cx="11129187" cy="4511040"/>
+          <a:ext cx="11129187" cy="4881880"/>
         </p:xfrm>
         <a:graphic>
           <a:graphicData uri="http://schemas.openxmlformats.org/drawingml/2006/table">
@@ -10653,6 +10653,52 @@
                 <a:extLst>
                   <a:ext uri="{0D108BD9-81ED-4DB2-BD59-A6C34878D82A}">
                     <a16:rowId xmlns:a16="http://schemas.microsoft.com/office/drawing/2014/main" val="301318260"/>
+                  </a:ext>
+                </a:extLst>
+              </a:tr>
+              <a:tr h="370840">
+                <a:tc>
+                  <a:txBody>
+                    <a:bodyPr/>
+                    <a:lstStyle/>
+                    <a:p>
+                      <a:r>
+                        <a:rPr lang="de-DE" sz="1200"/>
+                        <a:t>vendor</a:t>
+                      </a:r>
+                    </a:p>
+                  </a:txBody>
+                  <a:tcPr/>
+                </a:tc>
+                <a:tc>
+                  <a:txBody>
+                    <a:bodyPr/>
+                    <a:lstStyle/>
+                    <a:p>
+                      <a:r>
+                        <a:rPr lang="de-DE" sz="1200"/>
+                        <a:t>string</a:t>
+                      </a:r>
+                    </a:p>
+                  </a:txBody>
+                  <a:tcPr/>
+                </a:tc>
+                <a:tc>
+                  <a:txBody>
+                    <a:bodyPr/>
+                    <a:lstStyle/>
+                    <a:p>
+                      <a:r>
+                        <a:rPr lang="de-DE" sz="1200"/>
+                        <a:t>periodic sync</a:t>
+                      </a:r>
+                    </a:p>
+                  </a:txBody>
+                  <a:tcPr/>
+                </a:tc>
+                <a:extLst>
+                  <a:ext uri="{0D108BD9-81ED-4DB2-BD59-A6C34878D82A}">
+                    <a16:rowId xmlns:a16="http://schemas.microsoft.com/office/drawing/2014/main" val="2791499227"/>
                   </a:ext>
                 </a:extLst>
               </a:tr>

--- a/spec/additionalDescription/pictures/MetadataPics.pptx
+++ b/spec/additionalDescription/pictures/MetadataPics.pptx
@@ -263,7 +263,7 @@
           <a:p>
             <a:fld id="{A13AB217-A22B-45C9-B442-C9534E44A269}" type="datetimeFigureOut">
               <a:rPr lang="de-DE" smtClean="0"/>
-              <a:t>27.05.2025</a:t>
+              <a:t>04.06.2025</a:t>
             </a:fld>
             <a:endParaRPr lang="de-DE"/>
           </a:p>
@@ -461,7 +461,7 @@
           <a:p>
             <a:fld id="{A13AB217-A22B-45C9-B442-C9534E44A269}" type="datetimeFigureOut">
               <a:rPr lang="de-DE" smtClean="0"/>
-              <a:t>27.05.2025</a:t>
+              <a:t>04.06.2025</a:t>
             </a:fld>
             <a:endParaRPr lang="de-DE"/>
           </a:p>
@@ -669,7 +669,7 @@
           <a:p>
             <a:fld id="{A13AB217-A22B-45C9-B442-C9534E44A269}" type="datetimeFigureOut">
               <a:rPr lang="de-DE" smtClean="0"/>
-              <a:t>27.05.2025</a:t>
+              <a:t>04.06.2025</a:t>
             </a:fld>
             <a:endParaRPr lang="de-DE"/>
           </a:p>
@@ -867,7 +867,7 @@
           <a:p>
             <a:fld id="{A13AB217-A22B-45C9-B442-C9534E44A269}" type="datetimeFigureOut">
               <a:rPr lang="de-DE" smtClean="0"/>
-              <a:t>27.05.2025</a:t>
+              <a:t>04.06.2025</a:t>
             </a:fld>
             <a:endParaRPr lang="de-DE"/>
           </a:p>
@@ -1142,7 +1142,7 @@
           <a:p>
             <a:fld id="{A13AB217-A22B-45C9-B442-C9534E44A269}" type="datetimeFigureOut">
               <a:rPr lang="de-DE" smtClean="0"/>
-              <a:t>27.05.2025</a:t>
+              <a:t>04.06.2025</a:t>
             </a:fld>
             <a:endParaRPr lang="de-DE"/>
           </a:p>
@@ -1407,7 +1407,7 @@
           <a:p>
             <a:fld id="{A13AB217-A22B-45C9-B442-C9534E44A269}" type="datetimeFigureOut">
               <a:rPr lang="de-DE" smtClean="0"/>
-              <a:t>27.05.2025</a:t>
+              <a:t>04.06.2025</a:t>
             </a:fld>
             <a:endParaRPr lang="de-DE"/>
           </a:p>
@@ -1819,7 +1819,7 @@
           <a:p>
             <a:fld id="{A13AB217-A22B-45C9-B442-C9534E44A269}" type="datetimeFigureOut">
               <a:rPr lang="de-DE" smtClean="0"/>
-              <a:t>27.05.2025</a:t>
+              <a:t>04.06.2025</a:t>
             </a:fld>
             <a:endParaRPr lang="de-DE"/>
           </a:p>
@@ -1960,7 +1960,7 @@
           <a:p>
             <a:fld id="{A13AB217-A22B-45C9-B442-C9534E44A269}" type="datetimeFigureOut">
               <a:rPr lang="de-DE" smtClean="0"/>
-              <a:t>27.05.2025</a:t>
+              <a:t>04.06.2025</a:t>
             </a:fld>
             <a:endParaRPr lang="de-DE"/>
           </a:p>
@@ -2073,7 +2073,7 @@
           <a:p>
             <a:fld id="{A13AB217-A22B-45C9-B442-C9534E44A269}" type="datetimeFigureOut">
               <a:rPr lang="de-DE" smtClean="0"/>
-              <a:t>27.05.2025</a:t>
+              <a:t>04.06.2025</a:t>
             </a:fld>
             <a:endParaRPr lang="de-DE"/>
           </a:p>
@@ -2384,7 +2384,7 @@
           <a:p>
             <a:fld id="{A13AB217-A22B-45C9-B442-C9534E44A269}" type="datetimeFigureOut">
               <a:rPr lang="de-DE" smtClean="0"/>
-              <a:t>27.05.2025</a:t>
+              <a:t>04.06.2025</a:t>
             </a:fld>
             <a:endParaRPr lang="de-DE"/>
           </a:p>
@@ -2672,7 +2672,7 @@
           <a:p>
             <a:fld id="{A13AB217-A22B-45C9-B442-C9534E44A269}" type="datetimeFigureOut">
               <a:rPr lang="de-DE" smtClean="0"/>
-              <a:t>27.05.2025</a:t>
+              <a:t>04.06.2025</a:t>
             </a:fld>
             <a:endParaRPr lang="de-DE"/>
           </a:p>
@@ -2913,7 +2913,7 @@
           <a:p>
             <a:fld id="{A13AB217-A22B-45C9-B442-C9534E44A269}" type="datetimeFigureOut">
               <a:rPr lang="de-DE" smtClean="0"/>
-              <a:t>27.05.2025</a:t>
+              <a:t>04.06.2025</a:t>
             </a:fld>
             <a:endParaRPr lang="de-DE"/>
           </a:p>
@@ -3405,7 +3405,7 @@
         <p:spPr>
           <a:xfrm>
             <a:off x="332054" y="640747"/>
-            <a:ext cx="9833026" cy="6666833"/>
+            <a:ext cx="9833026" cy="6751583"/>
           </a:xfrm>
           <a:prstGeom prst="roundRect">
             <a:avLst>
@@ -3529,7 +3529,7 @@
         <p:spPr>
           <a:xfrm>
             <a:off x="377107" y="640747"/>
-            <a:ext cx="5043732" cy="6663363"/>
+            <a:ext cx="5043732" cy="6278642"/>
           </a:xfrm>
           <a:prstGeom prst="rect">
             <a:avLst/>
@@ -3565,11 +3565,11 @@
             </a:r>
             <a:r>
               <a:rPr lang="de-DE" sz="1200" b="1"/>
-              <a:t>all devices </a:t>
+              <a:t>only devices mounted </a:t>
             </a:r>
             <a:r>
               <a:rPr lang="de-DE" sz="1200"/>
-              <a:t>added to MWDI in the past</a:t>
+              <a:t>on Controller</a:t>
             </a:r>
           </a:p>
           <a:p>
@@ -3579,7 +3579,7 @@
             </a:pPr>
             <a:r>
               <a:rPr lang="de-DE" sz="1200"/>
-              <a:t>Added due to periodic deviceMetadataList sync or notifications</a:t>
+              <a:t>connected devices are added due to periodic deviceMetadataList sync or notifications</a:t>
             </a:r>
           </a:p>
           <a:p>
@@ -3589,16 +3589,9 @@
             </a:pPr>
             <a:r>
               <a:rPr lang="de-DE" sz="1200"/>
-              <a:t>no longer connected devices are kept until they expire (retention period: </a:t>
-            </a:r>
-            <a:r>
-              <a:rPr lang="de-DE" sz="1200" i="1"/>
-              <a:t>metadataTableRetentionPeriod</a:t>
-            </a:r>
-            <a:r>
-              <a:rPr lang="de-DE" sz="1200"/>
-              <a:t>)</a:t>
-            </a:r>
+              <a:t>If a device is deleted from Controller, it is also deleted from MWDI deviceMetadataList (along with its CC)</a:t>
+            </a:r>
+            <a:endParaRPr lang="de-DE" sz="1200" i="1"/>
           </a:p>
           <a:p>
             <a:pPr marL="285750" indent="-285750">
@@ -3658,7 +3651,7 @@
             </a:r>
             <a:r>
               <a:rPr lang="de-DE" sz="1200" b="1"/>
-              <a:t>of all connected devices in the deviceMetadataList</a:t>
+              <a:t>of all relevant devices in the deviceMetadataList</a:t>
             </a:r>
             <a:r>
               <a:rPr lang="de-DE" sz="1200"/>
@@ -3696,7 +3689,15 @@
             </a:pPr>
             <a:r>
               <a:rPr lang="de-DE" sz="1200"/>
-              <a:t>If it is kept, it will be deleted when the device is removed due to retention</a:t>
+              <a:t>If it is kept, it will be deleted when the device is removed due to retention (</a:t>
+            </a:r>
+            <a:r>
+              <a:rPr lang="de-DE" sz="1200" i="1"/>
+              <a:t>metadataRetentionPeriod</a:t>
+            </a:r>
+            <a:r>
+              <a:rPr lang="de-DE" sz="1200"/>
+              <a:t>)</a:t>
             </a:r>
           </a:p>
           <a:p>
@@ -3763,7 +3764,7 @@
             </a:pPr>
             <a:r>
               <a:rPr lang="de-DE" sz="1100"/>
-              <a:t>Devices no longer in connected state are not deleted from MWDI deviceMetadataList, but marked as disconnected; the related CC is deleted from the cache or kept due to policy</a:t>
+              <a:t>Devices no longer in connected state are deleted from the deviceList (and their CCs as well) by default; if the policy is configured to keep historical data, the devices are marked as disconnected instead and their CCs are kept.</a:t>
             </a:r>
           </a:p>
           <a:p>
@@ -3795,33 +3796,15 @@
             </a:pPr>
             <a:r>
               <a:rPr lang="de-DE" sz="1200"/>
-              <a:t>The list of connected devices within the deviceMetadataList can be retrieved via service </a:t>
+              <a:t>The service </a:t>
             </a:r>
             <a:r>
               <a:rPr lang="de-DE" sz="1200" b="1"/>
-              <a:t>/v1/provide-list-of-connected-devices</a:t>
+              <a:t>/v1/provide-list-cached-devices</a:t>
             </a:r>
             <a:r>
               <a:rPr lang="de-DE" sz="1200"/>
-              <a:t>, which only returns the list of mount-names without any additional information</a:t>
-            </a:r>
-          </a:p>
-          <a:p>
-            <a:pPr marL="285750" indent="-285750">
-              <a:buFont typeface="Arial" panose="020B0604020202020204" pitchFamily="34" charset="0"/>
-              <a:buChar char="•"/>
-            </a:pPr>
-            <a:r>
-              <a:rPr lang="de-DE" sz="1200"/>
-              <a:t>The complementary service </a:t>
-            </a:r>
-            <a:r>
-              <a:rPr lang="de-DE" sz="1200" b="1"/>
-              <a:t>/v1/provide-list-of-all-mwdi-devices</a:t>
-            </a:r>
-            <a:r>
-              <a:rPr lang="de-DE" sz="1200"/>
-              <a:t> will return all devices which are currently found in the deviceMetadataList (i.e. disconnected ones as well)</a:t>
+              <a:t> will return all devices for which MWDI has a CC in ist cache (this can also include disconnected devices according to the policy configuration). The list only contains mount-names.</a:t>
             </a:r>
           </a:p>
         </p:txBody>
@@ -3933,7 +3916,7 @@
             </a:pPr>
             <a:r>
               <a:rPr lang="de-DE" sz="1200"/>
-              <a:t>locked-status</a:t>
+              <a:t>locked-status, exclude_from_qm</a:t>
             </a:r>
           </a:p>
         </p:txBody>
@@ -4001,8 +3984,8 @@
         </p:nvSpPr>
         <p:spPr>
           <a:xfrm>
-            <a:off x="5846708" y="3347661"/>
-            <a:ext cx="4181212" cy="3739485"/>
+            <a:off x="5846708" y="3314291"/>
+            <a:ext cx="4181212" cy="4078039"/>
           </a:xfrm>
           <a:prstGeom prst="rect">
             <a:avLst/>
@@ -4158,14 +4141,7 @@
               <a:buChar char="•"/>
             </a:pPr>
             <a:r>
-              <a:rPr lang="de-DE" sz="1200" b="1">
-                <a:solidFill>
-                  <a:schemeClr val="tx1">
-                    <a:lumMod val="65000"/>
-                    <a:lumOff val="35000"/>
-                  </a:schemeClr>
-                </a:solidFill>
-              </a:rPr>
+              <a:rPr lang="de-DE" sz="1200" b="1"/>
               <a:t>Live-services</a:t>
             </a:r>
           </a:p>
@@ -4177,6 +4153,16 @@
             <a:r>
               <a:rPr lang="de-DE" sz="1100"/>
               <a:t>MWDI also offers domain=live ressource paths, which in rare cases may be called directly, these also lead to updates of cached data</a:t>
+            </a:r>
+          </a:p>
+          <a:p>
+            <a:pPr marL="541338" lvl="1" indent="-180975">
+              <a:buFont typeface="Arial" panose="020B0604020202020204" pitchFamily="34" charset="0"/>
+              <a:buChar char="•"/>
+            </a:pPr>
+            <a:r>
+              <a:rPr lang="de-DE" sz="1100"/>
+              <a:t>If the live-Service for complete CC retrieval is called, the device is locked for the cyclic updates.</a:t>
             </a:r>
           </a:p>
         </p:txBody>
@@ -4232,14 +4218,14 @@
           <p:nvPr>
             <p:extLst>
               <p:ext uri="{D42A27DB-BD31-4B8C-83A1-F6EECF244321}">
-                <p14:modId xmlns:p14="http://schemas.microsoft.com/office/powerpoint/2010/main" val="1379673831"/>
+                <p14:modId xmlns:p14="http://schemas.microsoft.com/office/powerpoint/2010/main" val="1233551766"/>
               </p:ext>
             </p:extLst>
           </p:nvPr>
         </p:nvGraphicFramePr>
         <p:xfrm>
           <a:off x="163987" y="483390"/>
-          <a:ext cx="11516303" cy="5359400"/>
+          <a:ext cx="11516303" cy="5730240"/>
         </p:xfrm>
         <a:graphic>
           <a:graphicData uri="http://schemas.openxmlformats.org/drawingml/2006/table">
@@ -4388,6 +4374,12 @@
                         <a:t>Disconnected device, periodic sync</a:t>
                       </a:r>
                     </a:p>
+                    <a:p>
+                      <a:r>
+                        <a:rPr lang="de-DE" sz="600"/>
+                        <a:t>(* if device to be kept)</a:t>
+                      </a:r>
+                    </a:p>
                   </a:txBody>
                   <a:tcPr/>
                 </a:tc>
@@ -4401,202 +4393,6 @@
                         <a:t>Disconnected device, notification</a:t>
                       </a:r>
                     </a:p>
-                  </a:txBody>
-                  <a:tcPr/>
-                </a:tc>
-                <a:tc>
-                  <a:txBody>
-                    <a:bodyPr/>
-                    <a:lstStyle/>
-                    <a:p>
-                      <a:r>
-                        <a:rPr lang="de-DE" sz="700"/>
-                        <a:t>Completed CC update (slidingWindow, QM, call of live-service)</a:t>
-                      </a:r>
-                    </a:p>
-                  </a:txBody>
-                  <a:tcPr/>
-                </a:tc>
-                <a:tc>
-                  <a:txBody>
-                    <a:bodyPr/>
-                    <a:lstStyle/>
-                    <a:p>
-                      <a:r>
-                        <a:rPr lang="de-DE" sz="700"/>
-                        <a:t>Partial CC update due </a:t>
-                      </a:r>
-                    </a:p>
-                    <a:p>
-                      <a:r>
-                        <a:rPr lang="de-DE" sz="700"/>
-                        <a:t>to notification</a:t>
-                      </a:r>
-                    </a:p>
-                  </a:txBody>
-                  <a:tcPr/>
-                </a:tc>
-                <a:extLst>
-                  <a:ext uri="{0D108BD9-81ED-4DB2-BD59-A6C34878D82A}">
-                    <a16:rowId xmlns:a16="http://schemas.microsoft.com/office/drawing/2014/main" val="2334020561"/>
-                  </a:ext>
-                </a:extLst>
-              </a:tr>
-              <a:tr h="370840">
-                <a:tc>
-                  <a:txBody>
-                    <a:bodyPr/>
-                    <a:lstStyle/>
-                    <a:p>
-                      <a:r>
-                        <a:rPr lang="de-DE" sz="700"/>
-                        <a:t>mount-name</a:t>
-                      </a:r>
-                    </a:p>
-                  </a:txBody>
-                  <a:tcPr/>
-                </a:tc>
-                <a:tc>
-                  <a:txBody>
-                    <a:bodyPr/>
-                    <a:lstStyle/>
-                    <a:p>
-                      <a:r>
-                        <a:rPr lang="de-DE" sz="700"/>
-                        <a:t>string</a:t>
-                      </a:r>
-                    </a:p>
-                  </a:txBody>
-                  <a:tcPr/>
-                </a:tc>
-                <a:tc>
-                  <a:txBody>
-                    <a:bodyPr/>
-                    <a:lstStyle/>
-                    <a:p>
-                      <a:r>
-                        <a:rPr lang="de-DE" sz="700"/>
-                        <a:t>periodic sync, notification</a:t>
-                      </a:r>
-                    </a:p>
-                  </a:txBody>
-                  <a:tcPr/>
-                </a:tc>
-                <a:tc>
-                  <a:txBody>
-                    <a:bodyPr/>
-                    <a:lstStyle/>
-                    <a:p>
-                      <a:r>
-                        <a:rPr lang="de-DE" sz="700"/>
-                        <a:t>add</a:t>
-                      </a:r>
-                    </a:p>
-                  </a:txBody>
-                  <a:tcPr/>
-                </a:tc>
-                <a:tc>
-                  <a:txBody>
-                    <a:bodyPr/>
-                    <a:lstStyle/>
-                    <a:p>
-                      <a:r>
-                        <a:rPr lang="de-DE" sz="700"/>
-                        <a:t>add</a:t>
-                      </a:r>
-                    </a:p>
-                  </a:txBody>
-                  <a:tcPr/>
-                </a:tc>
-                <a:tc>
-                  <a:txBody>
-                    <a:bodyPr/>
-                    <a:lstStyle/>
-                    <a:p>
-                      <a:r>
-                        <a:rPr lang="de-DE" sz="700"/>
-                        <a:t>-</a:t>
-                      </a:r>
-                    </a:p>
-                  </a:txBody>
-                  <a:tcPr/>
-                </a:tc>
-                <a:tc>
-                  <a:txBody>
-                    <a:bodyPr/>
-                    <a:lstStyle/>
-                    <a:p>
-                      <a:r>
-                        <a:rPr lang="de-DE" sz="700"/>
-                        <a:t>-</a:t>
-                      </a:r>
-                    </a:p>
-                  </a:txBody>
-                  <a:tcPr/>
-                </a:tc>
-                <a:tc>
-                  <a:txBody>
-                    <a:bodyPr/>
-                    <a:lstStyle/>
-                    <a:p>
-                      <a:r>
-                        <a:rPr lang="de-DE" sz="700"/>
-                        <a:t>-</a:t>
-                      </a:r>
-                    </a:p>
-                  </a:txBody>
-                  <a:tcPr/>
-                </a:tc>
-                <a:tc>
-                  <a:txBody>
-                    <a:bodyPr/>
-                    <a:lstStyle/>
-                    <a:p>
-                      <a:r>
-                        <a:rPr lang="de-DE" sz="700"/>
-                        <a:t>-</a:t>
-                      </a:r>
-                    </a:p>
-                  </a:txBody>
-                  <a:tcPr/>
-                </a:tc>
-                <a:extLst>
-                  <a:ext uri="{0D108BD9-81ED-4DB2-BD59-A6C34878D82A}">
-                    <a16:rowId xmlns:a16="http://schemas.microsoft.com/office/drawing/2014/main" val="625363744"/>
-                  </a:ext>
-                </a:extLst>
-              </a:tr>
-              <a:tr h="370840">
-                <a:tc>
-                  <a:txBody>
-                    <a:bodyPr/>
-                    <a:lstStyle/>
-                    <a:p>
-                      <a:r>
-                        <a:rPr lang="de-DE" sz="700"/>
-                        <a:t>connection-status</a:t>
-                      </a:r>
-                    </a:p>
-                  </a:txBody>
-                  <a:tcPr/>
-                </a:tc>
-                <a:tc>
-                  <a:txBody>
-                    <a:bodyPr/>
-                    <a:lstStyle/>
-                    <a:p>
-                      <a:r>
-                        <a:rPr lang="de-DE" sz="700"/>
-                        <a:t>string</a:t>
-                      </a:r>
-                    </a:p>
-                  </a:txBody>
-                  <a:tcPr/>
-                </a:tc>
-                <a:tc>
-                  <a:txBody>
-                    <a:bodyPr/>
-                    <a:lstStyle/>
                     <a:p>
                       <a:pPr marL="0" marR="0" lvl="0" indent="0" algn="l" defTabSz="914400" rtl="0" eaLnBrk="1" fontAlgn="auto" latinLnBrk="0" hangingPunct="1">
                         <a:lnSpc>
@@ -4616,12 +4412,22 @@
                         <a:defRPr/>
                       </a:pPr>
                       <a:r>
+                        <a:rPr lang="de-DE" sz="600"/>
+                        <a:t>(* if device to be kept)</a:t>
+                      </a:r>
+                    </a:p>
+                  </a:txBody>
+                  <a:tcPr/>
+                </a:tc>
+                <a:tc>
+                  <a:txBody>
+                    <a:bodyPr/>
+                    <a:lstStyle/>
+                    <a:p>
+                      <a:r>
                         <a:rPr lang="de-DE" sz="700"/>
-                        <a:t>periodic sync, notification</a:t>
-                      </a:r>
-                    </a:p>
-                    <a:p>
-                      <a:endParaRPr lang="de-DE" sz="700"/>
+                        <a:t>Completed CC update (slidingWindow, QM, call of live-service)</a:t>
+                      </a:r>
                     </a:p>
                   </a:txBody>
                   <a:tcPr/>
@@ -4633,72 +4439,13 @@
                     <a:p>
                       <a:r>
                         <a:rPr lang="de-DE" sz="700"/>
-                        <a:t>connected</a:t>
-                      </a:r>
-                    </a:p>
-                  </a:txBody>
-                  <a:tcPr/>
-                </a:tc>
-                <a:tc>
-                  <a:txBody>
-                    <a:bodyPr/>
-                    <a:lstStyle/>
+                        <a:t>Partial CC update due </a:t>
+                      </a:r>
+                    </a:p>
                     <a:p>
                       <a:r>
                         <a:rPr lang="de-DE" sz="700"/>
-                        <a:t>connected</a:t>
-                      </a:r>
-                    </a:p>
-                  </a:txBody>
-                  <a:tcPr/>
-                </a:tc>
-                <a:tc>
-                  <a:txBody>
-                    <a:bodyPr/>
-                    <a:lstStyle/>
-                    <a:p>
-                      <a:r>
-                        <a:rPr lang="de-DE" sz="700"/>
-                        <a:t>connecting | unable-to-connect</a:t>
-                      </a:r>
-                    </a:p>
-                  </a:txBody>
-                  <a:tcPr/>
-                </a:tc>
-                <a:tc>
-                  <a:txBody>
-                    <a:bodyPr/>
-                    <a:lstStyle/>
-                    <a:p>
-                      <a:r>
-                        <a:rPr lang="de-DE" sz="700"/>
-                        <a:t>connecting | unable-to-connect</a:t>
-                      </a:r>
-                    </a:p>
-                  </a:txBody>
-                  <a:tcPr/>
-                </a:tc>
-                <a:tc>
-                  <a:txBody>
-                    <a:bodyPr/>
-                    <a:lstStyle/>
-                    <a:p>
-                      <a:r>
-                        <a:rPr lang="de-DE" sz="700"/>
-                        <a:t>-</a:t>
-                      </a:r>
-                    </a:p>
-                  </a:txBody>
-                  <a:tcPr/>
-                </a:tc>
-                <a:tc>
-                  <a:txBody>
-                    <a:bodyPr/>
-                    <a:lstStyle/>
-                    <a:p>
-                      <a:r>
-                        <a:rPr lang="de-DE" sz="700"/>
-                        <a:t>-</a:t>
+                        <a:t>to notification</a:t>
                       </a:r>
                     </a:p>
                   </a:txBody>
@@ -4706,7 +4453,7 @@
                 </a:tc>
                 <a:extLst>
                   <a:ext uri="{0D108BD9-81ED-4DB2-BD59-A6C34878D82A}">
-                    <a16:rowId xmlns:a16="http://schemas.microsoft.com/office/drawing/2014/main" val="1158804284"/>
+                    <a16:rowId xmlns:a16="http://schemas.microsoft.com/office/drawing/2014/main" val="2334020561"/>
                   </a:ext>
                 </a:extLst>
               </a:tr>
@@ -4718,7 +4465,7 @@
                     <a:p>
                       <a:r>
                         <a:rPr lang="de-DE" sz="700"/>
-                        <a:t>changed-to-disconnected-time</a:t>
+                        <a:t>mount-name</a:t>
                       </a:r>
                     </a:p>
                   </a:txBody>
@@ -4731,7 +4478,131 @@
                     <a:p>
                       <a:r>
                         <a:rPr lang="de-DE" sz="700"/>
-                        <a:t>string, timestamp</a:t>
+                        <a:t>string</a:t>
+                      </a:r>
+                    </a:p>
+                  </a:txBody>
+                  <a:tcPr/>
+                </a:tc>
+                <a:tc>
+                  <a:txBody>
+                    <a:bodyPr/>
+                    <a:lstStyle/>
+                    <a:p>
+                      <a:r>
+                        <a:rPr lang="de-DE" sz="700"/>
+                        <a:t>periodic sync, notification</a:t>
+                      </a:r>
+                    </a:p>
+                  </a:txBody>
+                  <a:tcPr/>
+                </a:tc>
+                <a:tc>
+                  <a:txBody>
+                    <a:bodyPr/>
+                    <a:lstStyle/>
+                    <a:p>
+                      <a:r>
+                        <a:rPr lang="de-DE" sz="700"/>
+                        <a:t>add</a:t>
+                      </a:r>
+                    </a:p>
+                  </a:txBody>
+                  <a:tcPr/>
+                </a:tc>
+                <a:tc>
+                  <a:txBody>
+                    <a:bodyPr/>
+                    <a:lstStyle/>
+                    <a:p>
+                      <a:r>
+                        <a:rPr lang="de-DE" sz="700"/>
+                        <a:t>add</a:t>
+                      </a:r>
+                    </a:p>
+                  </a:txBody>
+                  <a:tcPr/>
+                </a:tc>
+                <a:tc>
+                  <a:txBody>
+                    <a:bodyPr/>
+                    <a:lstStyle/>
+                    <a:p>
+                      <a:r>
+                        <a:rPr lang="de-DE" sz="700"/>
+                        <a:t>-</a:t>
+                      </a:r>
+                    </a:p>
+                  </a:txBody>
+                  <a:tcPr/>
+                </a:tc>
+                <a:tc>
+                  <a:txBody>
+                    <a:bodyPr/>
+                    <a:lstStyle/>
+                    <a:p>
+                      <a:r>
+                        <a:rPr lang="de-DE" sz="700"/>
+                        <a:t>-</a:t>
+                      </a:r>
+                    </a:p>
+                  </a:txBody>
+                  <a:tcPr/>
+                </a:tc>
+                <a:tc>
+                  <a:txBody>
+                    <a:bodyPr/>
+                    <a:lstStyle/>
+                    <a:p>
+                      <a:r>
+                        <a:rPr lang="de-DE" sz="700"/>
+                        <a:t>-</a:t>
+                      </a:r>
+                    </a:p>
+                  </a:txBody>
+                  <a:tcPr/>
+                </a:tc>
+                <a:tc>
+                  <a:txBody>
+                    <a:bodyPr/>
+                    <a:lstStyle/>
+                    <a:p>
+                      <a:r>
+                        <a:rPr lang="de-DE" sz="700"/>
+                        <a:t>-</a:t>
+                      </a:r>
+                    </a:p>
+                  </a:txBody>
+                  <a:tcPr/>
+                </a:tc>
+                <a:extLst>
+                  <a:ext uri="{0D108BD9-81ED-4DB2-BD59-A6C34878D82A}">
+                    <a16:rowId xmlns:a16="http://schemas.microsoft.com/office/drawing/2014/main" val="625363744"/>
+                  </a:ext>
+                </a:extLst>
+              </a:tr>
+              <a:tr h="370840">
+                <a:tc>
+                  <a:txBody>
+                    <a:bodyPr/>
+                    <a:lstStyle/>
+                    <a:p>
+                      <a:r>
+                        <a:rPr lang="de-DE" sz="700"/>
+                        <a:t>connection-status</a:t>
+                      </a:r>
+                    </a:p>
+                  </a:txBody>
+                  <a:tcPr/>
+                </a:tc>
+                <a:tc>
+                  <a:txBody>
+                    <a:bodyPr/>
+                    <a:lstStyle/>
+                    <a:p>
+                      <a:r>
+                        <a:rPr lang="de-DE" sz="700"/>
+                        <a:t>string</a:t>
                       </a:r>
                     </a:p>
                   </a:txBody>
@@ -4765,6 +4636,127 @@
                       </a:r>
                     </a:p>
                     <a:p>
+                      <a:endParaRPr lang="de-DE" sz="700"/>
+                    </a:p>
+                  </a:txBody>
+                  <a:tcPr/>
+                </a:tc>
+                <a:tc>
+                  <a:txBody>
+                    <a:bodyPr/>
+                    <a:lstStyle/>
+                    <a:p>
+                      <a:r>
+                        <a:rPr lang="de-DE" sz="700"/>
+                        <a:t>connected</a:t>
+                      </a:r>
+                    </a:p>
+                  </a:txBody>
+                  <a:tcPr/>
+                </a:tc>
+                <a:tc>
+                  <a:txBody>
+                    <a:bodyPr/>
+                    <a:lstStyle/>
+                    <a:p>
+                      <a:r>
+                        <a:rPr lang="de-DE" sz="700"/>
+                        <a:t>connected</a:t>
+                      </a:r>
+                    </a:p>
+                  </a:txBody>
+                  <a:tcPr/>
+                </a:tc>
+                <a:tc>
+                  <a:txBody>
+                    <a:bodyPr/>
+                    <a:lstStyle/>
+                    <a:p>
+                      <a:r>
+                        <a:rPr lang="de-DE" sz="700"/>
+                        <a:t>disconnected</a:t>
+                      </a:r>
+                    </a:p>
+                  </a:txBody>
+                  <a:tcPr/>
+                </a:tc>
+                <a:tc>
+                  <a:txBody>
+                    <a:bodyPr/>
+                    <a:lstStyle/>
+                    <a:p>
+                      <a:r>
+                        <a:rPr lang="de-DE" sz="700"/>
+                        <a:t>disconnected</a:t>
+                      </a:r>
+                    </a:p>
+                  </a:txBody>
+                  <a:tcPr/>
+                </a:tc>
+                <a:tc>
+                  <a:txBody>
+                    <a:bodyPr/>
+                    <a:lstStyle/>
+                    <a:p>
+                      <a:r>
+                        <a:rPr lang="de-DE" sz="700"/>
+                        <a:t>-</a:t>
+                      </a:r>
+                    </a:p>
+                  </a:txBody>
+                  <a:tcPr/>
+                </a:tc>
+                <a:tc>
+                  <a:txBody>
+                    <a:bodyPr/>
+                    <a:lstStyle/>
+                    <a:p>
+                      <a:r>
+                        <a:rPr lang="de-DE" sz="700"/>
+                        <a:t>-</a:t>
+                      </a:r>
+                    </a:p>
+                  </a:txBody>
+                  <a:tcPr/>
+                </a:tc>
+                <a:extLst>
+                  <a:ext uri="{0D108BD9-81ED-4DB2-BD59-A6C34878D82A}">
+                    <a16:rowId xmlns:a16="http://schemas.microsoft.com/office/drawing/2014/main" val="1158804284"/>
+                  </a:ext>
+                </a:extLst>
+              </a:tr>
+              <a:tr h="370840">
+                <a:tc>
+                  <a:txBody>
+                    <a:bodyPr/>
+                    <a:lstStyle/>
+                    <a:p>
+                      <a:r>
+                        <a:rPr lang="de-DE" sz="700"/>
+                        <a:t>changed-to-disconnected-time</a:t>
+                      </a:r>
+                    </a:p>
+                  </a:txBody>
+                  <a:tcPr/>
+                </a:tc>
+                <a:tc>
+                  <a:txBody>
+                    <a:bodyPr/>
+                    <a:lstStyle/>
+                    <a:p>
+                      <a:r>
+                        <a:rPr lang="de-DE" sz="700"/>
+                        <a:t>string, timestamp</a:t>
+                      </a:r>
+                    </a:p>
+                  </a:txBody>
+                  <a:tcPr/>
+                </a:tc>
+                <a:tc>
+                  <a:txBody>
+                    <a:bodyPr/>
+                    <a:lstStyle/>
+                    <a:p>
                       <a:pPr marL="0" marR="0" lvl="0" indent="0" algn="l" defTabSz="914400" rtl="0" eaLnBrk="1" fontAlgn="auto" latinLnBrk="0" hangingPunct="1">
                         <a:lnSpc>
                           <a:spcPct val="100000"/>
@@ -4784,127 +4776,9 @@
                       </a:pPr>
                       <a:r>
                         <a:rPr lang="de-DE" sz="700"/>
-                        <a:t>(is only the time when MWDI learns about the disconnect, not necessarily the acutal dc time)</a:t>
-                      </a:r>
-                    </a:p>
-                  </a:txBody>
-                  <a:tcPr/>
-                </a:tc>
-                <a:tc>
-                  <a:txBody>
-                    <a:bodyPr/>
-                    <a:lstStyle/>
-                    <a:p>
-                      <a:r>
-                        <a:rPr lang="de-DE" sz="700"/>
-                        <a:t>null</a:t>
-                      </a:r>
-                    </a:p>
-                  </a:txBody>
-                  <a:tcPr/>
-                </a:tc>
-                <a:tc>
-                  <a:txBody>
-                    <a:bodyPr/>
-                    <a:lstStyle/>
-                    <a:p>
-                      <a:r>
-                        <a:rPr lang="de-DE" sz="700"/>
-                        <a:t>null</a:t>
-                      </a:r>
-                    </a:p>
-                  </a:txBody>
-                  <a:tcPr/>
-                </a:tc>
-                <a:tc>
-                  <a:txBody>
-                    <a:bodyPr/>
-                    <a:lstStyle/>
-                    <a:p>
-                      <a:r>
-                        <a:rPr lang="de-DE" sz="700"/>
-                        <a:t>currentTime</a:t>
-                      </a:r>
-                    </a:p>
-                  </a:txBody>
-                  <a:tcPr/>
-                </a:tc>
-                <a:tc>
-                  <a:txBody>
-                    <a:bodyPr/>
-                    <a:lstStyle/>
-                    <a:p>
-                      <a:r>
-                        <a:rPr lang="de-DE" sz="700"/>
-                        <a:t>currentTime</a:t>
-                      </a:r>
-                    </a:p>
-                  </a:txBody>
-                  <a:tcPr/>
-                </a:tc>
-                <a:tc>
-                  <a:txBody>
-                    <a:bodyPr/>
-                    <a:lstStyle/>
-                    <a:p>
-                      <a:r>
-                        <a:rPr lang="de-DE" sz="700"/>
-                        <a:t>-</a:t>
-                      </a:r>
-                    </a:p>
-                  </a:txBody>
-                  <a:tcPr/>
-                </a:tc>
-                <a:tc>
-                  <a:txBody>
-                    <a:bodyPr/>
-                    <a:lstStyle/>
-                    <a:p>
-                      <a:r>
-                        <a:rPr lang="de-DE" sz="700"/>
-                        <a:t>-</a:t>
-                      </a:r>
-                    </a:p>
-                  </a:txBody>
-                  <a:tcPr/>
-                </a:tc>
-                <a:extLst>
-                  <a:ext uri="{0D108BD9-81ED-4DB2-BD59-A6C34878D82A}">
-                    <a16:rowId xmlns:a16="http://schemas.microsoft.com/office/drawing/2014/main" val="3795152502"/>
-                  </a:ext>
-                </a:extLst>
-              </a:tr>
-              <a:tr h="370840">
-                <a:tc>
-                  <a:txBody>
-                    <a:bodyPr/>
-                    <a:lstStyle/>
-                    <a:p>
-                      <a:r>
-                        <a:rPr lang="de-DE" sz="700"/>
-                        <a:t>added-to-device-list-time</a:t>
-                      </a:r>
-                    </a:p>
-                  </a:txBody>
-                  <a:tcPr/>
-                </a:tc>
-                <a:tc>
-                  <a:txBody>
-                    <a:bodyPr/>
-                    <a:lstStyle/>
-                    <a:p>
-                      <a:r>
-                        <a:rPr lang="de-DE" sz="700"/>
-                        <a:t>string, timestamp</a:t>
-                      </a:r>
-                    </a:p>
-                  </a:txBody>
-                  <a:tcPr/>
-                </a:tc>
-                <a:tc>
-                  <a:txBody>
-                    <a:bodyPr/>
-                    <a:lstStyle/>
+                        <a:t>periodic sync, notification</a:t>
+                      </a:r>
+                    </a:p>
                     <a:p>
                       <a:pPr marL="0" marR="0" lvl="0" indent="0" algn="l" defTabSz="914400" rtl="0" eaLnBrk="1" fontAlgn="auto" latinLnBrk="0" hangingPunct="1">
                         <a:lnSpc>
@@ -4925,11 +4799,34 @@
                       </a:pPr>
                       <a:r>
                         <a:rPr lang="de-DE" sz="700"/>
-                        <a:t>periodic sync, notification</a:t>
-                      </a:r>
-                    </a:p>
-                    <a:p>
-                      <a:endParaRPr lang="de-DE" sz="700"/>
+                        <a:t>(is only the time when MWDI learns about the disconnect, not necessarily the acutal dc time)</a:t>
+                      </a:r>
+                    </a:p>
+                  </a:txBody>
+                  <a:tcPr/>
+                </a:tc>
+                <a:tc>
+                  <a:txBody>
+                    <a:bodyPr/>
+                    <a:lstStyle/>
+                    <a:p>
+                      <a:r>
+                        <a:rPr lang="de-DE" sz="700"/>
+                        <a:t>null</a:t>
+                      </a:r>
+                    </a:p>
+                  </a:txBody>
+                  <a:tcPr/>
+                </a:tc>
+                <a:tc>
+                  <a:txBody>
+                    <a:bodyPr/>
+                    <a:lstStyle/>
+                    <a:p>
+                      <a:r>
+                        <a:rPr lang="de-DE" sz="700"/>
+                        <a:t>null</a:t>
+                      </a:r>
                     </a:p>
                   </a:txBody>
                   <a:tcPr/>
@@ -4986,35 +4883,9 @@
                   </a:txBody>
                   <a:tcPr/>
                 </a:tc>
-                <a:tc>
-                  <a:txBody>
-                    <a:bodyPr/>
-                    <a:lstStyle/>
-                    <a:p>
-                      <a:r>
-                        <a:rPr lang="de-DE" sz="700"/>
-                        <a:t>-</a:t>
-                      </a:r>
-                    </a:p>
-                  </a:txBody>
-                  <a:tcPr/>
-                </a:tc>
-                <a:tc>
-                  <a:txBody>
-                    <a:bodyPr/>
-                    <a:lstStyle/>
-                    <a:p>
-                      <a:r>
-                        <a:rPr lang="de-DE" sz="700"/>
-                        <a:t>-</a:t>
-                      </a:r>
-                    </a:p>
-                  </a:txBody>
-                  <a:tcPr/>
-                </a:tc>
                 <a:extLst>
                   <a:ext uri="{0D108BD9-81ED-4DB2-BD59-A6C34878D82A}">
-                    <a16:rowId xmlns:a16="http://schemas.microsoft.com/office/drawing/2014/main" val="1915236450"/>
+                    <a16:rowId xmlns:a16="http://schemas.microsoft.com/office/drawing/2014/main" val="3795152502"/>
                   </a:ext>
                 </a:extLst>
               </a:tr>
@@ -5026,7 +4897,7 @@
                     <a:p>
                       <a:r>
                         <a:rPr lang="de-DE" sz="700"/>
-                        <a:t>last-complete-control-construct-update-time-attempt</a:t>
+                        <a:t>added-to-device-list-time</a:t>
                       </a:r>
                     </a:p>
                   </a:txBody>
@@ -5040,644 +4911,6 @@
                       <a:r>
                         <a:rPr lang="de-DE" sz="700"/>
                         <a:t>string, timestamp</a:t>
-                      </a:r>
-                    </a:p>
-                  </a:txBody>
-                  <a:tcPr/>
-                </a:tc>
-                <a:tc>
-                  <a:txBody>
-                    <a:bodyPr/>
-                    <a:lstStyle/>
-                    <a:p>
-                      <a:r>
-                        <a:rPr lang="de-DE" sz="700"/>
-                        <a:t>periodic CC retrieval slidingWindow and QM, on-demand retrieval by call of live-services</a:t>
-                      </a:r>
-                    </a:p>
-                  </a:txBody>
-                  <a:tcPr/>
-                </a:tc>
-                <a:tc>
-                  <a:txBody>
-                    <a:bodyPr/>
-                    <a:lstStyle/>
-                    <a:p>
-                      <a:r>
-                        <a:rPr lang="de-DE" sz="700"/>
-                        <a:t>null</a:t>
-                      </a:r>
-                    </a:p>
-                    <a:p>
-                      <a:endParaRPr lang="de-DE" sz="700"/>
-                    </a:p>
-                  </a:txBody>
-                  <a:tcPr/>
-                </a:tc>
-                <a:tc>
-                  <a:txBody>
-                    <a:bodyPr/>
-                    <a:lstStyle/>
-                    <a:p>
-                      <a:r>
-                        <a:rPr lang="de-DE" sz="700"/>
-                        <a:t>null</a:t>
-                      </a:r>
-                    </a:p>
-                  </a:txBody>
-                  <a:tcPr/>
-                </a:tc>
-                <a:tc>
-                  <a:txBody>
-                    <a:bodyPr/>
-                    <a:lstStyle/>
-                    <a:p>
-                      <a:r>
-                        <a:rPr lang="de-DE" sz="700"/>
-                        <a:t>null</a:t>
-                      </a:r>
-                    </a:p>
-                  </a:txBody>
-                  <a:tcPr/>
-                </a:tc>
-                <a:tc>
-                  <a:txBody>
-                    <a:bodyPr/>
-                    <a:lstStyle/>
-                    <a:p>
-                      <a:r>
-                        <a:rPr lang="de-DE" sz="700"/>
-                        <a:t>null</a:t>
-                      </a:r>
-                    </a:p>
-                  </a:txBody>
-                  <a:tcPr/>
-                </a:tc>
-                <a:tc>
-                  <a:txBody>
-                    <a:bodyPr/>
-                    <a:lstStyle/>
-                    <a:p>
-                      <a:r>
-                        <a:rPr lang="de-DE" sz="700"/>
-                        <a:t>currentTime</a:t>
-                      </a:r>
-                    </a:p>
-                    <a:p>
-                      <a:r>
-                        <a:rPr lang="de-DE" sz="700"/>
-                        <a:t>(also if not successful)</a:t>
-                      </a:r>
-                    </a:p>
-                  </a:txBody>
-                  <a:tcPr/>
-                </a:tc>
-                <a:tc>
-                  <a:txBody>
-                    <a:bodyPr/>
-                    <a:lstStyle/>
-                    <a:p>
-                      <a:r>
-                        <a:rPr lang="de-DE" sz="700"/>
-                        <a:t>-</a:t>
-                      </a:r>
-                    </a:p>
-                  </a:txBody>
-                  <a:tcPr/>
-                </a:tc>
-                <a:extLst>
-                  <a:ext uri="{0D108BD9-81ED-4DB2-BD59-A6C34878D82A}">
-                    <a16:rowId xmlns:a16="http://schemas.microsoft.com/office/drawing/2014/main" val="4128198377"/>
-                  </a:ext>
-                </a:extLst>
-              </a:tr>
-              <a:tr h="370840">
-                <a:tc>
-                  <a:txBody>
-                    <a:bodyPr/>
-                    <a:lstStyle/>
-                    <a:p>
-                      <a:r>
-                        <a:rPr lang="de-DE" sz="700"/>
-                        <a:t>last-successful-complete-control-construct-update-time</a:t>
-                      </a:r>
-                    </a:p>
-                  </a:txBody>
-                  <a:tcPr/>
-                </a:tc>
-                <a:tc>
-                  <a:txBody>
-                    <a:bodyPr/>
-                    <a:lstStyle/>
-                    <a:p>
-                      <a:r>
-                        <a:rPr lang="de-DE" sz="700"/>
-                        <a:t>String, timestamp</a:t>
-                      </a:r>
-                    </a:p>
-                  </a:txBody>
-                  <a:tcPr/>
-                </a:tc>
-                <a:tc>
-                  <a:txBody>
-                    <a:bodyPr/>
-                    <a:lstStyle/>
-                    <a:p>
-                      <a:r>
-                        <a:rPr lang="de-DE" sz="700"/>
-                        <a:t>periodic CC retrieval slidingWindow and QM, on-demand retrieval by call of live-services</a:t>
-                      </a:r>
-                    </a:p>
-                    <a:p>
-                      <a:r>
-                        <a:rPr lang="de-DE" sz="700"/>
-                        <a:t>Only in case of success</a:t>
-                      </a:r>
-                    </a:p>
-                  </a:txBody>
-                  <a:tcPr/>
-                </a:tc>
-                <a:tc>
-                  <a:txBody>
-                    <a:bodyPr/>
-                    <a:lstStyle/>
-                    <a:p>
-                      <a:r>
-                        <a:rPr lang="de-DE" sz="700"/>
-                        <a:t>null</a:t>
-                      </a:r>
-                    </a:p>
-                  </a:txBody>
-                  <a:tcPr/>
-                </a:tc>
-                <a:tc>
-                  <a:txBody>
-                    <a:bodyPr/>
-                    <a:lstStyle/>
-                    <a:p>
-                      <a:r>
-                        <a:rPr lang="de-DE" sz="700"/>
-                        <a:t>null</a:t>
-                      </a:r>
-                    </a:p>
-                  </a:txBody>
-                  <a:tcPr/>
-                </a:tc>
-                <a:tc>
-                  <a:txBody>
-                    <a:bodyPr/>
-                    <a:lstStyle/>
-                    <a:p>
-                      <a:r>
-                        <a:rPr lang="de-DE" sz="700"/>
-                        <a:t>-</a:t>
-                      </a:r>
-                    </a:p>
-                  </a:txBody>
-                  <a:tcPr/>
-                </a:tc>
-                <a:tc>
-                  <a:txBody>
-                    <a:bodyPr/>
-                    <a:lstStyle/>
-                    <a:p>
-                      <a:r>
-                        <a:rPr lang="de-DE" sz="700"/>
-                        <a:t>-</a:t>
-                      </a:r>
-                    </a:p>
-                  </a:txBody>
-                  <a:tcPr/>
-                </a:tc>
-                <a:tc>
-                  <a:txBody>
-                    <a:bodyPr/>
-                    <a:lstStyle/>
-                    <a:p>
-                      <a:r>
-                        <a:rPr lang="de-DE" sz="700"/>
-                        <a:t>currentTime</a:t>
-                      </a:r>
-                    </a:p>
-                    <a:p>
-                      <a:r>
-                        <a:rPr lang="de-DE" sz="700"/>
-                        <a:t>(only if successful)</a:t>
-                      </a:r>
-                    </a:p>
-                  </a:txBody>
-                  <a:tcPr/>
-                </a:tc>
-                <a:tc>
-                  <a:txBody>
-                    <a:bodyPr/>
-                    <a:lstStyle/>
-                    <a:p>
-                      <a:r>
-                        <a:rPr lang="de-DE" sz="700"/>
-                        <a:t>-</a:t>
-                      </a:r>
-                    </a:p>
-                  </a:txBody>
-                  <a:tcPr/>
-                </a:tc>
-                <a:extLst>
-                  <a:ext uri="{0D108BD9-81ED-4DB2-BD59-A6C34878D82A}">
-                    <a16:rowId xmlns:a16="http://schemas.microsoft.com/office/drawing/2014/main" val="1707420997"/>
-                  </a:ext>
-                </a:extLst>
-              </a:tr>
-              <a:tr h="370840">
-                <a:tc>
-                  <a:txBody>
-                    <a:bodyPr/>
-                    <a:lstStyle/>
-                    <a:p>
-                      <a:r>
-                        <a:rPr lang="de-DE" sz="700"/>
-                        <a:t>last-control-construct-notification-update-time</a:t>
-                      </a:r>
-                    </a:p>
-                  </a:txBody>
-                  <a:tcPr/>
-                </a:tc>
-                <a:tc>
-                  <a:txBody>
-                    <a:bodyPr/>
-                    <a:lstStyle/>
-                    <a:p>
-                      <a:r>
-                        <a:rPr lang="de-DE" sz="700"/>
-                        <a:t>string, timestamp</a:t>
-                      </a:r>
-                    </a:p>
-                  </a:txBody>
-                  <a:tcPr/>
-                </a:tc>
-                <a:tc>
-                  <a:txBody>
-                    <a:bodyPr/>
-                    <a:lstStyle/>
-                    <a:p>
-                      <a:r>
-                        <a:rPr lang="de-DE" sz="700"/>
-                        <a:t>notification</a:t>
-                      </a:r>
-                    </a:p>
-                  </a:txBody>
-                  <a:tcPr/>
-                </a:tc>
-                <a:tc>
-                  <a:txBody>
-                    <a:bodyPr/>
-                    <a:lstStyle/>
-                    <a:p>
-                      <a:r>
-                        <a:rPr lang="de-DE" sz="700"/>
-                        <a:t>null</a:t>
-                      </a:r>
-                    </a:p>
-                  </a:txBody>
-                  <a:tcPr/>
-                </a:tc>
-                <a:tc>
-                  <a:txBody>
-                    <a:bodyPr/>
-                    <a:lstStyle/>
-                    <a:p>
-                      <a:r>
-                        <a:rPr lang="de-DE" sz="700"/>
-                        <a:t>null</a:t>
-                      </a:r>
-                    </a:p>
-                  </a:txBody>
-                  <a:tcPr/>
-                </a:tc>
-                <a:tc>
-                  <a:txBody>
-                    <a:bodyPr/>
-                    <a:lstStyle/>
-                    <a:p>
-                      <a:r>
-                        <a:rPr lang="de-DE" sz="700"/>
-                        <a:t>-</a:t>
-                      </a:r>
-                    </a:p>
-                  </a:txBody>
-                  <a:tcPr/>
-                </a:tc>
-                <a:tc>
-                  <a:txBody>
-                    <a:bodyPr/>
-                    <a:lstStyle/>
-                    <a:p>
-                      <a:r>
-                        <a:rPr lang="de-DE" sz="700"/>
-                        <a:t>-</a:t>
-                      </a:r>
-                    </a:p>
-                  </a:txBody>
-                  <a:tcPr/>
-                </a:tc>
-                <a:tc>
-                  <a:txBody>
-                    <a:bodyPr/>
-                    <a:lstStyle/>
-                    <a:p>
-                      <a:r>
-                        <a:rPr lang="de-DE" sz="700"/>
-                        <a:t>-</a:t>
-                      </a:r>
-                    </a:p>
-                  </a:txBody>
-                  <a:tcPr/>
-                </a:tc>
-                <a:tc>
-                  <a:txBody>
-                    <a:bodyPr/>
-                    <a:lstStyle/>
-                    <a:p>
-                      <a:r>
-                        <a:rPr lang="de-DE" sz="700"/>
-                        <a:t>currentTime</a:t>
-                      </a:r>
-                    </a:p>
-                  </a:txBody>
-                  <a:tcPr/>
-                </a:tc>
-                <a:extLst>
-                  <a:ext uri="{0D108BD9-81ED-4DB2-BD59-A6C34878D82A}">
-                    <a16:rowId xmlns:a16="http://schemas.microsoft.com/office/drawing/2014/main" val="3885316261"/>
-                  </a:ext>
-                </a:extLst>
-              </a:tr>
-              <a:tr h="370840">
-                <a:tc>
-                  <a:txBody>
-                    <a:bodyPr/>
-                    <a:lstStyle/>
-                    <a:p>
-                      <a:r>
-                        <a:rPr lang="de-DE" sz="700"/>
-                        <a:t>number-of-partial-updates-since-last-complete-update</a:t>
-                      </a:r>
-                    </a:p>
-                  </a:txBody>
-                  <a:tcPr/>
-                </a:tc>
-                <a:tc>
-                  <a:txBody>
-                    <a:bodyPr/>
-                    <a:lstStyle/>
-                    <a:p>
-                      <a:r>
-                        <a:rPr lang="de-DE" sz="700"/>
-                        <a:t>integer</a:t>
-                      </a:r>
-                    </a:p>
-                  </a:txBody>
-                  <a:tcPr/>
-                </a:tc>
-                <a:tc>
-                  <a:txBody>
-                    <a:bodyPr/>
-                    <a:lstStyle/>
-                    <a:p>
-                      <a:r>
-                        <a:rPr lang="de-DE" sz="700"/>
-                        <a:t>notification</a:t>
-                      </a:r>
-                    </a:p>
-                  </a:txBody>
-                  <a:tcPr/>
-                </a:tc>
-                <a:tc>
-                  <a:txBody>
-                    <a:bodyPr/>
-                    <a:lstStyle/>
-                    <a:p>
-                      <a:r>
-                        <a:rPr lang="de-DE" sz="700"/>
-                        <a:t>0</a:t>
-                      </a:r>
-                    </a:p>
-                  </a:txBody>
-                  <a:tcPr/>
-                </a:tc>
-                <a:tc>
-                  <a:txBody>
-                    <a:bodyPr/>
-                    <a:lstStyle/>
-                    <a:p>
-                      <a:r>
-                        <a:rPr lang="de-DE" sz="700"/>
-                        <a:t>0</a:t>
-                      </a:r>
-                    </a:p>
-                  </a:txBody>
-                  <a:tcPr/>
-                </a:tc>
-                <a:tc>
-                  <a:txBody>
-                    <a:bodyPr/>
-                    <a:lstStyle/>
-                    <a:p>
-                      <a:r>
-                        <a:rPr lang="de-DE" sz="700"/>
-                        <a:t>0</a:t>
-                      </a:r>
-                    </a:p>
-                  </a:txBody>
-                  <a:tcPr/>
-                </a:tc>
-                <a:tc>
-                  <a:txBody>
-                    <a:bodyPr/>
-                    <a:lstStyle/>
-                    <a:p>
-                      <a:r>
-                        <a:rPr lang="de-DE" sz="700"/>
-                        <a:t>0</a:t>
-                      </a:r>
-                    </a:p>
-                  </a:txBody>
-                  <a:tcPr/>
-                </a:tc>
-                <a:tc>
-                  <a:txBody>
-                    <a:bodyPr/>
-                    <a:lstStyle/>
-                    <a:p>
-                      <a:r>
-                        <a:rPr lang="de-DE" sz="700"/>
-                        <a:t>0</a:t>
-                      </a:r>
-                    </a:p>
-                  </a:txBody>
-                  <a:tcPr/>
-                </a:tc>
-                <a:tc>
-                  <a:txBody>
-                    <a:bodyPr/>
-                    <a:lstStyle/>
-                    <a:p>
-                      <a:r>
-                        <a:rPr lang="de-DE" sz="700"/>
-                        <a:t>Increase by 1</a:t>
-                      </a:r>
-                    </a:p>
-                  </a:txBody>
-                  <a:tcPr/>
-                </a:tc>
-                <a:extLst>
-                  <a:ext uri="{0D108BD9-81ED-4DB2-BD59-A6C34878D82A}">
-                    <a16:rowId xmlns:a16="http://schemas.microsoft.com/office/drawing/2014/main" val="2030681551"/>
-                  </a:ext>
-                </a:extLst>
-              </a:tr>
-              <a:tr h="370840">
-                <a:tc>
-                  <a:txBody>
-                    <a:bodyPr/>
-                    <a:lstStyle/>
-                    <a:p>
-                      <a:r>
-                        <a:rPr lang="de-DE" sz="700"/>
-                        <a:t>schema-cache-directory</a:t>
-                      </a:r>
-                    </a:p>
-                  </a:txBody>
-                  <a:tcPr/>
-                </a:tc>
-                <a:tc>
-                  <a:txBody>
-                    <a:bodyPr/>
-                    <a:lstStyle/>
-                    <a:p>
-                      <a:r>
-                        <a:rPr lang="de-DE" sz="700"/>
-                        <a:t>string</a:t>
-                      </a:r>
-                    </a:p>
-                  </a:txBody>
-                  <a:tcPr/>
-                </a:tc>
-                <a:tc>
-                  <a:txBody>
-                    <a:bodyPr/>
-                    <a:lstStyle/>
-                    <a:p>
-                      <a:r>
-                        <a:rPr lang="de-DE" sz="700"/>
-                        <a:t>only set during periodic sync</a:t>
-                      </a:r>
-                    </a:p>
-                  </a:txBody>
-                  <a:tcPr/>
-                </a:tc>
-                <a:tc>
-                  <a:txBody>
-                    <a:bodyPr/>
-                    <a:lstStyle/>
-                    <a:p>
-                      <a:r>
-                        <a:rPr lang="de-DE" sz="700"/>
-                        <a:t>schema-cache-directory from Controller deviceList</a:t>
-                      </a:r>
-                    </a:p>
-                  </a:txBody>
-                  <a:tcPr/>
-                </a:tc>
-                <a:tc>
-                  <a:txBody>
-                    <a:bodyPr/>
-                    <a:lstStyle/>
-                    <a:p>
-                      <a:r>
-                        <a:rPr lang="de-DE" sz="700"/>
-                        <a:t>-</a:t>
-                      </a:r>
-                    </a:p>
-                  </a:txBody>
-                  <a:tcPr/>
-                </a:tc>
-                <a:tc>
-                  <a:txBody>
-                    <a:bodyPr/>
-                    <a:lstStyle/>
-                    <a:p>
-                      <a:r>
-                        <a:rPr lang="de-DE" sz="700"/>
-                        <a:t>-</a:t>
-                      </a:r>
-                    </a:p>
-                  </a:txBody>
-                  <a:tcPr/>
-                </a:tc>
-                <a:tc>
-                  <a:txBody>
-                    <a:bodyPr/>
-                    <a:lstStyle/>
-                    <a:p>
-                      <a:r>
-                        <a:rPr lang="de-DE" sz="700"/>
-                        <a:t>-</a:t>
-                      </a:r>
-                    </a:p>
-                  </a:txBody>
-                  <a:tcPr/>
-                </a:tc>
-                <a:tc>
-                  <a:txBody>
-                    <a:bodyPr/>
-                    <a:lstStyle/>
-                    <a:p>
-                      <a:r>
-                        <a:rPr lang="de-DE" sz="700"/>
-                        <a:t>-</a:t>
-                      </a:r>
-                    </a:p>
-                  </a:txBody>
-                  <a:tcPr/>
-                </a:tc>
-                <a:tc>
-                  <a:txBody>
-                    <a:bodyPr/>
-                    <a:lstStyle/>
-                    <a:p>
-                      <a:endParaRPr lang="de-DE" sz="700"/>
-                    </a:p>
-                  </a:txBody>
-                  <a:tcPr/>
-                </a:tc>
-                <a:extLst>
-                  <a:ext uri="{0D108BD9-81ED-4DB2-BD59-A6C34878D82A}">
-                    <a16:rowId xmlns:a16="http://schemas.microsoft.com/office/drawing/2014/main" val="3589919307"/>
-                  </a:ext>
-                </a:extLst>
-              </a:tr>
-              <a:tr h="370840">
-                <a:tc>
-                  <a:txBody>
-                    <a:bodyPr/>
-                    <a:lstStyle/>
-                    <a:p>
-                      <a:r>
-                        <a:rPr lang="de-DE" sz="700"/>
-                        <a:t>device-type</a:t>
-                      </a:r>
-                    </a:p>
-                  </a:txBody>
-                  <a:tcPr/>
-                </a:tc>
-                <a:tc>
-                  <a:txBody>
-                    <a:bodyPr/>
-                    <a:lstStyle/>
-                    <a:p>
-                      <a:r>
-                        <a:rPr lang="de-DE" sz="700"/>
-                        <a:t>string</a:t>
                       </a:r>
                     </a:p>
                   </a:txBody>
@@ -5707,9 +4940,165 @@
                       </a:pPr>
                       <a:r>
                         <a:rPr lang="de-DE" sz="700"/>
-                        <a:t>only set during periodic sync</a:t>
-                      </a:r>
-                    </a:p>
+                        <a:t>periodic sync, notification</a:t>
+                      </a:r>
+                    </a:p>
+                    <a:p>
+                      <a:endParaRPr lang="de-DE" sz="700"/>
+                    </a:p>
+                  </a:txBody>
+                  <a:tcPr/>
+                </a:tc>
+                <a:tc>
+                  <a:txBody>
+                    <a:bodyPr/>
+                    <a:lstStyle/>
+                    <a:p>
+                      <a:r>
+                        <a:rPr lang="de-DE" sz="700"/>
+                        <a:t>currentTime</a:t>
+                      </a:r>
+                    </a:p>
+                  </a:txBody>
+                  <a:tcPr/>
+                </a:tc>
+                <a:tc>
+                  <a:txBody>
+                    <a:bodyPr/>
+                    <a:lstStyle/>
+                    <a:p>
+                      <a:r>
+                        <a:rPr lang="de-DE" sz="700"/>
+                        <a:t>currentTime</a:t>
+                      </a:r>
+                    </a:p>
+                  </a:txBody>
+                  <a:tcPr/>
+                </a:tc>
+                <a:tc>
+                  <a:txBody>
+                    <a:bodyPr/>
+                    <a:lstStyle/>
+                    <a:p>
+                      <a:r>
+                        <a:rPr lang="de-DE" sz="700"/>
+                        <a:t>-</a:t>
+                      </a:r>
+                    </a:p>
+                  </a:txBody>
+                  <a:tcPr/>
+                </a:tc>
+                <a:tc>
+                  <a:txBody>
+                    <a:bodyPr/>
+                    <a:lstStyle/>
+                    <a:p>
+                      <a:r>
+                        <a:rPr lang="de-DE" sz="700"/>
+                        <a:t>-</a:t>
+                      </a:r>
+                    </a:p>
+                  </a:txBody>
+                  <a:tcPr/>
+                </a:tc>
+                <a:tc>
+                  <a:txBody>
+                    <a:bodyPr/>
+                    <a:lstStyle/>
+                    <a:p>
+                      <a:r>
+                        <a:rPr lang="de-DE" sz="700"/>
+                        <a:t>-</a:t>
+                      </a:r>
+                    </a:p>
+                  </a:txBody>
+                  <a:tcPr/>
+                </a:tc>
+                <a:tc>
+                  <a:txBody>
+                    <a:bodyPr/>
+                    <a:lstStyle/>
+                    <a:p>
+                      <a:r>
+                        <a:rPr lang="de-DE" sz="700"/>
+                        <a:t>-</a:t>
+                      </a:r>
+                    </a:p>
+                  </a:txBody>
+                  <a:tcPr/>
+                </a:tc>
+                <a:extLst>
+                  <a:ext uri="{0D108BD9-81ED-4DB2-BD59-A6C34878D82A}">
+                    <a16:rowId xmlns:a16="http://schemas.microsoft.com/office/drawing/2014/main" val="1915236450"/>
+                  </a:ext>
+                </a:extLst>
+              </a:tr>
+              <a:tr h="370840">
+                <a:tc>
+                  <a:txBody>
+                    <a:bodyPr/>
+                    <a:lstStyle/>
+                    <a:p>
+                      <a:r>
+                        <a:rPr lang="de-DE" sz="700"/>
+                        <a:t>last-complete-control-construct-update-time-attempt</a:t>
+                      </a:r>
+                    </a:p>
+                  </a:txBody>
+                  <a:tcPr/>
+                </a:tc>
+                <a:tc>
+                  <a:txBody>
+                    <a:bodyPr/>
+                    <a:lstStyle/>
+                    <a:p>
+                      <a:r>
+                        <a:rPr lang="de-DE" sz="700"/>
+                        <a:t>string, timestamp</a:t>
+                      </a:r>
+                    </a:p>
+                  </a:txBody>
+                  <a:tcPr/>
+                </a:tc>
+                <a:tc>
+                  <a:txBody>
+                    <a:bodyPr/>
+                    <a:lstStyle/>
+                    <a:p>
+                      <a:r>
+                        <a:rPr lang="de-DE" sz="700"/>
+                        <a:t>periodic CC retrieval slidingWindow and QM, on-demand retrieval by call of live-services</a:t>
+                      </a:r>
+                    </a:p>
+                  </a:txBody>
+                  <a:tcPr/>
+                </a:tc>
+                <a:tc>
+                  <a:txBody>
+                    <a:bodyPr/>
+                    <a:lstStyle/>
+                    <a:p>
+                      <a:r>
+                        <a:rPr lang="de-DE" sz="700"/>
+                        <a:t>01.01.1999 </a:t>
+                      </a:r>
+                    </a:p>
+                    <a:p>
+                      <a:r>
+                        <a:rPr lang="de-DE" sz="700"/>
+                        <a:t>(in correct format)</a:t>
+                      </a:r>
+                    </a:p>
+                    <a:p>
+                      <a:endParaRPr lang="de-DE" sz="700"/>
+                    </a:p>
+                  </a:txBody>
+                  <a:tcPr/>
+                </a:tc>
+                <a:tc>
+                  <a:txBody>
+                    <a:bodyPr/>
+                    <a:lstStyle/>
                     <a:p>
                       <a:pPr marL="0" marR="0" lvl="0" indent="0" algn="l" defTabSz="914400" rtl="0" eaLnBrk="1" fontAlgn="auto" latinLnBrk="0" hangingPunct="1">
                         <a:lnSpc>
@@ -5729,6 +5118,839 @@
                         <a:defRPr/>
                       </a:pPr>
                       <a:r>
+                        <a:rPr kumimoji="0" lang="de-DE" sz="700" b="0" i="0" u="none" strike="noStrike" kern="1200" cap="none" spc="0" normalizeH="0" baseline="0" noProof="0">
+                          <a:ln>
+                            <a:noFill/>
+                          </a:ln>
+                          <a:solidFill>
+                            <a:prstClr val="black"/>
+                          </a:solidFill>
+                          <a:effectLst/>
+                          <a:uLnTx/>
+                          <a:uFillTx/>
+                          <a:latin typeface="Aptos" panose="02110004020202020204"/>
+                          <a:ea typeface="+mn-ea"/>
+                          <a:cs typeface="+mn-cs"/>
+                        </a:rPr>
+                        <a:t>01.01.1999 </a:t>
+                      </a:r>
+                    </a:p>
+                    <a:p>
+                      <a:pPr marL="0" marR="0" lvl="0" indent="0" algn="l" defTabSz="914400" rtl="0" eaLnBrk="1" fontAlgn="auto" latinLnBrk="0" hangingPunct="1">
+                        <a:lnSpc>
+                          <a:spcPct val="100000"/>
+                        </a:lnSpc>
+                        <a:spcBef>
+                          <a:spcPts val="0"/>
+                        </a:spcBef>
+                        <a:spcAft>
+                          <a:spcPts val="0"/>
+                        </a:spcAft>
+                        <a:buClrTx/>
+                        <a:buSzTx/>
+                        <a:buFontTx/>
+                        <a:buNone/>
+                        <a:tabLst/>
+                        <a:defRPr/>
+                      </a:pPr>
+                      <a:r>
+                        <a:rPr kumimoji="0" lang="de-DE" sz="700" b="0" i="0" u="none" strike="noStrike" kern="1200" cap="none" spc="0" normalizeH="0" baseline="0" noProof="0">
+                          <a:ln>
+                            <a:noFill/>
+                          </a:ln>
+                          <a:solidFill>
+                            <a:prstClr val="black"/>
+                          </a:solidFill>
+                          <a:effectLst/>
+                          <a:uLnTx/>
+                          <a:uFillTx/>
+                          <a:latin typeface="Aptos" panose="02110004020202020204"/>
+                          <a:ea typeface="+mn-ea"/>
+                          <a:cs typeface="+mn-cs"/>
+                        </a:rPr>
+                        <a:t>(in correct format)</a:t>
+                      </a:r>
+                    </a:p>
+                  </a:txBody>
+                  <a:tcPr/>
+                </a:tc>
+                <a:tc>
+                  <a:txBody>
+                    <a:bodyPr/>
+                    <a:lstStyle/>
+                    <a:p>
+                      <a:pPr marL="0" marR="0" lvl="0" indent="0" algn="l" defTabSz="914400" rtl="0" eaLnBrk="1" fontAlgn="auto" latinLnBrk="0" hangingPunct="1">
+                        <a:lnSpc>
+                          <a:spcPct val="100000"/>
+                        </a:lnSpc>
+                        <a:spcBef>
+                          <a:spcPts val="0"/>
+                        </a:spcBef>
+                        <a:spcAft>
+                          <a:spcPts val="0"/>
+                        </a:spcAft>
+                        <a:buClrTx/>
+                        <a:buSzTx/>
+                        <a:buFontTx/>
+                        <a:buNone/>
+                        <a:tabLst/>
+                        <a:defRPr/>
+                      </a:pPr>
+                      <a:r>
+                        <a:rPr kumimoji="0" lang="de-DE" sz="700" b="0" i="0" u="none" strike="noStrike" kern="1200" cap="none" spc="0" normalizeH="0" baseline="0" noProof="0">
+                          <a:ln>
+                            <a:noFill/>
+                          </a:ln>
+                          <a:solidFill>
+                            <a:prstClr val="black"/>
+                          </a:solidFill>
+                          <a:effectLst/>
+                          <a:uLnTx/>
+                          <a:uFillTx/>
+                          <a:latin typeface="Aptos" panose="02110004020202020204"/>
+                          <a:ea typeface="+mn-ea"/>
+                          <a:cs typeface="+mn-cs"/>
+                        </a:rPr>
+                        <a:t>01.01.1999 </a:t>
+                      </a:r>
+                    </a:p>
+                    <a:p>
+                      <a:pPr marL="0" marR="0" lvl="0" indent="0" algn="l" defTabSz="914400" rtl="0" eaLnBrk="1" fontAlgn="auto" latinLnBrk="0" hangingPunct="1">
+                        <a:lnSpc>
+                          <a:spcPct val="100000"/>
+                        </a:lnSpc>
+                        <a:spcBef>
+                          <a:spcPts val="0"/>
+                        </a:spcBef>
+                        <a:spcAft>
+                          <a:spcPts val="0"/>
+                        </a:spcAft>
+                        <a:buClrTx/>
+                        <a:buSzTx/>
+                        <a:buFontTx/>
+                        <a:buNone/>
+                        <a:tabLst/>
+                        <a:defRPr/>
+                      </a:pPr>
+                      <a:r>
+                        <a:rPr kumimoji="0" lang="de-DE" sz="700" b="0" i="0" u="none" strike="noStrike" kern="1200" cap="none" spc="0" normalizeH="0" baseline="0" noProof="0">
+                          <a:ln>
+                            <a:noFill/>
+                          </a:ln>
+                          <a:solidFill>
+                            <a:prstClr val="black"/>
+                          </a:solidFill>
+                          <a:effectLst/>
+                          <a:uLnTx/>
+                          <a:uFillTx/>
+                          <a:latin typeface="Aptos" panose="02110004020202020204"/>
+                          <a:ea typeface="+mn-ea"/>
+                          <a:cs typeface="+mn-cs"/>
+                        </a:rPr>
+                        <a:t>(in correct format)</a:t>
+                      </a:r>
+                    </a:p>
+                  </a:txBody>
+                  <a:tcPr/>
+                </a:tc>
+                <a:tc>
+                  <a:txBody>
+                    <a:bodyPr/>
+                    <a:lstStyle/>
+                    <a:p>
+                      <a:pPr marL="0" marR="0" lvl="0" indent="0" algn="l" defTabSz="914400" rtl="0" eaLnBrk="1" fontAlgn="auto" latinLnBrk="0" hangingPunct="1">
+                        <a:lnSpc>
+                          <a:spcPct val="100000"/>
+                        </a:lnSpc>
+                        <a:spcBef>
+                          <a:spcPts val="0"/>
+                        </a:spcBef>
+                        <a:spcAft>
+                          <a:spcPts val="0"/>
+                        </a:spcAft>
+                        <a:buClrTx/>
+                        <a:buSzTx/>
+                        <a:buFontTx/>
+                        <a:buNone/>
+                        <a:tabLst/>
+                        <a:defRPr/>
+                      </a:pPr>
+                      <a:r>
+                        <a:rPr kumimoji="0" lang="de-DE" sz="700" b="0" i="0" u="none" strike="noStrike" kern="1200" cap="none" spc="0" normalizeH="0" baseline="0" noProof="0">
+                          <a:ln>
+                            <a:noFill/>
+                          </a:ln>
+                          <a:solidFill>
+                            <a:prstClr val="black"/>
+                          </a:solidFill>
+                          <a:effectLst/>
+                          <a:uLnTx/>
+                          <a:uFillTx/>
+                          <a:latin typeface="Aptos" panose="02110004020202020204"/>
+                          <a:ea typeface="+mn-ea"/>
+                          <a:cs typeface="+mn-cs"/>
+                        </a:rPr>
+                        <a:t>01.01.1999 </a:t>
+                      </a:r>
+                    </a:p>
+                    <a:p>
+                      <a:pPr marL="0" marR="0" lvl="0" indent="0" algn="l" defTabSz="914400" rtl="0" eaLnBrk="1" fontAlgn="auto" latinLnBrk="0" hangingPunct="1">
+                        <a:lnSpc>
+                          <a:spcPct val="100000"/>
+                        </a:lnSpc>
+                        <a:spcBef>
+                          <a:spcPts val="0"/>
+                        </a:spcBef>
+                        <a:spcAft>
+                          <a:spcPts val="0"/>
+                        </a:spcAft>
+                        <a:buClrTx/>
+                        <a:buSzTx/>
+                        <a:buFontTx/>
+                        <a:buNone/>
+                        <a:tabLst/>
+                        <a:defRPr/>
+                      </a:pPr>
+                      <a:r>
+                        <a:rPr kumimoji="0" lang="de-DE" sz="700" b="0" i="0" u="none" strike="noStrike" kern="1200" cap="none" spc="0" normalizeH="0" baseline="0" noProof="0">
+                          <a:ln>
+                            <a:noFill/>
+                          </a:ln>
+                          <a:solidFill>
+                            <a:prstClr val="black"/>
+                          </a:solidFill>
+                          <a:effectLst/>
+                          <a:uLnTx/>
+                          <a:uFillTx/>
+                          <a:latin typeface="Aptos" panose="02110004020202020204"/>
+                          <a:ea typeface="+mn-ea"/>
+                          <a:cs typeface="+mn-cs"/>
+                        </a:rPr>
+                        <a:t>(in correct format)</a:t>
+                      </a:r>
+                    </a:p>
+                  </a:txBody>
+                  <a:tcPr/>
+                </a:tc>
+                <a:tc>
+                  <a:txBody>
+                    <a:bodyPr/>
+                    <a:lstStyle/>
+                    <a:p>
+                      <a:r>
+                        <a:rPr lang="de-DE" sz="700"/>
+                        <a:t>currentTime</a:t>
+                      </a:r>
+                    </a:p>
+                    <a:p>
+                      <a:r>
+                        <a:rPr lang="de-DE" sz="700"/>
+                        <a:t>(also if not successful)</a:t>
+                      </a:r>
+                    </a:p>
+                  </a:txBody>
+                  <a:tcPr/>
+                </a:tc>
+                <a:tc>
+                  <a:txBody>
+                    <a:bodyPr/>
+                    <a:lstStyle/>
+                    <a:p>
+                      <a:r>
+                        <a:rPr lang="de-DE" sz="700"/>
+                        <a:t>-</a:t>
+                      </a:r>
+                    </a:p>
+                  </a:txBody>
+                  <a:tcPr/>
+                </a:tc>
+                <a:extLst>
+                  <a:ext uri="{0D108BD9-81ED-4DB2-BD59-A6C34878D82A}">
+                    <a16:rowId xmlns:a16="http://schemas.microsoft.com/office/drawing/2014/main" val="4128198377"/>
+                  </a:ext>
+                </a:extLst>
+              </a:tr>
+              <a:tr h="370840">
+                <a:tc>
+                  <a:txBody>
+                    <a:bodyPr/>
+                    <a:lstStyle/>
+                    <a:p>
+                      <a:r>
+                        <a:rPr lang="de-DE" sz="700"/>
+                        <a:t>last-successful-complete-control-construct-update-time</a:t>
+                      </a:r>
+                    </a:p>
+                  </a:txBody>
+                  <a:tcPr/>
+                </a:tc>
+                <a:tc>
+                  <a:txBody>
+                    <a:bodyPr/>
+                    <a:lstStyle/>
+                    <a:p>
+                      <a:r>
+                        <a:rPr lang="de-DE" sz="700"/>
+                        <a:t>String, timestamp</a:t>
+                      </a:r>
+                    </a:p>
+                  </a:txBody>
+                  <a:tcPr/>
+                </a:tc>
+                <a:tc>
+                  <a:txBody>
+                    <a:bodyPr/>
+                    <a:lstStyle/>
+                    <a:p>
+                      <a:r>
+                        <a:rPr lang="de-DE" sz="700"/>
+                        <a:t>periodic CC retrieval slidingWindow and QM, on-demand retrieval by call of live-services</a:t>
+                      </a:r>
+                    </a:p>
+                    <a:p>
+                      <a:r>
+                        <a:rPr lang="de-DE" sz="700"/>
+                        <a:t>Only in case of success</a:t>
+                      </a:r>
+                    </a:p>
+                  </a:txBody>
+                  <a:tcPr/>
+                </a:tc>
+                <a:tc>
+                  <a:txBody>
+                    <a:bodyPr/>
+                    <a:lstStyle/>
+                    <a:p>
+                      <a:r>
+                        <a:rPr lang="de-DE" sz="700"/>
+                        <a:t>null</a:t>
+                      </a:r>
+                    </a:p>
+                  </a:txBody>
+                  <a:tcPr/>
+                </a:tc>
+                <a:tc>
+                  <a:txBody>
+                    <a:bodyPr/>
+                    <a:lstStyle/>
+                    <a:p>
+                      <a:r>
+                        <a:rPr lang="de-DE" sz="700"/>
+                        <a:t>null</a:t>
+                      </a:r>
+                    </a:p>
+                  </a:txBody>
+                  <a:tcPr/>
+                </a:tc>
+                <a:tc>
+                  <a:txBody>
+                    <a:bodyPr/>
+                    <a:lstStyle/>
+                    <a:p>
+                      <a:r>
+                        <a:rPr lang="de-DE" sz="700"/>
+                        <a:t>-</a:t>
+                      </a:r>
+                    </a:p>
+                  </a:txBody>
+                  <a:tcPr/>
+                </a:tc>
+                <a:tc>
+                  <a:txBody>
+                    <a:bodyPr/>
+                    <a:lstStyle/>
+                    <a:p>
+                      <a:r>
+                        <a:rPr lang="de-DE" sz="700"/>
+                        <a:t>-</a:t>
+                      </a:r>
+                    </a:p>
+                  </a:txBody>
+                  <a:tcPr/>
+                </a:tc>
+                <a:tc>
+                  <a:txBody>
+                    <a:bodyPr/>
+                    <a:lstStyle/>
+                    <a:p>
+                      <a:r>
+                        <a:rPr lang="de-DE" sz="700"/>
+                        <a:t>currentTime</a:t>
+                      </a:r>
+                    </a:p>
+                    <a:p>
+                      <a:r>
+                        <a:rPr lang="de-DE" sz="700"/>
+                        <a:t>(only if successful)</a:t>
+                      </a:r>
+                    </a:p>
+                  </a:txBody>
+                  <a:tcPr/>
+                </a:tc>
+                <a:tc>
+                  <a:txBody>
+                    <a:bodyPr/>
+                    <a:lstStyle/>
+                    <a:p>
+                      <a:r>
+                        <a:rPr lang="de-DE" sz="700"/>
+                        <a:t>-</a:t>
+                      </a:r>
+                    </a:p>
+                  </a:txBody>
+                  <a:tcPr/>
+                </a:tc>
+                <a:extLst>
+                  <a:ext uri="{0D108BD9-81ED-4DB2-BD59-A6C34878D82A}">
+                    <a16:rowId xmlns:a16="http://schemas.microsoft.com/office/drawing/2014/main" val="1707420997"/>
+                  </a:ext>
+                </a:extLst>
+              </a:tr>
+              <a:tr h="370840">
+                <a:tc>
+                  <a:txBody>
+                    <a:bodyPr/>
+                    <a:lstStyle/>
+                    <a:p>
+                      <a:r>
+                        <a:rPr lang="de-DE" sz="700"/>
+                        <a:t>last-control-construct-notification-update-time</a:t>
+                      </a:r>
+                    </a:p>
+                  </a:txBody>
+                  <a:tcPr/>
+                </a:tc>
+                <a:tc>
+                  <a:txBody>
+                    <a:bodyPr/>
+                    <a:lstStyle/>
+                    <a:p>
+                      <a:r>
+                        <a:rPr lang="de-DE" sz="700"/>
+                        <a:t>string, timestamp</a:t>
+                      </a:r>
+                    </a:p>
+                  </a:txBody>
+                  <a:tcPr/>
+                </a:tc>
+                <a:tc>
+                  <a:txBody>
+                    <a:bodyPr/>
+                    <a:lstStyle/>
+                    <a:p>
+                      <a:r>
+                        <a:rPr lang="de-DE" sz="700"/>
+                        <a:t>notification</a:t>
+                      </a:r>
+                    </a:p>
+                  </a:txBody>
+                  <a:tcPr/>
+                </a:tc>
+                <a:tc>
+                  <a:txBody>
+                    <a:bodyPr/>
+                    <a:lstStyle/>
+                    <a:p>
+                      <a:r>
+                        <a:rPr lang="de-DE" sz="700"/>
+                        <a:t>null</a:t>
+                      </a:r>
+                    </a:p>
+                  </a:txBody>
+                  <a:tcPr/>
+                </a:tc>
+                <a:tc>
+                  <a:txBody>
+                    <a:bodyPr/>
+                    <a:lstStyle/>
+                    <a:p>
+                      <a:r>
+                        <a:rPr lang="de-DE" sz="700"/>
+                        <a:t>null</a:t>
+                      </a:r>
+                    </a:p>
+                  </a:txBody>
+                  <a:tcPr/>
+                </a:tc>
+                <a:tc>
+                  <a:txBody>
+                    <a:bodyPr/>
+                    <a:lstStyle/>
+                    <a:p>
+                      <a:r>
+                        <a:rPr lang="de-DE" sz="700"/>
+                        <a:t>-</a:t>
+                      </a:r>
+                    </a:p>
+                  </a:txBody>
+                  <a:tcPr/>
+                </a:tc>
+                <a:tc>
+                  <a:txBody>
+                    <a:bodyPr/>
+                    <a:lstStyle/>
+                    <a:p>
+                      <a:r>
+                        <a:rPr lang="de-DE" sz="700"/>
+                        <a:t>-</a:t>
+                      </a:r>
+                    </a:p>
+                  </a:txBody>
+                  <a:tcPr/>
+                </a:tc>
+                <a:tc>
+                  <a:txBody>
+                    <a:bodyPr/>
+                    <a:lstStyle/>
+                    <a:p>
+                      <a:r>
+                        <a:rPr lang="de-DE" sz="700"/>
+                        <a:t>-</a:t>
+                      </a:r>
+                    </a:p>
+                  </a:txBody>
+                  <a:tcPr/>
+                </a:tc>
+                <a:tc>
+                  <a:txBody>
+                    <a:bodyPr/>
+                    <a:lstStyle/>
+                    <a:p>
+                      <a:r>
+                        <a:rPr lang="de-DE" sz="700"/>
+                        <a:t>currentTime</a:t>
+                      </a:r>
+                    </a:p>
+                  </a:txBody>
+                  <a:tcPr/>
+                </a:tc>
+                <a:extLst>
+                  <a:ext uri="{0D108BD9-81ED-4DB2-BD59-A6C34878D82A}">
+                    <a16:rowId xmlns:a16="http://schemas.microsoft.com/office/drawing/2014/main" val="3885316261"/>
+                  </a:ext>
+                </a:extLst>
+              </a:tr>
+              <a:tr h="370840">
+                <a:tc>
+                  <a:txBody>
+                    <a:bodyPr/>
+                    <a:lstStyle/>
+                    <a:p>
+                      <a:r>
+                        <a:rPr lang="de-DE" sz="700"/>
+                        <a:t>number-of-partial-updates-since-last-complete-update</a:t>
+                      </a:r>
+                    </a:p>
+                  </a:txBody>
+                  <a:tcPr/>
+                </a:tc>
+                <a:tc>
+                  <a:txBody>
+                    <a:bodyPr/>
+                    <a:lstStyle/>
+                    <a:p>
+                      <a:r>
+                        <a:rPr lang="de-DE" sz="700"/>
+                        <a:t>integer</a:t>
+                      </a:r>
+                    </a:p>
+                  </a:txBody>
+                  <a:tcPr/>
+                </a:tc>
+                <a:tc>
+                  <a:txBody>
+                    <a:bodyPr/>
+                    <a:lstStyle/>
+                    <a:p>
+                      <a:r>
+                        <a:rPr lang="de-DE" sz="700"/>
+                        <a:t>notification</a:t>
+                      </a:r>
+                    </a:p>
+                  </a:txBody>
+                  <a:tcPr/>
+                </a:tc>
+                <a:tc>
+                  <a:txBody>
+                    <a:bodyPr/>
+                    <a:lstStyle/>
+                    <a:p>
+                      <a:r>
+                        <a:rPr lang="de-DE" sz="700"/>
+                        <a:t>0</a:t>
+                      </a:r>
+                    </a:p>
+                  </a:txBody>
+                  <a:tcPr/>
+                </a:tc>
+                <a:tc>
+                  <a:txBody>
+                    <a:bodyPr/>
+                    <a:lstStyle/>
+                    <a:p>
+                      <a:r>
+                        <a:rPr lang="de-DE" sz="700"/>
+                        <a:t>0</a:t>
+                      </a:r>
+                    </a:p>
+                  </a:txBody>
+                  <a:tcPr/>
+                </a:tc>
+                <a:tc>
+                  <a:txBody>
+                    <a:bodyPr/>
+                    <a:lstStyle/>
+                    <a:p>
+                      <a:r>
+                        <a:rPr lang="de-DE" sz="700"/>
+                        <a:t>0</a:t>
+                      </a:r>
+                    </a:p>
+                  </a:txBody>
+                  <a:tcPr/>
+                </a:tc>
+                <a:tc>
+                  <a:txBody>
+                    <a:bodyPr/>
+                    <a:lstStyle/>
+                    <a:p>
+                      <a:r>
+                        <a:rPr lang="de-DE" sz="700"/>
+                        <a:t>0</a:t>
+                      </a:r>
+                    </a:p>
+                  </a:txBody>
+                  <a:tcPr/>
+                </a:tc>
+                <a:tc>
+                  <a:txBody>
+                    <a:bodyPr/>
+                    <a:lstStyle/>
+                    <a:p>
+                      <a:r>
+                        <a:rPr lang="de-DE" sz="700"/>
+                        <a:t>0</a:t>
+                      </a:r>
+                    </a:p>
+                  </a:txBody>
+                  <a:tcPr/>
+                </a:tc>
+                <a:tc>
+                  <a:txBody>
+                    <a:bodyPr/>
+                    <a:lstStyle/>
+                    <a:p>
+                      <a:r>
+                        <a:rPr lang="de-DE" sz="700"/>
+                        <a:t>Increase by 1</a:t>
+                      </a:r>
+                    </a:p>
+                  </a:txBody>
+                  <a:tcPr/>
+                </a:tc>
+                <a:extLst>
+                  <a:ext uri="{0D108BD9-81ED-4DB2-BD59-A6C34878D82A}">
+                    <a16:rowId xmlns:a16="http://schemas.microsoft.com/office/drawing/2014/main" val="2030681551"/>
+                  </a:ext>
+                </a:extLst>
+              </a:tr>
+              <a:tr h="370840">
+                <a:tc>
+                  <a:txBody>
+                    <a:bodyPr/>
+                    <a:lstStyle/>
+                    <a:p>
+                      <a:r>
+                        <a:rPr lang="de-DE" sz="700"/>
+                        <a:t>schema-cache-directory</a:t>
+                      </a:r>
+                    </a:p>
+                  </a:txBody>
+                  <a:tcPr/>
+                </a:tc>
+                <a:tc>
+                  <a:txBody>
+                    <a:bodyPr/>
+                    <a:lstStyle/>
+                    <a:p>
+                      <a:r>
+                        <a:rPr lang="de-DE" sz="700"/>
+                        <a:t>string</a:t>
+                      </a:r>
+                    </a:p>
+                  </a:txBody>
+                  <a:tcPr/>
+                </a:tc>
+                <a:tc>
+                  <a:txBody>
+                    <a:bodyPr/>
+                    <a:lstStyle/>
+                    <a:p>
+                      <a:r>
+                        <a:rPr lang="de-DE" sz="700"/>
+                        <a:t>only set during periodic sync</a:t>
+                      </a:r>
+                    </a:p>
+                  </a:txBody>
+                  <a:tcPr/>
+                </a:tc>
+                <a:tc>
+                  <a:txBody>
+                    <a:bodyPr/>
+                    <a:lstStyle/>
+                    <a:p>
+                      <a:r>
+                        <a:rPr lang="de-DE" sz="700"/>
+                        <a:t>schema-cache-directory from Controller deviceList</a:t>
+                      </a:r>
+                    </a:p>
+                  </a:txBody>
+                  <a:tcPr/>
+                </a:tc>
+                <a:tc>
+                  <a:txBody>
+                    <a:bodyPr/>
+                    <a:lstStyle/>
+                    <a:p>
+                      <a:r>
+                        <a:rPr lang="de-DE" sz="700"/>
+                        <a:t>-</a:t>
+                      </a:r>
+                    </a:p>
+                  </a:txBody>
+                  <a:tcPr/>
+                </a:tc>
+                <a:tc>
+                  <a:txBody>
+                    <a:bodyPr/>
+                    <a:lstStyle/>
+                    <a:p>
+                      <a:r>
+                        <a:rPr lang="de-DE" sz="700"/>
+                        <a:t>-</a:t>
+                      </a:r>
+                    </a:p>
+                  </a:txBody>
+                  <a:tcPr/>
+                </a:tc>
+                <a:tc>
+                  <a:txBody>
+                    <a:bodyPr/>
+                    <a:lstStyle/>
+                    <a:p>
+                      <a:r>
+                        <a:rPr lang="de-DE" sz="700"/>
+                        <a:t>-</a:t>
+                      </a:r>
+                    </a:p>
+                  </a:txBody>
+                  <a:tcPr/>
+                </a:tc>
+                <a:tc>
+                  <a:txBody>
+                    <a:bodyPr/>
+                    <a:lstStyle/>
+                    <a:p>
+                      <a:r>
+                        <a:rPr lang="de-DE" sz="700"/>
+                        <a:t>-</a:t>
+                      </a:r>
+                    </a:p>
+                  </a:txBody>
+                  <a:tcPr/>
+                </a:tc>
+                <a:tc>
+                  <a:txBody>
+                    <a:bodyPr/>
+                    <a:lstStyle/>
+                    <a:p>
+                      <a:r>
+                        <a:rPr lang="de-DE" sz="700"/>
+                        <a:t>-</a:t>
+                      </a:r>
+                    </a:p>
+                  </a:txBody>
+                  <a:tcPr/>
+                </a:tc>
+                <a:extLst>
+                  <a:ext uri="{0D108BD9-81ED-4DB2-BD59-A6C34878D82A}">
+                    <a16:rowId xmlns:a16="http://schemas.microsoft.com/office/drawing/2014/main" val="3589919307"/>
+                  </a:ext>
+                </a:extLst>
+              </a:tr>
+              <a:tr h="370840">
+                <a:tc>
+                  <a:txBody>
+                    <a:bodyPr/>
+                    <a:lstStyle/>
+                    <a:p>
+                      <a:r>
+                        <a:rPr lang="de-DE" sz="700"/>
+                        <a:t>device-type</a:t>
+                      </a:r>
+                    </a:p>
+                  </a:txBody>
+                  <a:tcPr/>
+                </a:tc>
+                <a:tc>
+                  <a:txBody>
+                    <a:bodyPr/>
+                    <a:lstStyle/>
+                    <a:p>
+                      <a:r>
+                        <a:rPr lang="de-DE" sz="700"/>
+                        <a:t>string</a:t>
+                      </a:r>
+                    </a:p>
+                  </a:txBody>
+                  <a:tcPr/>
+                </a:tc>
+                <a:tc>
+                  <a:txBody>
+                    <a:bodyPr/>
+                    <a:lstStyle/>
+                    <a:p>
+                      <a:pPr marL="0" marR="0" lvl="0" indent="0" algn="l" defTabSz="914400" rtl="0" eaLnBrk="1" fontAlgn="auto" latinLnBrk="0" hangingPunct="1">
+                        <a:lnSpc>
+                          <a:spcPct val="100000"/>
+                        </a:lnSpc>
+                        <a:spcBef>
+                          <a:spcPts val="0"/>
+                        </a:spcBef>
+                        <a:spcAft>
+                          <a:spcPts val="0"/>
+                        </a:spcAft>
+                        <a:buClrTx/>
+                        <a:buSzTx/>
+                        <a:buFontTx/>
+                        <a:buNone/>
+                        <a:tabLst/>
+                        <a:defRPr/>
+                      </a:pPr>
+                      <a:r>
+                        <a:rPr lang="de-DE" sz="700"/>
+                        <a:t>only set during periodic sync</a:t>
+                      </a:r>
+                    </a:p>
+                    <a:p>
+                      <a:pPr marL="0" marR="0" lvl="0" indent="0" algn="l" defTabSz="914400" rtl="0" eaLnBrk="1" fontAlgn="auto" latinLnBrk="0" hangingPunct="1">
+                        <a:lnSpc>
+                          <a:spcPct val="100000"/>
+                        </a:lnSpc>
+                        <a:spcBef>
+                          <a:spcPts val="0"/>
+                        </a:spcBef>
+                        <a:spcAft>
+                          <a:spcPts val="0"/>
+                        </a:spcAft>
+                        <a:buClrTx/>
+                        <a:buSzTx/>
+                        <a:buFontTx/>
+                        <a:buNone/>
+                        <a:tabLst/>
+                        <a:defRPr/>
+                      </a:pPr>
+                      <a:r>
                         <a:rPr lang="de-DE" sz="700"/>
                         <a:t>(initialized with null, set once sync has retrieved it)</a:t>
                       </a:r>
@@ -5812,7 +6034,10 @@
                     <a:bodyPr/>
                     <a:lstStyle/>
                     <a:p>
-                      <a:endParaRPr lang="de-DE" sz="700"/>
+                      <a:r>
+                        <a:rPr lang="de-DE" sz="700"/>
+                        <a:t>-</a:t>
+                      </a:r>
                     </a:p>
                   </a:txBody>
                   <a:tcPr/>
@@ -5945,7 +6170,10 @@
                     <a:bodyPr/>
                     <a:lstStyle/>
                     <a:p>
-                      <a:endParaRPr lang="de-DE" sz="700"/>
+                      <a:r>
+                        <a:rPr lang="de-DE" sz="700"/>
+                        <a:t>-</a:t>
+                      </a:r>
                     </a:p>
                   </a:txBody>
                   <a:tcPr/>
@@ -6002,7 +6230,7 @@
                     <a:p>
                       <a:r>
                         <a:rPr lang="de-DE" sz="700"/>
-                        <a:t>false (not locked)</a:t>
+                        <a:t>false (not locked) - default</a:t>
                       </a:r>
                     </a:p>
                   </a:txBody>
@@ -6078,7 +6306,10 @@
                     <a:bodyPr/>
                     <a:lstStyle/>
                     <a:p>
-                      <a:endParaRPr lang="de-DE" sz="700"/>
+                      <a:r>
+                        <a:rPr lang="de-DE" sz="700"/>
+                        <a:t>-</a:t>
+                      </a:r>
                     </a:p>
                   </a:txBody>
                   <a:tcPr/>
@@ -6086,6 +6317,142 @@
                 <a:extLst>
                   <a:ext uri="{0D108BD9-81ED-4DB2-BD59-A6C34878D82A}">
                     <a16:rowId xmlns:a16="http://schemas.microsoft.com/office/drawing/2014/main" val="2172653440"/>
+                  </a:ext>
+                </a:extLst>
+              </a:tr>
+              <a:tr h="370840">
+                <a:tc>
+                  <a:txBody>
+                    <a:bodyPr/>
+                    <a:lstStyle/>
+                    <a:p>
+                      <a:r>
+                        <a:rPr lang="de-DE" sz="700" i="0"/>
+                        <a:t>exclude-from-qm</a:t>
+                      </a:r>
+                    </a:p>
+                    <a:p>
+                      <a:r>
+                        <a:rPr lang="de-DE" sz="700" i="1"/>
+                        <a:t>(only used internally)</a:t>
+                      </a:r>
+                    </a:p>
+                  </a:txBody>
+                  <a:tcPr/>
+                </a:tc>
+                <a:tc>
+                  <a:txBody>
+                    <a:bodyPr/>
+                    <a:lstStyle/>
+                    <a:p>
+                      <a:r>
+                        <a:rPr lang="de-DE" sz="700"/>
+                        <a:t>boolean</a:t>
+                      </a:r>
+                    </a:p>
+                  </a:txBody>
+                  <a:tcPr/>
+                </a:tc>
+                <a:tc>
+                  <a:txBody>
+                    <a:bodyPr/>
+                    <a:lstStyle/>
+                    <a:p>
+                      <a:r>
+                        <a:rPr lang="de-DE" sz="700"/>
+                        <a:t>true (excluded) - default</a:t>
+                      </a:r>
+                    </a:p>
+                    <a:p>
+                      <a:r>
+                        <a:rPr lang="de-DE" sz="700"/>
+                        <a:t>false (not excluded)</a:t>
+                      </a:r>
+                    </a:p>
+                  </a:txBody>
+                  <a:tcPr/>
+                </a:tc>
+                <a:tc>
+                  <a:txBody>
+                    <a:bodyPr/>
+                    <a:lstStyle/>
+                    <a:p>
+                      <a:r>
+                        <a:rPr lang="de-DE" sz="700"/>
+                        <a:t>-</a:t>
+                      </a:r>
+                    </a:p>
+                  </a:txBody>
+                  <a:tcPr/>
+                </a:tc>
+                <a:tc>
+                  <a:txBody>
+                    <a:bodyPr/>
+                    <a:lstStyle/>
+                    <a:p>
+                      <a:r>
+                        <a:rPr lang="de-DE" sz="700"/>
+                        <a:t>-</a:t>
+                      </a:r>
+                    </a:p>
+                  </a:txBody>
+                  <a:tcPr/>
+                </a:tc>
+                <a:tc>
+                  <a:txBody>
+                    <a:bodyPr/>
+                    <a:lstStyle/>
+                    <a:p>
+                      <a:r>
+                        <a:rPr lang="de-DE" sz="700"/>
+                        <a:t>-</a:t>
+                      </a:r>
+                    </a:p>
+                  </a:txBody>
+                  <a:tcPr/>
+                </a:tc>
+                <a:tc>
+                  <a:txBody>
+                    <a:bodyPr/>
+                    <a:lstStyle/>
+                    <a:p>
+                      <a:r>
+                        <a:rPr lang="de-DE" sz="700"/>
+                        <a:t>-</a:t>
+                      </a:r>
+                    </a:p>
+                  </a:txBody>
+                  <a:tcPr/>
+                </a:tc>
+                <a:tc>
+                  <a:txBody>
+                    <a:bodyPr/>
+                    <a:lstStyle/>
+                    <a:p>
+                      <a:r>
+                        <a:rPr lang="de-DE" sz="700"/>
+                        <a:t>set to false, once a CC has been written to the Cache for the device</a:t>
+                      </a:r>
+                    </a:p>
+                  </a:txBody>
+                  <a:tcPr/>
+                </a:tc>
+                <a:tc>
+                  <a:txBody>
+                    <a:bodyPr/>
+                    <a:lstStyle/>
+                    <a:p>
+                      <a:r>
+                        <a:rPr lang="de-DE" sz="700"/>
+                        <a:t>-</a:t>
+                      </a:r>
+                    </a:p>
+                  </a:txBody>
+                  <a:tcPr/>
+                </a:tc>
+                <a:extLst>
+                  <a:ext uri="{0D108BD9-81ED-4DB2-BD59-A6C34878D82A}">
+                    <a16:rowId xmlns:a16="http://schemas.microsoft.com/office/drawing/2014/main" val="1491137835"/>
                   </a:ext>
                 </a:extLst>
               </a:tr>
@@ -6149,7 +6516,7 @@
         <p:spPr>
           <a:xfrm>
             <a:off x="163987" y="6657945"/>
-            <a:ext cx="6865982" cy="200055"/>
+            <a:ext cx="9333004" cy="200055"/>
           </a:xfrm>
           <a:prstGeom prst="rect">
             <a:avLst/>
@@ -6164,7 +6531,7 @@
           <a:p>
             <a:r>
               <a:rPr lang="de-DE" sz="700"/>
-              <a:t>Note: when device gets disconnected, it is not deleted from deviceList anymore, therefore added-to-device-list-time is also not set to null (in contrary to previous MWDI v1.2.x)</a:t>
+              <a:t>Note: when device gets disconnected, it is not deleted from deviceList anymore in each case, but according to historicalControlConstructPolicy, therefore added-to-device-list-time is also not set to null (in contrary to previous MWDI v1.2.x)</a:t>
             </a:r>
           </a:p>
         </p:txBody>
@@ -6484,14 +6851,14 @@
           <p:nvPr>
             <p:extLst>
               <p:ext uri="{D42A27DB-BD31-4B8C-83A1-F6EECF244321}">
-                <p14:modId xmlns:p14="http://schemas.microsoft.com/office/powerpoint/2010/main" val="2087891569"/>
+                <p14:modId xmlns:p14="http://schemas.microsoft.com/office/powerpoint/2010/main" val="112627507"/>
               </p:ext>
             </p:extLst>
           </p:nvPr>
         </p:nvGraphicFramePr>
         <p:xfrm>
           <a:off x="203200" y="447574"/>
-          <a:ext cx="4464471" cy="4278680"/>
+          <a:ext cx="5184140" cy="4263000"/>
         </p:xfrm>
         <a:graphic>
           <a:graphicData uri="http://schemas.openxmlformats.org/drawingml/2006/table">
@@ -6500,38 +6867,45 @@
                 <a:tableStyleId>{5C22544A-7EE6-4342-B048-85BDC9FD1C3A}</a:tableStyleId>
               </a:tblPr>
               <a:tblGrid>
-                <a:gridCol w="435897">
+                <a:gridCol w="261620">
                   <a:extLst>
                     <a:ext uri="{9D8B030D-6E8A-4147-A177-3AD203B41FA5}">
                       <a16:colId xmlns:a16="http://schemas.microsoft.com/office/drawing/2014/main" val="1041723700"/>
                     </a:ext>
                   </a:extLst>
                 </a:gridCol>
-                <a:gridCol w="835742">
+                <a:gridCol w="868680">
                   <a:extLst>
                     <a:ext uri="{9D8B030D-6E8A-4147-A177-3AD203B41FA5}">
                       <a16:colId xmlns:a16="http://schemas.microsoft.com/office/drawing/2014/main" val="4138862625"/>
                     </a:ext>
                   </a:extLst>
                 </a:gridCol>
-                <a:gridCol w="1039566">
+                <a:gridCol w="1196340">
                   <a:extLst>
                     <a:ext uri="{9D8B030D-6E8A-4147-A177-3AD203B41FA5}">
                       <a16:colId xmlns:a16="http://schemas.microsoft.com/office/drawing/2014/main" val="2629712541"/>
                     </a:ext>
                   </a:extLst>
                 </a:gridCol>
-                <a:gridCol w="1862733">
+                <a:gridCol w="1798320">
                   <a:extLst>
                     <a:ext uri="{9D8B030D-6E8A-4147-A177-3AD203B41FA5}">
                       <a16:colId xmlns:a16="http://schemas.microsoft.com/office/drawing/2014/main" val="1231056635"/>
                     </a:ext>
                   </a:extLst>
                 </a:gridCol>
-                <a:gridCol w="290533">
+                <a:gridCol w="742427">
                   <a:extLst>
                     <a:ext uri="{9D8B030D-6E8A-4147-A177-3AD203B41FA5}">
                       <a16:colId xmlns:a16="http://schemas.microsoft.com/office/drawing/2014/main" val="3074369998"/>
+                    </a:ext>
+                  </a:extLst>
+                </a:gridCol>
+                <a:gridCol w="316753">
+                  <a:extLst>
+                    <a:ext uri="{9D8B030D-6E8A-4147-A177-3AD203B41FA5}">
+                      <a16:colId xmlns:a16="http://schemas.microsoft.com/office/drawing/2014/main" val="3243389079"/>
                     </a:ext>
                   </a:extLst>
                 </a:gridCol>
@@ -6616,6 +6990,19 @@
                     <a:p>
                       <a:r>
                         <a:rPr lang="de-DE" sz="1000"/>
+                        <a:t>exclude_from_qm</a:t>
+                      </a:r>
+                    </a:p>
+                  </a:txBody>
+                  <a:tcPr marB="36000"/>
+                </a:tc>
+                <a:tc>
+                  <a:txBody>
+                    <a:bodyPr/>
+                    <a:lstStyle/>
+                    <a:p>
+                      <a:r>
+                        <a:rPr lang="de-DE" sz="1000"/>
                         <a:t>…</a:t>
                       </a:r>
                     </a:p>
@@ -6686,7 +7073,20 @@
                     <a:p>
                       <a:r>
                         <a:rPr lang="de-DE" sz="1000"/>
-                        <a:t>null</a:t>
+                        <a:t>1999-01-01T00:00:00+01:00</a:t>
+                      </a:r>
+                    </a:p>
+                  </a:txBody>
+                  <a:tcPr marB="36000"/>
+                </a:tc>
+                <a:tc>
+                  <a:txBody>
+                    <a:bodyPr/>
+                    <a:lstStyle/>
+                    <a:p>
+                      <a:r>
+                        <a:rPr lang="de-DE" sz="1000"/>
+                        <a:t>true</a:t>
                       </a:r>
                     </a:p>
                   </a:txBody>
@@ -6766,7 +7166,20 @@
                     <a:p>
                       <a:r>
                         <a:rPr lang="de-DE" sz="1000"/>
-                        <a:t>null</a:t>
+                        <a:t>1999-01-01T00:00:00+01:00</a:t>
+                      </a:r>
+                    </a:p>
+                  </a:txBody>
+                  <a:tcPr marB="36000"/>
+                </a:tc>
+                <a:tc>
+                  <a:txBody>
+                    <a:bodyPr/>
+                    <a:lstStyle/>
+                    <a:p>
+                      <a:r>
+                        <a:rPr lang="de-DE" sz="1000"/>
+                        <a:t>True</a:t>
                       </a:r>
                     </a:p>
                   </a:txBody>
@@ -6847,6 +7260,19 @@
                       <a:r>
                         <a:rPr lang="de-DE" sz="1000"/>
                         <a:t>2025-05-05T01:00:00+01:00</a:t>
+                      </a:r>
+                    </a:p>
+                  </a:txBody>
+                  <a:tcPr marB="36000"/>
+                </a:tc>
+                <a:tc>
+                  <a:txBody>
+                    <a:bodyPr/>
+                    <a:lstStyle/>
+                    <a:p>
+                      <a:r>
+                        <a:rPr lang="de-DE" sz="1000"/>
+                        <a:t>false</a:t>
                       </a:r>
                     </a:p>
                   </a:txBody>
@@ -6954,6 +7380,19 @@
                     <a:bodyPr/>
                     <a:lstStyle/>
                     <a:p>
+                      <a:r>
+                        <a:rPr lang="de-DE" sz="1000"/>
+                        <a:t>false</a:t>
+                      </a:r>
+                    </a:p>
+                  </a:txBody>
+                  <a:tcPr marB="36000"/>
+                </a:tc>
+                <a:tc>
+                  <a:txBody>
+                    <a:bodyPr/>
+                    <a:lstStyle/>
+                    <a:p>
                       <a:endParaRPr lang="de-DE" sz="1000"/>
                     </a:p>
                   </a:txBody>
@@ -7051,6 +7490,19 @@
                     <a:bodyPr/>
                     <a:lstStyle/>
                     <a:p>
+                      <a:r>
+                        <a:rPr lang="de-DE" sz="1000"/>
+                        <a:t>false</a:t>
+                      </a:r>
+                    </a:p>
+                  </a:txBody>
+                  <a:tcPr marB="36000"/>
+                </a:tc>
+                <a:tc>
+                  <a:txBody>
+                    <a:bodyPr/>
+                    <a:lstStyle/>
+                    <a:p>
                       <a:endParaRPr lang="de-DE" sz="1000"/>
                     </a:p>
                   </a:txBody>
@@ -7151,6 +7603,19 @@
                     <a:bodyPr/>
                     <a:lstStyle/>
                     <a:p>
+                      <a:r>
+                        <a:rPr lang="de-DE" sz="1000"/>
+                        <a:t>false</a:t>
+                      </a:r>
+                    </a:p>
+                  </a:txBody>
+                  <a:tcPr marB="36000"/>
+                </a:tc>
+                <a:tc>
+                  <a:txBody>
+                    <a:bodyPr/>
+                    <a:lstStyle/>
+                    <a:p>
                       <a:endParaRPr lang="de-DE" sz="1000"/>
                     </a:p>
                   </a:txBody>
@@ -7248,6 +7713,19 @@
                     <a:bodyPr/>
                     <a:lstStyle/>
                     <a:p>
+                      <a:r>
+                        <a:rPr lang="de-DE" sz="1000"/>
+                        <a:t>false</a:t>
+                      </a:r>
+                    </a:p>
+                  </a:txBody>
+                  <a:tcPr marB="36000"/>
+                </a:tc>
+                <a:tc>
+                  <a:txBody>
+                    <a:bodyPr/>
+                    <a:lstStyle/>
+                    <a:p>
                       <a:endParaRPr lang="de-DE" sz="1000"/>
                     </a:p>
                   </a:txBody>
@@ -7324,6 +7802,16 @@
                   </a:txBody>
                   <a:tcPr marB="36000"/>
                 </a:tc>
+                <a:tc>
+                  <a:txBody>
+                    <a:bodyPr/>
+                    <a:lstStyle/>
+                    <a:p>
+                      <a:endParaRPr lang="de-DE" sz="1000"/>
+                    </a:p>
+                  </a:txBody>
+                  <a:tcPr marB="36000"/>
+                </a:tc>
                 <a:extLst>
                   <a:ext uri="{0D108BD9-81ED-4DB2-BD59-A6C34878D82A}">
                     <a16:rowId xmlns:a16="http://schemas.microsoft.com/office/drawing/2014/main" val="18228692"/>
@@ -7375,7 +7863,7 @@
                     <a:p>
                       <a:r>
                         <a:rPr lang="de-DE" sz="1000"/>
-                        <a:t>connecting</a:t>
+                        <a:t>disconnected</a:t>
                       </a:r>
                     </a:p>
                   </a:txBody>
@@ -7388,7 +7876,20 @@
                     <a:p>
                       <a:r>
                         <a:rPr lang="de-DE" sz="1000"/>
-                        <a:t>null</a:t>
+                        <a:t>1999-01-01T00:00:00+01:00</a:t>
+                      </a:r>
+                    </a:p>
+                  </a:txBody>
+                  <a:tcPr marB="36000"/>
+                </a:tc>
+                <a:tc>
+                  <a:txBody>
+                    <a:bodyPr/>
+                    <a:lstStyle/>
+                    <a:p>
+                      <a:r>
+                        <a:rPr lang="de-DE" sz="1000"/>
+                        <a:t>false</a:t>
                       </a:r>
                     </a:p>
                   </a:txBody>
@@ -7455,7 +7956,7 @@
                     <a:p>
                       <a:r>
                         <a:rPr lang="de-DE" sz="1000"/>
-                        <a:t>unable-to-connect</a:t>
+                        <a:t>disconnected</a:t>
                       </a:r>
                     </a:p>
                   </a:txBody>
@@ -7468,7 +7969,20 @@
                     <a:p>
                       <a:r>
                         <a:rPr lang="de-DE" sz="1000"/>
-                        <a:t>null</a:t>
+                        <a:t>1999-01-01T00:00:00+01:00</a:t>
+                      </a:r>
+                    </a:p>
+                  </a:txBody>
+                  <a:tcPr marB="36000"/>
+                </a:tc>
+                <a:tc>
+                  <a:txBody>
+                    <a:bodyPr/>
+                    <a:lstStyle/>
+                    <a:p>
+                      <a:r>
+                        <a:rPr lang="de-DE" sz="1000"/>
+                        <a:t>false</a:t>
                       </a:r>
                     </a:p>
                   </a:txBody>
@@ -7508,8 +8022,8 @@
         </p:nvSpPr>
         <p:spPr>
           <a:xfrm>
-            <a:off x="4794864" y="447573"/>
-            <a:ext cx="5482611" cy="1851127"/>
+            <a:off x="5676900" y="447573"/>
+            <a:ext cx="4600575" cy="2409927"/>
           </a:xfrm>
           <a:prstGeom prst="rect">
             <a:avLst/>
@@ -7638,7 +8152,7 @@
             </a:pPr>
             <a:r>
               <a:rPr lang="de-DE" sz="1100"/>
-              <a:t>Connected devices with timestamp == null are listed first</a:t>
+              <a:t>Connected devices with timestamp == 1999* are listed first</a:t>
             </a:r>
           </a:p>
           <a:p>
@@ -7658,7 +8172,7 @@
             </a:r>
             <a:r>
               <a:rPr lang="de-DE" sz="1100"/>
-              <a:t>null are sorted from old to new</a:t>
+              <a:t>1999* are sorted from old to new</a:t>
             </a:r>
           </a:p>
           <a:p>
@@ -7668,7 +8182,7 @@
             </a:pPr>
             <a:r>
               <a:rPr lang="de-DE" sz="1100"/>
-              <a:t>Not connected devices are at the end of the list</a:t>
+              <a:t>Not connected devices are at the end of the list (if devices are kept due to policy*)</a:t>
             </a:r>
           </a:p>
           <a:p>
@@ -7692,7 +8206,7 @@
             </a:pPr>
             <a:r>
               <a:rPr lang="de-DE" sz="1100"/>
-              <a:t>Successful retrieval: move device to the position after the last connected device in the deviceMetadataList (i.e. right before the first not-connected device)</a:t>
+              <a:t>Successful retrieval: move device to the position after the last connected device in the deviceMetadataList (i.e. right before the first not-connected device*)</a:t>
             </a:r>
           </a:p>
           <a:p>
@@ -7862,7 +8376,7 @@
             </a:pPr>
             <a:r>
               <a:rPr lang="de-DE" sz="1100"/>
-              <a:t>select 1st  not-locked device from list with timestamp == null,</a:t>
+              <a:t>select 1st  not-locked device from list with timestamp == 1999*,</a:t>
             </a:r>
           </a:p>
           <a:p>
@@ -7872,7 +8386,7 @@
             </a:pPr>
             <a:r>
               <a:rPr lang="de-DE" sz="1100"/>
-              <a:t>If none found, select 1st  not-locked device from deviceMetadataList (i.e. the one with oldest timestamp)</a:t>
+              <a:t>If none found, select 1st (connected) not-locked device from deviceMetadataList (i.e. the one with oldest timestamp)</a:t>
             </a:r>
           </a:p>
         </p:txBody>
@@ -7976,7 +8490,7 @@
             </a:r>
             <a:r>
               <a:rPr lang="de-DE" sz="1100"/>
-              <a:t> null</a:t>
+              <a:t> 1999 and exclude_from_qm == false</a:t>
             </a:r>
           </a:p>
         </p:txBody>

--- a/spec/additionalDescription/pictures/MetadataPics.pptx
+++ b/spec/additionalDescription/pictures/MetadataPics.pptx
@@ -4218,14 +4218,14 @@
           <p:nvPr>
             <p:extLst>
               <p:ext uri="{D42A27DB-BD31-4B8C-83A1-F6EECF244321}">
-                <p14:modId xmlns:p14="http://schemas.microsoft.com/office/powerpoint/2010/main" val="1233551766"/>
+                <p14:modId xmlns:p14="http://schemas.microsoft.com/office/powerpoint/2010/main" val="3910767044"/>
               </p:ext>
             </p:extLst>
           </p:nvPr>
         </p:nvGraphicFramePr>
         <p:xfrm>
           <a:off x="163987" y="483390"/>
-          <a:ext cx="11516303" cy="5730240"/>
+          <a:ext cx="11516304" cy="6065520"/>
         </p:xfrm>
         <a:graphic>
           <a:graphicData uri="http://schemas.openxmlformats.org/drawingml/2006/table">
@@ -4234,66 +4234,73 @@
                 <a:tableStyleId>{5C22544A-7EE6-4342-B048-85BDC9FD1C3A}</a:tableStyleId>
               </a:tblPr>
               <a:tblGrid>
-                <a:gridCol w="1057391">
+                <a:gridCol w="1050763">
                   <a:extLst>
                     <a:ext uri="{9D8B030D-6E8A-4147-A177-3AD203B41FA5}">
                       <a16:colId xmlns:a16="http://schemas.microsoft.com/office/drawing/2014/main" val="1973923140"/>
                     </a:ext>
                   </a:extLst>
                 </a:gridCol>
-                <a:gridCol w="800981">
+                <a:gridCol w="647422">
                   <a:extLst>
                     <a:ext uri="{9D8B030D-6E8A-4147-A177-3AD203B41FA5}">
                       <a16:colId xmlns:a16="http://schemas.microsoft.com/office/drawing/2014/main" val="934169871"/>
                     </a:ext>
                   </a:extLst>
                 </a:gridCol>
-                <a:gridCol w="1641915">
+                <a:gridCol w="1862173">
                   <a:extLst>
                     <a:ext uri="{9D8B030D-6E8A-4147-A177-3AD203B41FA5}">
                       <a16:colId xmlns:a16="http://schemas.microsoft.com/office/drawing/2014/main" val="2420230584"/>
                     </a:ext>
                   </a:extLst>
                 </a:gridCol>
-                <a:gridCol w="1228100">
+                <a:gridCol w="1001167">
                   <a:extLst>
                     <a:ext uri="{9D8B030D-6E8A-4147-A177-3AD203B41FA5}">
                       <a16:colId xmlns:a16="http://schemas.microsoft.com/office/drawing/2014/main" val="1956454415"/>
                     </a:ext>
                   </a:extLst>
                 </a:gridCol>
-                <a:gridCol w="707492">
+                <a:gridCol w="854330">
                   <a:extLst>
                     <a:ext uri="{9D8B030D-6E8A-4147-A177-3AD203B41FA5}">
                       <a16:colId xmlns:a16="http://schemas.microsoft.com/office/drawing/2014/main" val="2955241416"/>
                     </a:ext>
                   </a:extLst>
                 </a:gridCol>
-                <a:gridCol w="1047889">
+                <a:gridCol w="1127983">
                   <a:extLst>
                     <a:ext uri="{9D8B030D-6E8A-4147-A177-3AD203B41FA5}">
                       <a16:colId xmlns:a16="http://schemas.microsoft.com/office/drawing/2014/main" val="2109227897"/>
                     </a:ext>
                   </a:extLst>
                 </a:gridCol>
-                <a:gridCol w="1161354">
+                <a:gridCol w="1334890">
                   <a:extLst>
                     <a:ext uri="{9D8B030D-6E8A-4147-A177-3AD203B41FA5}">
                       <a16:colId xmlns:a16="http://schemas.microsoft.com/office/drawing/2014/main" val="2254465362"/>
                     </a:ext>
                   </a:extLst>
                 </a:gridCol>
-                <a:gridCol w="1595195">
+                <a:gridCol w="1314867">
                   <a:extLst>
                     <a:ext uri="{9D8B030D-6E8A-4147-A177-3AD203B41FA5}">
                       <a16:colId xmlns:a16="http://schemas.microsoft.com/office/drawing/2014/main" val="1237608973"/>
                     </a:ext>
                   </a:extLst>
                 </a:gridCol>
-                <a:gridCol w="2275986">
+                <a:gridCol w="1034541">
                   <a:extLst>
                     <a:ext uri="{9D8B030D-6E8A-4147-A177-3AD203B41FA5}">
                       <a16:colId xmlns:a16="http://schemas.microsoft.com/office/drawing/2014/main" val="3680519963"/>
+                    </a:ext>
+                  </a:extLst>
+                </a:gridCol>
+                <a:gridCol w="1288168">
+                  <a:extLst>
+                    <a:ext uri="{9D8B030D-6E8A-4147-A177-3AD203B41FA5}">
+                      <a16:colId xmlns:a16="http://schemas.microsoft.com/office/drawing/2014/main" val="3434883600"/>
                     </a:ext>
                   </a:extLst>
                 </a:gridCol>
@@ -4451,6 +4458,19 @@
                   </a:txBody>
                   <a:tcPr/>
                 </a:tc>
+                <a:tc>
+                  <a:txBody>
+                    <a:bodyPr/>
+                    <a:lstStyle/>
+                    <a:p>
+                      <a:r>
+                        <a:rPr lang="de-DE" sz="700"/>
+                        <a:t>Complete CC update due to live-CC-service</a:t>
+                      </a:r>
+                    </a:p>
+                  </a:txBody>
+                  <a:tcPr/>
+                </a:tc>
                 <a:extLst>
                   <a:ext uri="{0D108BD9-81ED-4DB2-BD59-A6C34878D82A}">
                     <a16:rowId xmlns:a16="http://schemas.microsoft.com/office/drawing/2014/main" val="2334020561"/>
@@ -4518,6 +4538,19 @@
                       <a:r>
                         <a:rPr lang="de-DE" sz="700"/>
                         <a:t>add</a:t>
+                      </a:r>
+                    </a:p>
+                  </a:txBody>
+                  <a:tcPr/>
+                </a:tc>
+                <a:tc>
+                  <a:txBody>
+                    <a:bodyPr/>
+                    <a:lstStyle/>
+                    <a:p>
+                      <a:r>
+                        <a:rPr lang="de-DE" sz="700"/>
+                        <a:t>-</a:t>
                       </a:r>
                     </a:p>
                   </a:txBody>
@@ -4719,6 +4752,19 @@
                   </a:txBody>
                   <a:tcPr/>
                 </a:tc>
+                <a:tc>
+                  <a:txBody>
+                    <a:bodyPr/>
+                    <a:lstStyle/>
+                    <a:p>
+                      <a:r>
+                        <a:rPr lang="de-DE" sz="700"/>
+                        <a:t>-</a:t>
+                      </a:r>
+                    </a:p>
+                  </a:txBody>
+                  <a:tcPr/>
+                </a:tc>
                 <a:extLst>
                   <a:ext uri="{0D108BD9-81ED-4DB2-BD59-A6C34878D82A}">
                     <a16:rowId xmlns:a16="http://schemas.microsoft.com/office/drawing/2014/main" val="1158804284"/>
@@ -4883,6 +4929,19 @@
                   </a:txBody>
                   <a:tcPr/>
                 </a:tc>
+                <a:tc>
+                  <a:txBody>
+                    <a:bodyPr/>
+                    <a:lstStyle/>
+                    <a:p>
+                      <a:r>
+                        <a:rPr lang="de-DE" sz="700"/>
+                        <a:t>-</a:t>
+                      </a:r>
+                    </a:p>
+                  </a:txBody>
+                  <a:tcPr/>
+                </a:tc>
                 <a:extLst>
                   <a:ext uri="{0D108BD9-81ED-4DB2-BD59-A6C34878D82A}">
                     <a16:rowId xmlns:a16="http://schemas.microsoft.com/office/drawing/2014/main" val="3795152502"/>
@@ -5027,6 +5086,19 @@
                   </a:txBody>
                   <a:tcPr/>
                 </a:tc>
+                <a:tc>
+                  <a:txBody>
+                    <a:bodyPr/>
+                    <a:lstStyle/>
+                    <a:p>
+                      <a:r>
+                        <a:rPr lang="de-DE" sz="700"/>
+                        <a:t>-</a:t>
+                      </a:r>
+                    </a:p>
+                  </a:txBody>
+                  <a:tcPr/>
+                </a:tc>
                 <a:extLst>
                   <a:ext uri="{0D108BD9-81ED-4DB2-BD59-A6C34878D82A}">
                     <a16:rowId xmlns:a16="http://schemas.microsoft.com/office/drawing/2014/main" val="1915236450"/>
@@ -5364,6 +5436,25 @@
                   </a:txBody>
                   <a:tcPr/>
                 </a:tc>
+                <a:tc>
+                  <a:txBody>
+                    <a:bodyPr/>
+                    <a:lstStyle/>
+                    <a:p>
+                      <a:r>
+                        <a:rPr lang="de-DE" sz="700"/>
+                        <a:t>currentTime</a:t>
+                      </a:r>
+                    </a:p>
+                    <a:p>
+                      <a:r>
+                        <a:rPr lang="de-DE" sz="700"/>
+                        <a:t>(also if not successful)</a:t>
+                      </a:r>
+                    </a:p>
+                  </a:txBody>
+                  <a:tcPr/>
+                </a:tc>
                 <a:extLst>
                   <a:ext uri="{0D108BD9-81ED-4DB2-BD59-A6C34878D82A}">
                     <a16:rowId xmlns:a16="http://schemas.microsoft.com/office/drawing/2014/main" val="4128198377"/>
@@ -5500,6 +5591,28 @@
                   </a:txBody>
                   <a:tcPr/>
                 </a:tc>
+                <a:tc>
+                  <a:txBody>
+                    <a:bodyPr/>
+                    <a:lstStyle/>
+                    <a:p>
+                      <a:r>
+                        <a:rPr lang="de-DE" sz="700"/>
+                        <a:t>currentTime</a:t>
+                      </a:r>
+                    </a:p>
+                    <a:p>
+                      <a:r>
+                        <a:rPr lang="de-DE" sz="700"/>
+                        <a:t>(only if successful)</a:t>
+                      </a:r>
+                    </a:p>
+                    <a:p>
+                      <a:endParaRPr lang="de-DE" sz="700"/>
+                    </a:p>
+                  </a:txBody>
+                  <a:tcPr/>
+                </a:tc>
                 <a:extLst>
                   <a:ext uri="{0D108BD9-81ED-4DB2-BD59-A6C34878D82A}">
                     <a16:rowId xmlns:a16="http://schemas.microsoft.com/office/drawing/2014/main" val="1707420997"/>
@@ -5624,6 +5737,19 @@
                   </a:txBody>
                   <a:tcPr/>
                 </a:tc>
+                <a:tc>
+                  <a:txBody>
+                    <a:bodyPr/>
+                    <a:lstStyle/>
+                    <a:p>
+                      <a:r>
+                        <a:rPr lang="de-DE" sz="700"/>
+                        <a:t>-</a:t>
+                      </a:r>
+                    </a:p>
+                  </a:txBody>
+                  <a:tcPr/>
+                </a:tc>
                 <a:extLst>
                   <a:ext uri="{0D108BD9-81ED-4DB2-BD59-A6C34878D82A}">
                     <a16:rowId xmlns:a16="http://schemas.microsoft.com/office/drawing/2014/main" val="3885316261"/>
@@ -5748,6 +5874,19 @@
                   </a:txBody>
                   <a:tcPr/>
                 </a:tc>
+                <a:tc>
+                  <a:txBody>
+                    <a:bodyPr/>
+                    <a:lstStyle/>
+                    <a:p>
+                      <a:r>
+                        <a:rPr lang="de-DE" sz="700"/>
+                        <a:t>0</a:t>
+                      </a:r>
+                    </a:p>
+                  </a:txBody>
+                  <a:tcPr/>
+                </a:tc>
                 <a:extLst>
                   <a:ext uri="{0D108BD9-81ED-4DB2-BD59-A6C34878D82A}">
                     <a16:rowId xmlns:a16="http://schemas.microsoft.com/office/drawing/2014/main" val="2030681551"/>
@@ -5802,6 +5941,19 @@
                       <a:r>
                         <a:rPr lang="de-DE" sz="700"/>
                         <a:t>schema-cache-directory from Controller deviceList</a:t>
+                      </a:r>
+                    </a:p>
+                  </a:txBody>
+                  <a:tcPr/>
+                </a:tc>
+                <a:tc>
+                  <a:txBody>
+                    <a:bodyPr/>
+                    <a:lstStyle/>
+                    <a:p>
+                      <a:r>
+                        <a:rPr lang="de-DE" sz="700"/>
+                        <a:t>-</a:t>
                       </a:r>
                     </a:p>
                   </a:txBody>
@@ -6042,6 +6194,19 @@
                   </a:txBody>
                   <a:tcPr/>
                 </a:tc>
+                <a:tc>
+                  <a:txBody>
+                    <a:bodyPr/>
+                    <a:lstStyle/>
+                    <a:p>
+                      <a:r>
+                        <a:rPr lang="de-DE" sz="700"/>
+                        <a:t>-</a:t>
+                      </a:r>
+                    </a:p>
+                  </a:txBody>
+                  <a:tcPr/>
+                </a:tc>
                 <a:extLst>
                   <a:ext uri="{0D108BD9-81ED-4DB2-BD59-A6C34878D82A}">
                     <a16:rowId xmlns:a16="http://schemas.microsoft.com/office/drawing/2014/main" val="336995638"/>
@@ -6178,6 +6343,19 @@
                   </a:txBody>
                   <a:tcPr/>
                 </a:tc>
+                <a:tc>
+                  <a:txBody>
+                    <a:bodyPr/>
+                    <a:lstStyle/>
+                    <a:p>
+                      <a:r>
+                        <a:rPr lang="de-DE" sz="700"/>
+                        <a:t>-</a:t>
+                      </a:r>
+                    </a:p>
+                  </a:txBody>
+                  <a:tcPr/>
+                </a:tc>
                 <a:extLst>
                   <a:ext uri="{0D108BD9-81ED-4DB2-BD59-A6C34878D82A}">
                     <a16:rowId xmlns:a16="http://schemas.microsoft.com/office/drawing/2014/main" val="2791499227"/>
@@ -6314,6 +6492,19 @@
                   </a:txBody>
                   <a:tcPr/>
                 </a:tc>
+                <a:tc>
+                  <a:txBody>
+                    <a:bodyPr/>
+                    <a:lstStyle/>
+                    <a:p>
+                      <a:r>
+                        <a:rPr lang="de-DE" sz="700"/>
+                        <a:t>locked during the retrieval, unlocked upon finished retrieval</a:t>
+                      </a:r>
+                    </a:p>
+                  </a:txBody>
+                  <a:tcPr/>
+                </a:tc>
                 <a:extLst>
                   <a:ext uri="{0D108BD9-81ED-4DB2-BD59-A6C34878D82A}">
                     <a16:rowId xmlns:a16="http://schemas.microsoft.com/office/drawing/2014/main" val="2172653440"/>
@@ -6431,7 +6622,7 @@
                     <a:p>
                       <a:r>
                         <a:rPr lang="de-DE" sz="700"/>
-                        <a:t>set to false, once a CC has been written to the Cache for the device</a:t>
+                        <a:t>set to false, after successfully retrieved CC was written to cache</a:t>
                       </a:r>
                     </a:p>
                   </a:txBody>
@@ -6445,6 +6636,19 @@
                       <a:r>
                         <a:rPr lang="de-DE" sz="700"/>
                         <a:t>-</a:t>
+                      </a:r>
+                    </a:p>
+                  </a:txBody>
+                  <a:tcPr/>
+                </a:tc>
+                <a:tc>
+                  <a:txBody>
+                    <a:bodyPr/>
+                    <a:lstStyle/>
+                    <a:p>
+                      <a:r>
+                        <a:rPr lang="de-DE" sz="700"/>
+                        <a:t>set to false, after successfully retrieved CC was written to cache</a:t>
                       </a:r>
                     </a:p>
                   </a:txBody>

--- a/spec/additionalDescription/pictures/MetadataPics.pptx
+++ b/spec/additionalDescription/pictures/MetadataPics.pptx
@@ -263,7 +263,7 @@
           <a:p>
             <a:fld id="{A13AB217-A22B-45C9-B442-C9534E44A269}" type="datetimeFigureOut">
               <a:rPr lang="de-DE" smtClean="0"/>
-              <a:t>27.05.2025</a:t>
+              <a:t>04.06.2025</a:t>
             </a:fld>
             <a:endParaRPr lang="de-DE"/>
           </a:p>
@@ -461,7 +461,7 @@
           <a:p>
             <a:fld id="{A13AB217-A22B-45C9-B442-C9534E44A269}" type="datetimeFigureOut">
               <a:rPr lang="de-DE" smtClean="0"/>
-              <a:t>27.05.2025</a:t>
+              <a:t>04.06.2025</a:t>
             </a:fld>
             <a:endParaRPr lang="de-DE"/>
           </a:p>
@@ -669,7 +669,7 @@
           <a:p>
             <a:fld id="{A13AB217-A22B-45C9-B442-C9534E44A269}" type="datetimeFigureOut">
               <a:rPr lang="de-DE" smtClean="0"/>
-              <a:t>27.05.2025</a:t>
+              <a:t>04.06.2025</a:t>
             </a:fld>
             <a:endParaRPr lang="de-DE"/>
           </a:p>
@@ -867,7 +867,7 @@
           <a:p>
             <a:fld id="{A13AB217-A22B-45C9-B442-C9534E44A269}" type="datetimeFigureOut">
               <a:rPr lang="de-DE" smtClean="0"/>
-              <a:t>27.05.2025</a:t>
+              <a:t>04.06.2025</a:t>
             </a:fld>
             <a:endParaRPr lang="de-DE"/>
           </a:p>
@@ -1142,7 +1142,7 @@
           <a:p>
             <a:fld id="{A13AB217-A22B-45C9-B442-C9534E44A269}" type="datetimeFigureOut">
               <a:rPr lang="de-DE" smtClean="0"/>
-              <a:t>27.05.2025</a:t>
+              <a:t>04.06.2025</a:t>
             </a:fld>
             <a:endParaRPr lang="de-DE"/>
           </a:p>
@@ -1407,7 +1407,7 @@
           <a:p>
             <a:fld id="{A13AB217-A22B-45C9-B442-C9534E44A269}" type="datetimeFigureOut">
               <a:rPr lang="de-DE" smtClean="0"/>
-              <a:t>27.05.2025</a:t>
+              <a:t>04.06.2025</a:t>
             </a:fld>
             <a:endParaRPr lang="de-DE"/>
           </a:p>
@@ -1819,7 +1819,7 @@
           <a:p>
             <a:fld id="{A13AB217-A22B-45C9-B442-C9534E44A269}" type="datetimeFigureOut">
               <a:rPr lang="de-DE" smtClean="0"/>
-              <a:t>27.05.2025</a:t>
+              <a:t>04.06.2025</a:t>
             </a:fld>
             <a:endParaRPr lang="de-DE"/>
           </a:p>
@@ -1960,7 +1960,7 @@
           <a:p>
             <a:fld id="{A13AB217-A22B-45C9-B442-C9534E44A269}" type="datetimeFigureOut">
               <a:rPr lang="de-DE" smtClean="0"/>
-              <a:t>27.05.2025</a:t>
+              <a:t>04.06.2025</a:t>
             </a:fld>
             <a:endParaRPr lang="de-DE"/>
           </a:p>
@@ -2073,7 +2073,7 @@
           <a:p>
             <a:fld id="{A13AB217-A22B-45C9-B442-C9534E44A269}" type="datetimeFigureOut">
               <a:rPr lang="de-DE" smtClean="0"/>
-              <a:t>27.05.2025</a:t>
+              <a:t>04.06.2025</a:t>
             </a:fld>
             <a:endParaRPr lang="de-DE"/>
           </a:p>
@@ -2384,7 +2384,7 @@
           <a:p>
             <a:fld id="{A13AB217-A22B-45C9-B442-C9534E44A269}" type="datetimeFigureOut">
               <a:rPr lang="de-DE" smtClean="0"/>
-              <a:t>27.05.2025</a:t>
+              <a:t>04.06.2025</a:t>
             </a:fld>
             <a:endParaRPr lang="de-DE"/>
           </a:p>
@@ -2672,7 +2672,7 @@
           <a:p>
             <a:fld id="{A13AB217-A22B-45C9-B442-C9534E44A269}" type="datetimeFigureOut">
               <a:rPr lang="de-DE" smtClean="0"/>
-              <a:t>27.05.2025</a:t>
+              <a:t>04.06.2025</a:t>
             </a:fld>
             <a:endParaRPr lang="de-DE"/>
           </a:p>
@@ -2913,7 +2913,7 @@
           <a:p>
             <a:fld id="{A13AB217-A22B-45C9-B442-C9534E44A269}" type="datetimeFigureOut">
               <a:rPr lang="de-DE" smtClean="0"/>
-              <a:t>27.05.2025</a:t>
+              <a:t>04.06.2025</a:t>
             </a:fld>
             <a:endParaRPr lang="de-DE"/>
           </a:p>
@@ -3405,7 +3405,7 @@
         <p:spPr>
           <a:xfrm>
             <a:off x="332054" y="640747"/>
-            <a:ext cx="9833026" cy="6666833"/>
+            <a:ext cx="9833026" cy="6751583"/>
           </a:xfrm>
           <a:prstGeom prst="roundRect">
             <a:avLst>
@@ -3529,7 +3529,7 @@
         <p:spPr>
           <a:xfrm>
             <a:off x="377107" y="640747"/>
-            <a:ext cx="5043732" cy="6663363"/>
+            <a:ext cx="5043732" cy="6278642"/>
           </a:xfrm>
           <a:prstGeom prst="rect">
             <a:avLst/>
@@ -3565,11 +3565,11 @@
             </a:r>
             <a:r>
               <a:rPr lang="de-DE" sz="1200" b="1"/>
-              <a:t>all devices </a:t>
+              <a:t>only devices mounted </a:t>
             </a:r>
             <a:r>
               <a:rPr lang="de-DE" sz="1200"/>
-              <a:t>added to MWDI in the past</a:t>
+              <a:t>on Controller</a:t>
             </a:r>
           </a:p>
           <a:p>
@@ -3579,7 +3579,7 @@
             </a:pPr>
             <a:r>
               <a:rPr lang="de-DE" sz="1200"/>
-              <a:t>Added due to periodic deviceMetadataList sync or notifications</a:t>
+              <a:t>connected devices are added due to periodic deviceMetadataList sync or notifications</a:t>
             </a:r>
           </a:p>
           <a:p>
@@ -3589,16 +3589,9 @@
             </a:pPr>
             <a:r>
               <a:rPr lang="de-DE" sz="1200"/>
-              <a:t>no longer connected devices are kept until they expire (retention period: </a:t>
-            </a:r>
-            <a:r>
-              <a:rPr lang="de-DE" sz="1200" i="1"/>
-              <a:t>metadataTableRetentionPeriod</a:t>
-            </a:r>
-            <a:r>
-              <a:rPr lang="de-DE" sz="1200"/>
-              <a:t>)</a:t>
-            </a:r>
+              <a:t>If a device is deleted from Controller, it is also deleted from MWDI deviceMetadataList (along with its CC)</a:t>
+            </a:r>
+            <a:endParaRPr lang="de-DE" sz="1200" i="1"/>
           </a:p>
           <a:p>
             <a:pPr marL="285750" indent="-285750">
@@ -3658,7 +3651,7 @@
             </a:r>
             <a:r>
               <a:rPr lang="de-DE" sz="1200" b="1"/>
-              <a:t>of all connected devices in the deviceMetadataList</a:t>
+              <a:t>of all relevant devices in the deviceMetadataList</a:t>
             </a:r>
             <a:r>
               <a:rPr lang="de-DE" sz="1200"/>
@@ -3696,7 +3689,15 @@
             </a:pPr>
             <a:r>
               <a:rPr lang="de-DE" sz="1200"/>
-              <a:t>If it is kept, it will be deleted when the device is removed due to retention</a:t>
+              <a:t>If it is kept, it will be deleted when the device is removed due to retention (</a:t>
+            </a:r>
+            <a:r>
+              <a:rPr lang="de-DE" sz="1200" i="1"/>
+              <a:t>metadataRetentionPeriod</a:t>
+            </a:r>
+            <a:r>
+              <a:rPr lang="de-DE" sz="1200"/>
+              <a:t>)</a:t>
             </a:r>
           </a:p>
           <a:p>
@@ -3763,7 +3764,7 @@
             </a:pPr>
             <a:r>
               <a:rPr lang="de-DE" sz="1100"/>
-              <a:t>Devices no longer in connected state are not deleted from MWDI deviceMetadataList, but marked as disconnected; the related CC is deleted from the cache or kept due to policy</a:t>
+              <a:t>Devices no longer in connected state are deleted from the deviceList (and their CCs as well) by default; if the policy is configured to keep historical data, the devices are marked as disconnected instead and their CCs are kept.</a:t>
             </a:r>
           </a:p>
           <a:p>
@@ -3795,33 +3796,15 @@
             </a:pPr>
             <a:r>
               <a:rPr lang="de-DE" sz="1200"/>
-              <a:t>The list of connected devices within the deviceMetadataList can be retrieved via service </a:t>
+              <a:t>The service </a:t>
             </a:r>
             <a:r>
               <a:rPr lang="de-DE" sz="1200" b="1"/>
-              <a:t>/v1/provide-list-of-connected-devices</a:t>
+              <a:t>/v1/provide-list-cached-devices</a:t>
             </a:r>
             <a:r>
               <a:rPr lang="de-DE" sz="1200"/>
-              <a:t>, which only returns the list of mount-names without any additional information</a:t>
-            </a:r>
-          </a:p>
-          <a:p>
-            <a:pPr marL="285750" indent="-285750">
-              <a:buFont typeface="Arial" panose="020B0604020202020204" pitchFamily="34" charset="0"/>
-              <a:buChar char="•"/>
-            </a:pPr>
-            <a:r>
-              <a:rPr lang="de-DE" sz="1200"/>
-              <a:t>The complementary service </a:t>
-            </a:r>
-            <a:r>
-              <a:rPr lang="de-DE" sz="1200" b="1"/>
-              <a:t>/v1/provide-list-of-all-mwdi-devices</a:t>
-            </a:r>
-            <a:r>
-              <a:rPr lang="de-DE" sz="1200"/>
-              <a:t> will return all devices which are currently found in the deviceMetadataList (i.e. disconnected ones as well)</a:t>
+              <a:t> will return all devices for which MWDI has a CC in ist cache (this can also include disconnected devices according to the policy configuration). The list only contains mount-names.</a:t>
             </a:r>
           </a:p>
         </p:txBody>
@@ -3933,7 +3916,7 @@
             </a:pPr>
             <a:r>
               <a:rPr lang="de-DE" sz="1200"/>
-              <a:t>locked-status</a:t>
+              <a:t>locked-status, exclude_from_qm</a:t>
             </a:r>
           </a:p>
         </p:txBody>
@@ -4001,8 +3984,8 @@
         </p:nvSpPr>
         <p:spPr>
           <a:xfrm>
-            <a:off x="5846708" y="3347661"/>
-            <a:ext cx="4181212" cy="3739485"/>
+            <a:off x="5846708" y="3314291"/>
+            <a:ext cx="4181212" cy="4078039"/>
           </a:xfrm>
           <a:prstGeom prst="rect">
             <a:avLst/>
@@ -4158,14 +4141,7 @@
               <a:buChar char="•"/>
             </a:pPr>
             <a:r>
-              <a:rPr lang="de-DE" sz="1200" b="1">
-                <a:solidFill>
-                  <a:schemeClr val="tx1">
-                    <a:lumMod val="65000"/>
-                    <a:lumOff val="35000"/>
-                  </a:schemeClr>
-                </a:solidFill>
-              </a:rPr>
+              <a:rPr lang="de-DE" sz="1200" b="1"/>
               <a:t>Live-services</a:t>
             </a:r>
           </a:p>
@@ -4177,6 +4153,16 @@
             <a:r>
               <a:rPr lang="de-DE" sz="1100"/>
               <a:t>MWDI also offers domain=live ressource paths, which in rare cases may be called directly, these also lead to updates of cached data</a:t>
+            </a:r>
+          </a:p>
+          <a:p>
+            <a:pPr marL="541338" lvl="1" indent="-180975">
+              <a:buFont typeface="Arial" panose="020B0604020202020204" pitchFamily="34" charset="0"/>
+              <a:buChar char="•"/>
+            </a:pPr>
+            <a:r>
+              <a:rPr lang="de-DE" sz="1100"/>
+              <a:t>If the live-Service for complete CC retrieval is called, the device is locked for the cyclic updates.</a:t>
             </a:r>
           </a:p>
         </p:txBody>
@@ -4232,14 +4218,14 @@
           <p:nvPr>
             <p:extLst>
               <p:ext uri="{D42A27DB-BD31-4B8C-83A1-F6EECF244321}">
-                <p14:modId xmlns:p14="http://schemas.microsoft.com/office/powerpoint/2010/main" val="1379673831"/>
+                <p14:modId xmlns:p14="http://schemas.microsoft.com/office/powerpoint/2010/main" val="3910767044"/>
               </p:ext>
             </p:extLst>
           </p:nvPr>
         </p:nvGraphicFramePr>
         <p:xfrm>
           <a:off x="163987" y="483390"/>
-          <a:ext cx="11516303" cy="5359400"/>
+          <a:ext cx="11516304" cy="6065520"/>
         </p:xfrm>
         <a:graphic>
           <a:graphicData uri="http://schemas.openxmlformats.org/drawingml/2006/table">
@@ -4248,69 +4234,76 @@
                 <a:tableStyleId>{5C22544A-7EE6-4342-B048-85BDC9FD1C3A}</a:tableStyleId>
               </a:tblPr>
               <a:tblGrid>
-                <a:gridCol w="1057391">
+                <a:gridCol w="1050763">
                   <a:extLst>
                     <a:ext uri="{9D8B030D-6E8A-4147-A177-3AD203B41FA5}">
                       <a16:colId xmlns:a16="http://schemas.microsoft.com/office/drawing/2014/main" val="1973923140"/>
                     </a:ext>
                   </a:extLst>
                 </a:gridCol>
-                <a:gridCol w="800981">
+                <a:gridCol w="647422">
                   <a:extLst>
                     <a:ext uri="{9D8B030D-6E8A-4147-A177-3AD203B41FA5}">
                       <a16:colId xmlns:a16="http://schemas.microsoft.com/office/drawing/2014/main" val="934169871"/>
                     </a:ext>
                   </a:extLst>
                 </a:gridCol>
-                <a:gridCol w="1641915">
+                <a:gridCol w="1862173">
                   <a:extLst>
                     <a:ext uri="{9D8B030D-6E8A-4147-A177-3AD203B41FA5}">
                       <a16:colId xmlns:a16="http://schemas.microsoft.com/office/drawing/2014/main" val="2420230584"/>
                     </a:ext>
                   </a:extLst>
                 </a:gridCol>
-                <a:gridCol w="1228100">
+                <a:gridCol w="1001167">
                   <a:extLst>
                     <a:ext uri="{9D8B030D-6E8A-4147-A177-3AD203B41FA5}">
                       <a16:colId xmlns:a16="http://schemas.microsoft.com/office/drawing/2014/main" val="1956454415"/>
                     </a:ext>
                   </a:extLst>
                 </a:gridCol>
-                <a:gridCol w="707492">
+                <a:gridCol w="854330">
                   <a:extLst>
                     <a:ext uri="{9D8B030D-6E8A-4147-A177-3AD203B41FA5}">
                       <a16:colId xmlns:a16="http://schemas.microsoft.com/office/drawing/2014/main" val="2955241416"/>
                     </a:ext>
                   </a:extLst>
                 </a:gridCol>
-                <a:gridCol w="1047889">
+                <a:gridCol w="1127983">
                   <a:extLst>
                     <a:ext uri="{9D8B030D-6E8A-4147-A177-3AD203B41FA5}">
                       <a16:colId xmlns:a16="http://schemas.microsoft.com/office/drawing/2014/main" val="2109227897"/>
                     </a:ext>
                   </a:extLst>
                 </a:gridCol>
-                <a:gridCol w="1161354">
+                <a:gridCol w="1334890">
                   <a:extLst>
                     <a:ext uri="{9D8B030D-6E8A-4147-A177-3AD203B41FA5}">
                       <a16:colId xmlns:a16="http://schemas.microsoft.com/office/drawing/2014/main" val="2254465362"/>
                     </a:ext>
                   </a:extLst>
                 </a:gridCol>
-                <a:gridCol w="1595195">
+                <a:gridCol w="1314867">
                   <a:extLst>
                     <a:ext uri="{9D8B030D-6E8A-4147-A177-3AD203B41FA5}">
                       <a16:colId xmlns:a16="http://schemas.microsoft.com/office/drawing/2014/main" val="1237608973"/>
                     </a:ext>
                   </a:extLst>
                 </a:gridCol>
-                <a:gridCol w="2275986">
+                <a:gridCol w="1034541">
                   <a:extLst>
                     <a:ext uri="{9D8B030D-6E8A-4147-A177-3AD203B41FA5}">
                       <a16:colId xmlns:a16="http://schemas.microsoft.com/office/drawing/2014/main" val="3680519963"/>
                     </a:ext>
                   </a:extLst>
                 </a:gridCol>
+                <a:gridCol w="1288168">
+                  <a:extLst>
+                    <a:ext uri="{9D8B030D-6E8A-4147-A177-3AD203B41FA5}">
+                      <a16:colId xmlns:a16="http://schemas.microsoft.com/office/drawing/2014/main" val="3434883600"/>
+                    </a:ext>
+                  </a:extLst>
+                </a:gridCol>
               </a:tblGrid>
               <a:tr h="370840">
                 <a:tc>
@@ -4388,6 +4381,12 @@
                         <a:t>Disconnected device, periodic sync</a:t>
                       </a:r>
                     </a:p>
+                    <a:p>
+                      <a:r>
+                        <a:rPr lang="de-DE" sz="600"/>
+                        <a:t>(* if device to be kept)</a:t>
+                      </a:r>
+                    </a:p>
                   </a:txBody>
                   <a:tcPr/>
                 </a:tc>
@@ -4401,202 +4400,6 @@
                         <a:t>Disconnected device, notification</a:t>
                       </a:r>
                     </a:p>
-                  </a:txBody>
-                  <a:tcPr/>
-                </a:tc>
-                <a:tc>
-                  <a:txBody>
-                    <a:bodyPr/>
-                    <a:lstStyle/>
-                    <a:p>
-                      <a:r>
-                        <a:rPr lang="de-DE" sz="700"/>
-                        <a:t>Completed CC update (slidingWindow, QM, call of live-service)</a:t>
-                      </a:r>
-                    </a:p>
-                  </a:txBody>
-                  <a:tcPr/>
-                </a:tc>
-                <a:tc>
-                  <a:txBody>
-                    <a:bodyPr/>
-                    <a:lstStyle/>
-                    <a:p>
-                      <a:r>
-                        <a:rPr lang="de-DE" sz="700"/>
-                        <a:t>Partial CC update due </a:t>
-                      </a:r>
-                    </a:p>
-                    <a:p>
-                      <a:r>
-                        <a:rPr lang="de-DE" sz="700"/>
-                        <a:t>to notification</a:t>
-                      </a:r>
-                    </a:p>
-                  </a:txBody>
-                  <a:tcPr/>
-                </a:tc>
-                <a:extLst>
-                  <a:ext uri="{0D108BD9-81ED-4DB2-BD59-A6C34878D82A}">
-                    <a16:rowId xmlns:a16="http://schemas.microsoft.com/office/drawing/2014/main" val="2334020561"/>
-                  </a:ext>
-                </a:extLst>
-              </a:tr>
-              <a:tr h="370840">
-                <a:tc>
-                  <a:txBody>
-                    <a:bodyPr/>
-                    <a:lstStyle/>
-                    <a:p>
-                      <a:r>
-                        <a:rPr lang="de-DE" sz="700"/>
-                        <a:t>mount-name</a:t>
-                      </a:r>
-                    </a:p>
-                  </a:txBody>
-                  <a:tcPr/>
-                </a:tc>
-                <a:tc>
-                  <a:txBody>
-                    <a:bodyPr/>
-                    <a:lstStyle/>
-                    <a:p>
-                      <a:r>
-                        <a:rPr lang="de-DE" sz="700"/>
-                        <a:t>string</a:t>
-                      </a:r>
-                    </a:p>
-                  </a:txBody>
-                  <a:tcPr/>
-                </a:tc>
-                <a:tc>
-                  <a:txBody>
-                    <a:bodyPr/>
-                    <a:lstStyle/>
-                    <a:p>
-                      <a:r>
-                        <a:rPr lang="de-DE" sz="700"/>
-                        <a:t>periodic sync, notification</a:t>
-                      </a:r>
-                    </a:p>
-                  </a:txBody>
-                  <a:tcPr/>
-                </a:tc>
-                <a:tc>
-                  <a:txBody>
-                    <a:bodyPr/>
-                    <a:lstStyle/>
-                    <a:p>
-                      <a:r>
-                        <a:rPr lang="de-DE" sz="700"/>
-                        <a:t>add</a:t>
-                      </a:r>
-                    </a:p>
-                  </a:txBody>
-                  <a:tcPr/>
-                </a:tc>
-                <a:tc>
-                  <a:txBody>
-                    <a:bodyPr/>
-                    <a:lstStyle/>
-                    <a:p>
-                      <a:r>
-                        <a:rPr lang="de-DE" sz="700"/>
-                        <a:t>add</a:t>
-                      </a:r>
-                    </a:p>
-                  </a:txBody>
-                  <a:tcPr/>
-                </a:tc>
-                <a:tc>
-                  <a:txBody>
-                    <a:bodyPr/>
-                    <a:lstStyle/>
-                    <a:p>
-                      <a:r>
-                        <a:rPr lang="de-DE" sz="700"/>
-                        <a:t>-</a:t>
-                      </a:r>
-                    </a:p>
-                  </a:txBody>
-                  <a:tcPr/>
-                </a:tc>
-                <a:tc>
-                  <a:txBody>
-                    <a:bodyPr/>
-                    <a:lstStyle/>
-                    <a:p>
-                      <a:r>
-                        <a:rPr lang="de-DE" sz="700"/>
-                        <a:t>-</a:t>
-                      </a:r>
-                    </a:p>
-                  </a:txBody>
-                  <a:tcPr/>
-                </a:tc>
-                <a:tc>
-                  <a:txBody>
-                    <a:bodyPr/>
-                    <a:lstStyle/>
-                    <a:p>
-                      <a:r>
-                        <a:rPr lang="de-DE" sz="700"/>
-                        <a:t>-</a:t>
-                      </a:r>
-                    </a:p>
-                  </a:txBody>
-                  <a:tcPr/>
-                </a:tc>
-                <a:tc>
-                  <a:txBody>
-                    <a:bodyPr/>
-                    <a:lstStyle/>
-                    <a:p>
-                      <a:r>
-                        <a:rPr lang="de-DE" sz="700"/>
-                        <a:t>-</a:t>
-                      </a:r>
-                    </a:p>
-                  </a:txBody>
-                  <a:tcPr/>
-                </a:tc>
-                <a:extLst>
-                  <a:ext uri="{0D108BD9-81ED-4DB2-BD59-A6C34878D82A}">
-                    <a16:rowId xmlns:a16="http://schemas.microsoft.com/office/drawing/2014/main" val="625363744"/>
-                  </a:ext>
-                </a:extLst>
-              </a:tr>
-              <a:tr h="370840">
-                <a:tc>
-                  <a:txBody>
-                    <a:bodyPr/>
-                    <a:lstStyle/>
-                    <a:p>
-                      <a:r>
-                        <a:rPr lang="de-DE" sz="700"/>
-                        <a:t>connection-status</a:t>
-                      </a:r>
-                    </a:p>
-                  </a:txBody>
-                  <a:tcPr/>
-                </a:tc>
-                <a:tc>
-                  <a:txBody>
-                    <a:bodyPr/>
-                    <a:lstStyle/>
-                    <a:p>
-                      <a:r>
-                        <a:rPr lang="de-DE" sz="700"/>
-                        <a:t>string</a:t>
-                      </a:r>
-                    </a:p>
-                  </a:txBody>
-                  <a:tcPr/>
-                </a:tc>
-                <a:tc>
-                  <a:txBody>
-                    <a:bodyPr/>
-                    <a:lstStyle/>
                     <a:p>
                       <a:pPr marL="0" marR="0" lvl="0" indent="0" algn="l" defTabSz="914400" rtl="0" eaLnBrk="1" fontAlgn="auto" latinLnBrk="0" hangingPunct="1">
                         <a:lnSpc>
@@ -4616,12 +4419,22 @@
                         <a:defRPr/>
                       </a:pPr>
                       <a:r>
+                        <a:rPr lang="de-DE" sz="600"/>
+                        <a:t>(* if device to be kept)</a:t>
+                      </a:r>
+                    </a:p>
+                  </a:txBody>
+                  <a:tcPr/>
+                </a:tc>
+                <a:tc>
+                  <a:txBody>
+                    <a:bodyPr/>
+                    <a:lstStyle/>
+                    <a:p>
+                      <a:r>
                         <a:rPr lang="de-DE" sz="700"/>
-                        <a:t>periodic sync, notification</a:t>
-                      </a:r>
-                    </a:p>
-                    <a:p>
-                      <a:endParaRPr lang="de-DE" sz="700"/>
+                        <a:t>Completed CC update (slidingWindow, QM, call of live-service)</a:t>
+                      </a:r>
                     </a:p>
                   </a:txBody>
                   <a:tcPr/>
@@ -4633,7 +4446,13 @@
                     <a:p>
                       <a:r>
                         <a:rPr lang="de-DE" sz="700"/>
-                        <a:t>connected</a:t>
+                        <a:t>Partial CC update due </a:t>
+                      </a:r>
+                    </a:p>
+                    <a:p>
+                      <a:r>
+                        <a:rPr lang="de-DE" sz="700"/>
+                        <a:t>to notification</a:t>
                       </a:r>
                     </a:p>
                   </a:txBody>
@@ -4646,59 +4465,7 @@
                     <a:p>
                       <a:r>
                         <a:rPr lang="de-DE" sz="700"/>
-                        <a:t>connected</a:t>
-                      </a:r>
-                    </a:p>
-                  </a:txBody>
-                  <a:tcPr/>
-                </a:tc>
-                <a:tc>
-                  <a:txBody>
-                    <a:bodyPr/>
-                    <a:lstStyle/>
-                    <a:p>
-                      <a:r>
-                        <a:rPr lang="de-DE" sz="700"/>
-                        <a:t>connecting | unable-to-connect</a:t>
-                      </a:r>
-                    </a:p>
-                  </a:txBody>
-                  <a:tcPr/>
-                </a:tc>
-                <a:tc>
-                  <a:txBody>
-                    <a:bodyPr/>
-                    <a:lstStyle/>
-                    <a:p>
-                      <a:r>
-                        <a:rPr lang="de-DE" sz="700"/>
-                        <a:t>connecting | unable-to-connect</a:t>
-                      </a:r>
-                    </a:p>
-                  </a:txBody>
-                  <a:tcPr/>
-                </a:tc>
-                <a:tc>
-                  <a:txBody>
-                    <a:bodyPr/>
-                    <a:lstStyle/>
-                    <a:p>
-                      <a:r>
-                        <a:rPr lang="de-DE" sz="700"/>
-                        <a:t>-</a:t>
-                      </a:r>
-                    </a:p>
-                  </a:txBody>
-                  <a:tcPr/>
-                </a:tc>
-                <a:tc>
-                  <a:txBody>
-                    <a:bodyPr/>
-                    <a:lstStyle/>
-                    <a:p>
-                      <a:r>
-                        <a:rPr lang="de-DE" sz="700"/>
-                        <a:t>-</a:t>
+                        <a:t>Complete CC update due to live-CC-service</a:t>
                       </a:r>
                     </a:p>
                   </a:txBody>
@@ -4706,7 +4473,7 @@
                 </a:tc>
                 <a:extLst>
                   <a:ext uri="{0D108BD9-81ED-4DB2-BD59-A6C34878D82A}">
-                    <a16:rowId xmlns:a16="http://schemas.microsoft.com/office/drawing/2014/main" val="1158804284"/>
+                    <a16:rowId xmlns:a16="http://schemas.microsoft.com/office/drawing/2014/main" val="2334020561"/>
                   </a:ext>
                 </a:extLst>
               </a:tr>
@@ -4718,7 +4485,7 @@
                     <a:p>
                       <a:r>
                         <a:rPr lang="de-DE" sz="700"/>
-                        <a:t>changed-to-disconnected-time</a:t>
+                        <a:t>mount-name</a:t>
                       </a:r>
                     </a:p>
                   </a:txBody>
@@ -4731,7 +4498,144 @@
                     <a:p>
                       <a:r>
                         <a:rPr lang="de-DE" sz="700"/>
-                        <a:t>string, timestamp</a:t>
+                        <a:t>string</a:t>
+                      </a:r>
+                    </a:p>
+                  </a:txBody>
+                  <a:tcPr/>
+                </a:tc>
+                <a:tc>
+                  <a:txBody>
+                    <a:bodyPr/>
+                    <a:lstStyle/>
+                    <a:p>
+                      <a:r>
+                        <a:rPr lang="de-DE" sz="700"/>
+                        <a:t>periodic sync, notification</a:t>
+                      </a:r>
+                    </a:p>
+                  </a:txBody>
+                  <a:tcPr/>
+                </a:tc>
+                <a:tc>
+                  <a:txBody>
+                    <a:bodyPr/>
+                    <a:lstStyle/>
+                    <a:p>
+                      <a:r>
+                        <a:rPr lang="de-DE" sz="700"/>
+                        <a:t>add</a:t>
+                      </a:r>
+                    </a:p>
+                  </a:txBody>
+                  <a:tcPr/>
+                </a:tc>
+                <a:tc>
+                  <a:txBody>
+                    <a:bodyPr/>
+                    <a:lstStyle/>
+                    <a:p>
+                      <a:r>
+                        <a:rPr lang="de-DE" sz="700"/>
+                        <a:t>add</a:t>
+                      </a:r>
+                    </a:p>
+                  </a:txBody>
+                  <a:tcPr/>
+                </a:tc>
+                <a:tc>
+                  <a:txBody>
+                    <a:bodyPr/>
+                    <a:lstStyle/>
+                    <a:p>
+                      <a:r>
+                        <a:rPr lang="de-DE" sz="700"/>
+                        <a:t>-</a:t>
+                      </a:r>
+                    </a:p>
+                  </a:txBody>
+                  <a:tcPr/>
+                </a:tc>
+                <a:tc>
+                  <a:txBody>
+                    <a:bodyPr/>
+                    <a:lstStyle/>
+                    <a:p>
+                      <a:r>
+                        <a:rPr lang="de-DE" sz="700"/>
+                        <a:t>-</a:t>
+                      </a:r>
+                    </a:p>
+                  </a:txBody>
+                  <a:tcPr/>
+                </a:tc>
+                <a:tc>
+                  <a:txBody>
+                    <a:bodyPr/>
+                    <a:lstStyle/>
+                    <a:p>
+                      <a:r>
+                        <a:rPr lang="de-DE" sz="700"/>
+                        <a:t>-</a:t>
+                      </a:r>
+                    </a:p>
+                  </a:txBody>
+                  <a:tcPr/>
+                </a:tc>
+                <a:tc>
+                  <a:txBody>
+                    <a:bodyPr/>
+                    <a:lstStyle/>
+                    <a:p>
+                      <a:r>
+                        <a:rPr lang="de-DE" sz="700"/>
+                        <a:t>-</a:t>
+                      </a:r>
+                    </a:p>
+                  </a:txBody>
+                  <a:tcPr/>
+                </a:tc>
+                <a:tc>
+                  <a:txBody>
+                    <a:bodyPr/>
+                    <a:lstStyle/>
+                    <a:p>
+                      <a:r>
+                        <a:rPr lang="de-DE" sz="700"/>
+                        <a:t>-</a:t>
+                      </a:r>
+                    </a:p>
+                  </a:txBody>
+                  <a:tcPr/>
+                </a:tc>
+                <a:extLst>
+                  <a:ext uri="{0D108BD9-81ED-4DB2-BD59-A6C34878D82A}">
+                    <a16:rowId xmlns:a16="http://schemas.microsoft.com/office/drawing/2014/main" val="625363744"/>
+                  </a:ext>
+                </a:extLst>
+              </a:tr>
+              <a:tr h="370840">
+                <a:tc>
+                  <a:txBody>
+                    <a:bodyPr/>
+                    <a:lstStyle/>
+                    <a:p>
+                      <a:r>
+                        <a:rPr lang="de-DE" sz="700"/>
+                        <a:t>connection-status</a:t>
+                      </a:r>
+                    </a:p>
+                  </a:txBody>
+                  <a:tcPr/>
+                </a:tc>
+                <a:tc>
+                  <a:txBody>
+                    <a:bodyPr/>
+                    <a:lstStyle/>
+                    <a:p>
+                      <a:r>
+                        <a:rPr lang="de-DE" sz="700"/>
+                        <a:t>string</a:t>
                       </a:r>
                     </a:p>
                   </a:txBody>
@@ -4765,6 +4669,140 @@
                       </a:r>
                     </a:p>
                     <a:p>
+                      <a:endParaRPr lang="de-DE" sz="700"/>
+                    </a:p>
+                  </a:txBody>
+                  <a:tcPr/>
+                </a:tc>
+                <a:tc>
+                  <a:txBody>
+                    <a:bodyPr/>
+                    <a:lstStyle/>
+                    <a:p>
+                      <a:r>
+                        <a:rPr lang="de-DE" sz="700"/>
+                        <a:t>connected</a:t>
+                      </a:r>
+                    </a:p>
+                  </a:txBody>
+                  <a:tcPr/>
+                </a:tc>
+                <a:tc>
+                  <a:txBody>
+                    <a:bodyPr/>
+                    <a:lstStyle/>
+                    <a:p>
+                      <a:r>
+                        <a:rPr lang="de-DE" sz="700"/>
+                        <a:t>connected</a:t>
+                      </a:r>
+                    </a:p>
+                  </a:txBody>
+                  <a:tcPr/>
+                </a:tc>
+                <a:tc>
+                  <a:txBody>
+                    <a:bodyPr/>
+                    <a:lstStyle/>
+                    <a:p>
+                      <a:r>
+                        <a:rPr lang="de-DE" sz="700"/>
+                        <a:t>disconnected</a:t>
+                      </a:r>
+                    </a:p>
+                  </a:txBody>
+                  <a:tcPr/>
+                </a:tc>
+                <a:tc>
+                  <a:txBody>
+                    <a:bodyPr/>
+                    <a:lstStyle/>
+                    <a:p>
+                      <a:r>
+                        <a:rPr lang="de-DE" sz="700"/>
+                        <a:t>disconnected</a:t>
+                      </a:r>
+                    </a:p>
+                  </a:txBody>
+                  <a:tcPr/>
+                </a:tc>
+                <a:tc>
+                  <a:txBody>
+                    <a:bodyPr/>
+                    <a:lstStyle/>
+                    <a:p>
+                      <a:r>
+                        <a:rPr lang="de-DE" sz="700"/>
+                        <a:t>-</a:t>
+                      </a:r>
+                    </a:p>
+                  </a:txBody>
+                  <a:tcPr/>
+                </a:tc>
+                <a:tc>
+                  <a:txBody>
+                    <a:bodyPr/>
+                    <a:lstStyle/>
+                    <a:p>
+                      <a:r>
+                        <a:rPr lang="de-DE" sz="700"/>
+                        <a:t>-</a:t>
+                      </a:r>
+                    </a:p>
+                  </a:txBody>
+                  <a:tcPr/>
+                </a:tc>
+                <a:tc>
+                  <a:txBody>
+                    <a:bodyPr/>
+                    <a:lstStyle/>
+                    <a:p>
+                      <a:r>
+                        <a:rPr lang="de-DE" sz="700"/>
+                        <a:t>-</a:t>
+                      </a:r>
+                    </a:p>
+                  </a:txBody>
+                  <a:tcPr/>
+                </a:tc>
+                <a:extLst>
+                  <a:ext uri="{0D108BD9-81ED-4DB2-BD59-A6C34878D82A}">
+                    <a16:rowId xmlns:a16="http://schemas.microsoft.com/office/drawing/2014/main" val="1158804284"/>
+                  </a:ext>
+                </a:extLst>
+              </a:tr>
+              <a:tr h="370840">
+                <a:tc>
+                  <a:txBody>
+                    <a:bodyPr/>
+                    <a:lstStyle/>
+                    <a:p>
+                      <a:r>
+                        <a:rPr lang="de-DE" sz="700"/>
+                        <a:t>changed-to-disconnected-time</a:t>
+                      </a:r>
+                    </a:p>
+                  </a:txBody>
+                  <a:tcPr/>
+                </a:tc>
+                <a:tc>
+                  <a:txBody>
+                    <a:bodyPr/>
+                    <a:lstStyle/>
+                    <a:p>
+                      <a:r>
+                        <a:rPr lang="de-DE" sz="700"/>
+                        <a:t>string, timestamp</a:t>
+                      </a:r>
+                    </a:p>
+                  </a:txBody>
+                  <a:tcPr/>
+                </a:tc>
+                <a:tc>
+                  <a:txBody>
+                    <a:bodyPr/>
+                    <a:lstStyle/>
+                    <a:p>
                       <a:pPr marL="0" marR="0" lvl="0" indent="0" algn="l" defTabSz="914400" rtl="0" eaLnBrk="1" fontAlgn="auto" latinLnBrk="0" hangingPunct="1">
                         <a:lnSpc>
                           <a:spcPct val="100000"/>
@@ -4784,127 +4822,9 @@
                       </a:pPr>
                       <a:r>
                         <a:rPr lang="de-DE" sz="700"/>
-                        <a:t>(is only the time when MWDI learns about the disconnect, not necessarily the acutal dc time)</a:t>
-                      </a:r>
-                    </a:p>
-                  </a:txBody>
-                  <a:tcPr/>
-                </a:tc>
-                <a:tc>
-                  <a:txBody>
-                    <a:bodyPr/>
-                    <a:lstStyle/>
-                    <a:p>
-                      <a:r>
-                        <a:rPr lang="de-DE" sz="700"/>
-                        <a:t>null</a:t>
-                      </a:r>
-                    </a:p>
-                  </a:txBody>
-                  <a:tcPr/>
-                </a:tc>
-                <a:tc>
-                  <a:txBody>
-                    <a:bodyPr/>
-                    <a:lstStyle/>
-                    <a:p>
-                      <a:r>
-                        <a:rPr lang="de-DE" sz="700"/>
-                        <a:t>null</a:t>
-                      </a:r>
-                    </a:p>
-                  </a:txBody>
-                  <a:tcPr/>
-                </a:tc>
-                <a:tc>
-                  <a:txBody>
-                    <a:bodyPr/>
-                    <a:lstStyle/>
-                    <a:p>
-                      <a:r>
-                        <a:rPr lang="de-DE" sz="700"/>
-                        <a:t>currentTime</a:t>
-                      </a:r>
-                    </a:p>
-                  </a:txBody>
-                  <a:tcPr/>
-                </a:tc>
-                <a:tc>
-                  <a:txBody>
-                    <a:bodyPr/>
-                    <a:lstStyle/>
-                    <a:p>
-                      <a:r>
-                        <a:rPr lang="de-DE" sz="700"/>
-                        <a:t>currentTime</a:t>
-                      </a:r>
-                    </a:p>
-                  </a:txBody>
-                  <a:tcPr/>
-                </a:tc>
-                <a:tc>
-                  <a:txBody>
-                    <a:bodyPr/>
-                    <a:lstStyle/>
-                    <a:p>
-                      <a:r>
-                        <a:rPr lang="de-DE" sz="700"/>
-                        <a:t>-</a:t>
-                      </a:r>
-                    </a:p>
-                  </a:txBody>
-                  <a:tcPr/>
-                </a:tc>
-                <a:tc>
-                  <a:txBody>
-                    <a:bodyPr/>
-                    <a:lstStyle/>
-                    <a:p>
-                      <a:r>
-                        <a:rPr lang="de-DE" sz="700"/>
-                        <a:t>-</a:t>
-                      </a:r>
-                    </a:p>
-                  </a:txBody>
-                  <a:tcPr/>
-                </a:tc>
-                <a:extLst>
-                  <a:ext uri="{0D108BD9-81ED-4DB2-BD59-A6C34878D82A}">
-                    <a16:rowId xmlns:a16="http://schemas.microsoft.com/office/drawing/2014/main" val="3795152502"/>
-                  </a:ext>
-                </a:extLst>
-              </a:tr>
-              <a:tr h="370840">
-                <a:tc>
-                  <a:txBody>
-                    <a:bodyPr/>
-                    <a:lstStyle/>
-                    <a:p>
-                      <a:r>
-                        <a:rPr lang="de-DE" sz="700"/>
-                        <a:t>added-to-device-list-time</a:t>
-                      </a:r>
-                    </a:p>
-                  </a:txBody>
-                  <a:tcPr/>
-                </a:tc>
-                <a:tc>
-                  <a:txBody>
-                    <a:bodyPr/>
-                    <a:lstStyle/>
-                    <a:p>
-                      <a:r>
-                        <a:rPr lang="de-DE" sz="700"/>
-                        <a:t>string, timestamp</a:t>
-                      </a:r>
-                    </a:p>
-                  </a:txBody>
-                  <a:tcPr/>
-                </a:tc>
-                <a:tc>
-                  <a:txBody>
-                    <a:bodyPr/>
-                    <a:lstStyle/>
+                        <a:t>periodic sync, notification</a:t>
+                      </a:r>
+                    </a:p>
                     <a:p>
                       <a:pPr marL="0" marR="0" lvl="0" indent="0" algn="l" defTabSz="914400" rtl="0" eaLnBrk="1" fontAlgn="auto" latinLnBrk="0" hangingPunct="1">
                         <a:lnSpc>
@@ -4925,11 +4845,34 @@
                       </a:pPr>
                       <a:r>
                         <a:rPr lang="de-DE" sz="700"/>
-                        <a:t>periodic sync, notification</a:t>
-                      </a:r>
-                    </a:p>
-                    <a:p>
-                      <a:endParaRPr lang="de-DE" sz="700"/>
+                        <a:t>(is only the time when MWDI learns about the disconnect, not necessarily the acutal dc time)</a:t>
+                      </a:r>
+                    </a:p>
+                  </a:txBody>
+                  <a:tcPr/>
+                </a:tc>
+                <a:tc>
+                  <a:txBody>
+                    <a:bodyPr/>
+                    <a:lstStyle/>
+                    <a:p>
+                      <a:r>
+                        <a:rPr lang="de-DE" sz="700"/>
+                        <a:t>null</a:t>
+                      </a:r>
+                    </a:p>
+                  </a:txBody>
+                  <a:tcPr/>
+                </a:tc>
+                <a:tc>
+                  <a:txBody>
+                    <a:bodyPr/>
+                    <a:lstStyle/>
+                    <a:p>
+                      <a:r>
+                        <a:rPr lang="de-DE" sz="700"/>
+                        <a:t>null</a:t>
+                      </a:r>
                     </a:p>
                   </a:txBody>
                   <a:tcPr/>
@@ -4999,22 +4942,9 @@
                   </a:txBody>
                   <a:tcPr/>
                 </a:tc>
-                <a:tc>
-                  <a:txBody>
-                    <a:bodyPr/>
-                    <a:lstStyle/>
-                    <a:p>
-                      <a:r>
-                        <a:rPr lang="de-DE" sz="700"/>
-                        <a:t>-</a:t>
-                      </a:r>
-                    </a:p>
-                  </a:txBody>
-                  <a:tcPr/>
-                </a:tc>
                 <a:extLst>
                   <a:ext uri="{0D108BD9-81ED-4DB2-BD59-A6C34878D82A}">
-                    <a16:rowId xmlns:a16="http://schemas.microsoft.com/office/drawing/2014/main" val="1915236450"/>
+                    <a16:rowId xmlns:a16="http://schemas.microsoft.com/office/drawing/2014/main" val="3795152502"/>
                   </a:ext>
                 </a:extLst>
               </a:tr>
@@ -5026,7 +4956,7 @@
                     <a:p>
                       <a:r>
                         <a:rPr lang="de-DE" sz="700"/>
-                        <a:t>last-complete-control-construct-update-time-attempt</a:t>
+                        <a:t>added-to-device-list-time</a:t>
                       </a:r>
                     </a:p>
                   </a:txBody>
@@ -5040,644 +4970,6 @@
                       <a:r>
                         <a:rPr lang="de-DE" sz="700"/>
                         <a:t>string, timestamp</a:t>
-                      </a:r>
-                    </a:p>
-                  </a:txBody>
-                  <a:tcPr/>
-                </a:tc>
-                <a:tc>
-                  <a:txBody>
-                    <a:bodyPr/>
-                    <a:lstStyle/>
-                    <a:p>
-                      <a:r>
-                        <a:rPr lang="de-DE" sz="700"/>
-                        <a:t>periodic CC retrieval slidingWindow and QM, on-demand retrieval by call of live-services</a:t>
-                      </a:r>
-                    </a:p>
-                  </a:txBody>
-                  <a:tcPr/>
-                </a:tc>
-                <a:tc>
-                  <a:txBody>
-                    <a:bodyPr/>
-                    <a:lstStyle/>
-                    <a:p>
-                      <a:r>
-                        <a:rPr lang="de-DE" sz="700"/>
-                        <a:t>null</a:t>
-                      </a:r>
-                    </a:p>
-                    <a:p>
-                      <a:endParaRPr lang="de-DE" sz="700"/>
-                    </a:p>
-                  </a:txBody>
-                  <a:tcPr/>
-                </a:tc>
-                <a:tc>
-                  <a:txBody>
-                    <a:bodyPr/>
-                    <a:lstStyle/>
-                    <a:p>
-                      <a:r>
-                        <a:rPr lang="de-DE" sz="700"/>
-                        <a:t>null</a:t>
-                      </a:r>
-                    </a:p>
-                  </a:txBody>
-                  <a:tcPr/>
-                </a:tc>
-                <a:tc>
-                  <a:txBody>
-                    <a:bodyPr/>
-                    <a:lstStyle/>
-                    <a:p>
-                      <a:r>
-                        <a:rPr lang="de-DE" sz="700"/>
-                        <a:t>null</a:t>
-                      </a:r>
-                    </a:p>
-                  </a:txBody>
-                  <a:tcPr/>
-                </a:tc>
-                <a:tc>
-                  <a:txBody>
-                    <a:bodyPr/>
-                    <a:lstStyle/>
-                    <a:p>
-                      <a:r>
-                        <a:rPr lang="de-DE" sz="700"/>
-                        <a:t>null</a:t>
-                      </a:r>
-                    </a:p>
-                  </a:txBody>
-                  <a:tcPr/>
-                </a:tc>
-                <a:tc>
-                  <a:txBody>
-                    <a:bodyPr/>
-                    <a:lstStyle/>
-                    <a:p>
-                      <a:r>
-                        <a:rPr lang="de-DE" sz="700"/>
-                        <a:t>currentTime</a:t>
-                      </a:r>
-                    </a:p>
-                    <a:p>
-                      <a:r>
-                        <a:rPr lang="de-DE" sz="700"/>
-                        <a:t>(also if not successful)</a:t>
-                      </a:r>
-                    </a:p>
-                  </a:txBody>
-                  <a:tcPr/>
-                </a:tc>
-                <a:tc>
-                  <a:txBody>
-                    <a:bodyPr/>
-                    <a:lstStyle/>
-                    <a:p>
-                      <a:r>
-                        <a:rPr lang="de-DE" sz="700"/>
-                        <a:t>-</a:t>
-                      </a:r>
-                    </a:p>
-                  </a:txBody>
-                  <a:tcPr/>
-                </a:tc>
-                <a:extLst>
-                  <a:ext uri="{0D108BD9-81ED-4DB2-BD59-A6C34878D82A}">
-                    <a16:rowId xmlns:a16="http://schemas.microsoft.com/office/drawing/2014/main" val="4128198377"/>
-                  </a:ext>
-                </a:extLst>
-              </a:tr>
-              <a:tr h="370840">
-                <a:tc>
-                  <a:txBody>
-                    <a:bodyPr/>
-                    <a:lstStyle/>
-                    <a:p>
-                      <a:r>
-                        <a:rPr lang="de-DE" sz="700"/>
-                        <a:t>last-successful-complete-control-construct-update-time</a:t>
-                      </a:r>
-                    </a:p>
-                  </a:txBody>
-                  <a:tcPr/>
-                </a:tc>
-                <a:tc>
-                  <a:txBody>
-                    <a:bodyPr/>
-                    <a:lstStyle/>
-                    <a:p>
-                      <a:r>
-                        <a:rPr lang="de-DE" sz="700"/>
-                        <a:t>String, timestamp</a:t>
-                      </a:r>
-                    </a:p>
-                  </a:txBody>
-                  <a:tcPr/>
-                </a:tc>
-                <a:tc>
-                  <a:txBody>
-                    <a:bodyPr/>
-                    <a:lstStyle/>
-                    <a:p>
-                      <a:r>
-                        <a:rPr lang="de-DE" sz="700"/>
-                        <a:t>periodic CC retrieval slidingWindow and QM, on-demand retrieval by call of live-services</a:t>
-                      </a:r>
-                    </a:p>
-                    <a:p>
-                      <a:r>
-                        <a:rPr lang="de-DE" sz="700"/>
-                        <a:t>Only in case of success</a:t>
-                      </a:r>
-                    </a:p>
-                  </a:txBody>
-                  <a:tcPr/>
-                </a:tc>
-                <a:tc>
-                  <a:txBody>
-                    <a:bodyPr/>
-                    <a:lstStyle/>
-                    <a:p>
-                      <a:r>
-                        <a:rPr lang="de-DE" sz="700"/>
-                        <a:t>null</a:t>
-                      </a:r>
-                    </a:p>
-                  </a:txBody>
-                  <a:tcPr/>
-                </a:tc>
-                <a:tc>
-                  <a:txBody>
-                    <a:bodyPr/>
-                    <a:lstStyle/>
-                    <a:p>
-                      <a:r>
-                        <a:rPr lang="de-DE" sz="700"/>
-                        <a:t>null</a:t>
-                      </a:r>
-                    </a:p>
-                  </a:txBody>
-                  <a:tcPr/>
-                </a:tc>
-                <a:tc>
-                  <a:txBody>
-                    <a:bodyPr/>
-                    <a:lstStyle/>
-                    <a:p>
-                      <a:r>
-                        <a:rPr lang="de-DE" sz="700"/>
-                        <a:t>-</a:t>
-                      </a:r>
-                    </a:p>
-                  </a:txBody>
-                  <a:tcPr/>
-                </a:tc>
-                <a:tc>
-                  <a:txBody>
-                    <a:bodyPr/>
-                    <a:lstStyle/>
-                    <a:p>
-                      <a:r>
-                        <a:rPr lang="de-DE" sz="700"/>
-                        <a:t>-</a:t>
-                      </a:r>
-                    </a:p>
-                  </a:txBody>
-                  <a:tcPr/>
-                </a:tc>
-                <a:tc>
-                  <a:txBody>
-                    <a:bodyPr/>
-                    <a:lstStyle/>
-                    <a:p>
-                      <a:r>
-                        <a:rPr lang="de-DE" sz="700"/>
-                        <a:t>currentTime</a:t>
-                      </a:r>
-                    </a:p>
-                    <a:p>
-                      <a:r>
-                        <a:rPr lang="de-DE" sz="700"/>
-                        <a:t>(only if successful)</a:t>
-                      </a:r>
-                    </a:p>
-                  </a:txBody>
-                  <a:tcPr/>
-                </a:tc>
-                <a:tc>
-                  <a:txBody>
-                    <a:bodyPr/>
-                    <a:lstStyle/>
-                    <a:p>
-                      <a:r>
-                        <a:rPr lang="de-DE" sz="700"/>
-                        <a:t>-</a:t>
-                      </a:r>
-                    </a:p>
-                  </a:txBody>
-                  <a:tcPr/>
-                </a:tc>
-                <a:extLst>
-                  <a:ext uri="{0D108BD9-81ED-4DB2-BD59-A6C34878D82A}">
-                    <a16:rowId xmlns:a16="http://schemas.microsoft.com/office/drawing/2014/main" val="1707420997"/>
-                  </a:ext>
-                </a:extLst>
-              </a:tr>
-              <a:tr h="370840">
-                <a:tc>
-                  <a:txBody>
-                    <a:bodyPr/>
-                    <a:lstStyle/>
-                    <a:p>
-                      <a:r>
-                        <a:rPr lang="de-DE" sz="700"/>
-                        <a:t>last-control-construct-notification-update-time</a:t>
-                      </a:r>
-                    </a:p>
-                  </a:txBody>
-                  <a:tcPr/>
-                </a:tc>
-                <a:tc>
-                  <a:txBody>
-                    <a:bodyPr/>
-                    <a:lstStyle/>
-                    <a:p>
-                      <a:r>
-                        <a:rPr lang="de-DE" sz="700"/>
-                        <a:t>string, timestamp</a:t>
-                      </a:r>
-                    </a:p>
-                  </a:txBody>
-                  <a:tcPr/>
-                </a:tc>
-                <a:tc>
-                  <a:txBody>
-                    <a:bodyPr/>
-                    <a:lstStyle/>
-                    <a:p>
-                      <a:r>
-                        <a:rPr lang="de-DE" sz="700"/>
-                        <a:t>notification</a:t>
-                      </a:r>
-                    </a:p>
-                  </a:txBody>
-                  <a:tcPr/>
-                </a:tc>
-                <a:tc>
-                  <a:txBody>
-                    <a:bodyPr/>
-                    <a:lstStyle/>
-                    <a:p>
-                      <a:r>
-                        <a:rPr lang="de-DE" sz="700"/>
-                        <a:t>null</a:t>
-                      </a:r>
-                    </a:p>
-                  </a:txBody>
-                  <a:tcPr/>
-                </a:tc>
-                <a:tc>
-                  <a:txBody>
-                    <a:bodyPr/>
-                    <a:lstStyle/>
-                    <a:p>
-                      <a:r>
-                        <a:rPr lang="de-DE" sz="700"/>
-                        <a:t>null</a:t>
-                      </a:r>
-                    </a:p>
-                  </a:txBody>
-                  <a:tcPr/>
-                </a:tc>
-                <a:tc>
-                  <a:txBody>
-                    <a:bodyPr/>
-                    <a:lstStyle/>
-                    <a:p>
-                      <a:r>
-                        <a:rPr lang="de-DE" sz="700"/>
-                        <a:t>-</a:t>
-                      </a:r>
-                    </a:p>
-                  </a:txBody>
-                  <a:tcPr/>
-                </a:tc>
-                <a:tc>
-                  <a:txBody>
-                    <a:bodyPr/>
-                    <a:lstStyle/>
-                    <a:p>
-                      <a:r>
-                        <a:rPr lang="de-DE" sz="700"/>
-                        <a:t>-</a:t>
-                      </a:r>
-                    </a:p>
-                  </a:txBody>
-                  <a:tcPr/>
-                </a:tc>
-                <a:tc>
-                  <a:txBody>
-                    <a:bodyPr/>
-                    <a:lstStyle/>
-                    <a:p>
-                      <a:r>
-                        <a:rPr lang="de-DE" sz="700"/>
-                        <a:t>-</a:t>
-                      </a:r>
-                    </a:p>
-                  </a:txBody>
-                  <a:tcPr/>
-                </a:tc>
-                <a:tc>
-                  <a:txBody>
-                    <a:bodyPr/>
-                    <a:lstStyle/>
-                    <a:p>
-                      <a:r>
-                        <a:rPr lang="de-DE" sz="700"/>
-                        <a:t>currentTime</a:t>
-                      </a:r>
-                    </a:p>
-                  </a:txBody>
-                  <a:tcPr/>
-                </a:tc>
-                <a:extLst>
-                  <a:ext uri="{0D108BD9-81ED-4DB2-BD59-A6C34878D82A}">
-                    <a16:rowId xmlns:a16="http://schemas.microsoft.com/office/drawing/2014/main" val="3885316261"/>
-                  </a:ext>
-                </a:extLst>
-              </a:tr>
-              <a:tr h="370840">
-                <a:tc>
-                  <a:txBody>
-                    <a:bodyPr/>
-                    <a:lstStyle/>
-                    <a:p>
-                      <a:r>
-                        <a:rPr lang="de-DE" sz="700"/>
-                        <a:t>number-of-partial-updates-since-last-complete-update</a:t>
-                      </a:r>
-                    </a:p>
-                  </a:txBody>
-                  <a:tcPr/>
-                </a:tc>
-                <a:tc>
-                  <a:txBody>
-                    <a:bodyPr/>
-                    <a:lstStyle/>
-                    <a:p>
-                      <a:r>
-                        <a:rPr lang="de-DE" sz="700"/>
-                        <a:t>integer</a:t>
-                      </a:r>
-                    </a:p>
-                  </a:txBody>
-                  <a:tcPr/>
-                </a:tc>
-                <a:tc>
-                  <a:txBody>
-                    <a:bodyPr/>
-                    <a:lstStyle/>
-                    <a:p>
-                      <a:r>
-                        <a:rPr lang="de-DE" sz="700"/>
-                        <a:t>notification</a:t>
-                      </a:r>
-                    </a:p>
-                  </a:txBody>
-                  <a:tcPr/>
-                </a:tc>
-                <a:tc>
-                  <a:txBody>
-                    <a:bodyPr/>
-                    <a:lstStyle/>
-                    <a:p>
-                      <a:r>
-                        <a:rPr lang="de-DE" sz="700"/>
-                        <a:t>0</a:t>
-                      </a:r>
-                    </a:p>
-                  </a:txBody>
-                  <a:tcPr/>
-                </a:tc>
-                <a:tc>
-                  <a:txBody>
-                    <a:bodyPr/>
-                    <a:lstStyle/>
-                    <a:p>
-                      <a:r>
-                        <a:rPr lang="de-DE" sz="700"/>
-                        <a:t>0</a:t>
-                      </a:r>
-                    </a:p>
-                  </a:txBody>
-                  <a:tcPr/>
-                </a:tc>
-                <a:tc>
-                  <a:txBody>
-                    <a:bodyPr/>
-                    <a:lstStyle/>
-                    <a:p>
-                      <a:r>
-                        <a:rPr lang="de-DE" sz="700"/>
-                        <a:t>0</a:t>
-                      </a:r>
-                    </a:p>
-                  </a:txBody>
-                  <a:tcPr/>
-                </a:tc>
-                <a:tc>
-                  <a:txBody>
-                    <a:bodyPr/>
-                    <a:lstStyle/>
-                    <a:p>
-                      <a:r>
-                        <a:rPr lang="de-DE" sz="700"/>
-                        <a:t>0</a:t>
-                      </a:r>
-                    </a:p>
-                  </a:txBody>
-                  <a:tcPr/>
-                </a:tc>
-                <a:tc>
-                  <a:txBody>
-                    <a:bodyPr/>
-                    <a:lstStyle/>
-                    <a:p>
-                      <a:r>
-                        <a:rPr lang="de-DE" sz="700"/>
-                        <a:t>0</a:t>
-                      </a:r>
-                    </a:p>
-                  </a:txBody>
-                  <a:tcPr/>
-                </a:tc>
-                <a:tc>
-                  <a:txBody>
-                    <a:bodyPr/>
-                    <a:lstStyle/>
-                    <a:p>
-                      <a:r>
-                        <a:rPr lang="de-DE" sz="700"/>
-                        <a:t>Increase by 1</a:t>
-                      </a:r>
-                    </a:p>
-                  </a:txBody>
-                  <a:tcPr/>
-                </a:tc>
-                <a:extLst>
-                  <a:ext uri="{0D108BD9-81ED-4DB2-BD59-A6C34878D82A}">
-                    <a16:rowId xmlns:a16="http://schemas.microsoft.com/office/drawing/2014/main" val="2030681551"/>
-                  </a:ext>
-                </a:extLst>
-              </a:tr>
-              <a:tr h="370840">
-                <a:tc>
-                  <a:txBody>
-                    <a:bodyPr/>
-                    <a:lstStyle/>
-                    <a:p>
-                      <a:r>
-                        <a:rPr lang="de-DE" sz="700"/>
-                        <a:t>schema-cache-directory</a:t>
-                      </a:r>
-                    </a:p>
-                  </a:txBody>
-                  <a:tcPr/>
-                </a:tc>
-                <a:tc>
-                  <a:txBody>
-                    <a:bodyPr/>
-                    <a:lstStyle/>
-                    <a:p>
-                      <a:r>
-                        <a:rPr lang="de-DE" sz="700"/>
-                        <a:t>string</a:t>
-                      </a:r>
-                    </a:p>
-                  </a:txBody>
-                  <a:tcPr/>
-                </a:tc>
-                <a:tc>
-                  <a:txBody>
-                    <a:bodyPr/>
-                    <a:lstStyle/>
-                    <a:p>
-                      <a:r>
-                        <a:rPr lang="de-DE" sz="700"/>
-                        <a:t>only set during periodic sync</a:t>
-                      </a:r>
-                    </a:p>
-                  </a:txBody>
-                  <a:tcPr/>
-                </a:tc>
-                <a:tc>
-                  <a:txBody>
-                    <a:bodyPr/>
-                    <a:lstStyle/>
-                    <a:p>
-                      <a:r>
-                        <a:rPr lang="de-DE" sz="700"/>
-                        <a:t>schema-cache-directory from Controller deviceList</a:t>
-                      </a:r>
-                    </a:p>
-                  </a:txBody>
-                  <a:tcPr/>
-                </a:tc>
-                <a:tc>
-                  <a:txBody>
-                    <a:bodyPr/>
-                    <a:lstStyle/>
-                    <a:p>
-                      <a:r>
-                        <a:rPr lang="de-DE" sz="700"/>
-                        <a:t>-</a:t>
-                      </a:r>
-                    </a:p>
-                  </a:txBody>
-                  <a:tcPr/>
-                </a:tc>
-                <a:tc>
-                  <a:txBody>
-                    <a:bodyPr/>
-                    <a:lstStyle/>
-                    <a:p>
-                      <a:r>
-                        <a:rPr lang="de-DE" sz="700"/>
-                        <a:t>-</a:t>
-                      </a:r>
-                    </a:p>
-                  </a:txBody>
-                  <a:tcPr/>
-                </a:tc>
-                <a:tc>
-                  <a:txBody>
-                    <a:bodyPr/>
-                    <a:lstStyle/>
-                    <a:p>
-                      <a:r>
-                        <a:rPr lang="de-DE" sz="700"/>
-                        <a:t>-</a:t>
-                      </a:r>
-                    </a:p>
-                  </a:txBody>
-                  <a:tcPr/>
-                </a:tc>
-                <a:tc>
-                  <a:txBody>
-                    <a:bodyPr/>
-                    <a:lstStyle/>
-                    <a:p>
-                      <a:r>
-                        <a:rPr lang="de-DE" sz="700"/>
-                        <a:t>-</a:t>
-                      </a:r>
-                    </a:p>
-                  </a:txBody>
-                  <a:tcPr/>
-                </a:tc>
-                <a:tc>
-                  <a:txBody>
-                    <a:bodyPr/>
-                    <a:lstStyle/>
-                    <a:p>
-                      <a:endParaRPr lang="de-DE" sz="700"/>
-                    </a:p>
-                  </a:txBody>
-                  <a:tcPr/>
-                </a:tc>
-                <a:extLst>
-                  <a:ext uri="{0D108BD9-81ED-4DB2-BD59-A6C34878D82A}">
-                    <a16:rowId xmlns:a16="http://schemas.microsoft.com/office/drawing/2014/main" val="3589919307"/>
-                  </a:ext>
-                </a:extLst>
-              </a:tr>
-              <a:tr h="370840">
-                <a:tc>
-                  <a:txBody>
-                    <a:bodyPr/>
-                    <a:lstStyle/>
-                    <a:p>
-                      <a:r>
-                        <a:rPr lang="de-DE" sz="700"/>
-                        <a:t>device-type</a:t>
-                      </a:r>
-                    </a:p>
-                  </a:txBody>
-                  <a:tcPr/>
-                </a:tc>
-                <a:tc>
-                  <a:txBody>
-                    <a:bodyPr/>
-                    <a:lstStyle/>
-                    <a:p>
-                      <a:r>
-                        <a:rPr lang="de-DE" sz="700"/>
-                        <a:t>string</a:t>
                       </a:r>
                     </a:p>
                   </a:txBody>
@@ -5707,9 +4999,178 @@
                       </a:pPr>
                       <a:r>
                         <a:rPr lang="de-DE" sz="700"/>
-                        <a:t>only set during periodic sync</a:t>
-                      </a:r>
-                    </a:p>
+                        <a:t>periodic sync, notification</a:t>
+                      </a:r>
+                    </a:p>
+                    <a:p>
+                      <a:endParaRPr lang="de-DE" sz="700"/>
+                    </a:p>
+                  </a:txBody>
+                  <a:tcPr/>
+                </a:tc>
+                <a:tc>
+                  <a:txBody>
+                    <a:bodyPr/>
+                    <a:lstStyle/>
+                    <a:p>
+                      <a:r>
+                        <a:rPr lang="de-DE" sz="700"/>
+                        <a:t>currentTime</a:t>
+                      </a:r>
+                    </a:p>
+                  </a:txBody>
+                  <a:tcPr/>
+                </a:tc>
+                <a:tc>
+                  <a:txBody>
+                    <a:bodyPr/>
+                    <a:lstStyle/>
+                    <a:p>
+                      <a:r>
+                        <a:rPr lang="de-DE" sz="700"/>
+                        <a:t>currentTime</a:t>
+                      </a:r>
+                    </a:p>
+                  </a:txBody>
+                  <a:tcPr/>
+                </a:tc>
+                <a:tc>
+                  <a:txBody>
+                    <a:bodyPr/>
+                    <a:lstStyle/>
+                    <a:p>
+                      <a:r>
+                        <a:rPr lang="de-DE" sz="700"/>
+                        <a:t>-</a:t>
+                      </a:r>
+                    </a:p>
+                  </a:txBody>
+                  <a:tcPr/>
+                </a:tc>
+                <a:tc>
+                  <a:txBody>
+                    <a:bodyPr/>
+                    <a:lstStyle/>
+                    <a:p>
+                      <a:r>
+                        <a:rPr lang="de-DE" sz="700"/>
+                        <a:t>-</a:t>
+                      </a:r>
+                    </a:p>
+                  </a:txBody>
+                  <a:tcPr/>
+                </a:tc>
+                <a:tc>
+                  <a:txBody>
+                    <a:bodyPr/>
+                    <a:lstStyle/>
+                    <a:p>
+                      <a:r>
+                        <a:rPr lang="de-DE" sz="700"/>
+                        <a:t>-</a:t>
+                      </a:r>
+                    </a:p>
+                  </a:txBody>
+                  <a:tcPr/>
+                </a:tc>
+                <a:tc>
+                  <a:txBody>
+                    <a:bodyPr/>
+                    <a:lstStyle/>
+                    <a:p>
+                      <a:r>
+                        <a:rPr lang="de-DE" sz="700"/>
+                        <a:t>-</a:t>
+                      </a:r>
+                    </a:p>
+                  </a:txBody>
+                  <a:tcPr/>
+                </a:tc>
+                <a:tc>
+                  <a:txBody>
+                    <a:bodyPr/>
+                    <a:lstStyle/>
+                    <a:p>
+                      <a:r>
+                        <a:rPr lang="de-DE" sz="700"/>
+                        <a:t>-</a:t>
+                      </a:r>
+                    </a:p>
+                  </a:txBody>
+                  <a:tcPr/>
+                </a:tc>
+                <a:extLst>
+                  <a:ext uri="{0D108BD9-81ED-4DB2-BD59-A6C34878D82A}">
+                    <a16:rowId xmlns:a16="http://schemas.microsoft.com/office/drawing/2014/main" val="1915236450"/>
+                  </a:ext>
+                </a:extLst>
+              </a:tr>
+              <a:tr h="370840">
+                <a:tc>
+                  <a:txBody>
+                    <a:bodyPr/>
+                    <a:lstStyle/>
+                    <a:p>
+                      <a:r>
+                        <a:rPr lang="de-DE" sz="700"/>
+                        <a:t>last-complete-control-construct-update-time-attempt</a:t>
+                      </a:r>
+                    </a:p>
+                  </a:txBody>
+                  <a:tcPr/>
+                </a:tc>
+                <a:tc>
+                  <a:txBody>
+                    <a:bodyPr/>
+                    <a:lstStyle/>
+                    <a:p>
+                      <a:r>
+                        <a:rPr lang="de-DE" sz="700"/>
+                        <a:t>string, timestamp</a:t>
+                      </a:r>
+                    </a:p>
+                  </a:txBody>
+                  <a:tcPr/>
+                </a:tc>
+                <a:tc>
+                  <a:txBody>
+                    <a:bodyPr/>
+                    <a:lstStyle/>
+                    <a:p>
+                      <a:r>
+                        <a:rPr lang="de-DE" sz="700"/>
+                        <a:t>periodic CC retrieval slidingWindow and QM, on-demand retrieval by call of live-services</a:t>
+                      </a:r>
+                    </a:p>
+                  </a:txBody>
+                  <a:tcPr/>
+                </a:tc>
+                <a:tc>
+                  <a:txBody>
+                    <a:bodyPr/>
+                    <a:lstStyle/>
+                    <a:p>
+                      <a:r>
+                        <a:rPr lang="de-DE" sz="700"/>
+                        <a:t>01.01.1999 </a:t>
+                      </a:r>
+                    </a:p>
+                    <a:p>
+                      <a:r>
+                        <a:rPr lang="de-DE" sz="700"/>
+                        <a:t>(in correct format)</a:t>
+                      </a:r>
+                    </a:p>
+                    <a:p>
+                      <a:endParaRPr lang="de-DE" sz="700"/>
+                    </a:p>
+                  </a:txBody>
+                  <a:tcPr/>
+                </a:tc>
+                <a:tc>
+                  <a:txBody>
+                    <a:bodyPr/>
+                    <a:lstStyle/>
                     <a:p>
                       <a:pPr marL="0" marR="0" lvl="0" indent="0" algn="l" defTabSz="914400" rtl="0" eaLnBrk="1" fontAlgn="auto" latinLnBrk="0" hangingPunct="1">
                         <a:lnSpc>
@@ -5729,6 +5190,919 @@
                         <a:defRPr/>
                       </a:pPr>
                       <a:r>
+                        <a:rPr kumimoji="0" lang="de-DE" sz="700" b="0" i="0" u="none" strike="noStrike" kern="1200" cap="none" spc="0" normalizeH="0" baseline="0" noProof="0">
+                          <a:ln>
+                            <a:noFill/>
+                          </a:ln>
+                          <a:solidFill>
+                            <a:prstClr val="black"/>
+                          </a:solidFill>
+                          <a:effectLst/>
+                          <a:uLnTx/>
+                          <a:uFillTx/>
+                          <a:latin typeface="Aptos" panose="02110004020202020204"/>
+                          <a:ea typeface="+mn-ea"/>
+                          <a:cs typeface="+mn-cs"/>
+                        </a:rPr>
+                        <a:t>01.01.1999 </a:t>
+                      </a:r>
+                    </a:p>
+                    <a:p>
+                      <a:pPr marL="0" marR="0" lvl="0" indent="0" algn="l" defTabSz="914400" rtl="0" eaLnBrk="1" fontAlgn="auto" latinLnBrk="0" hangingPunct="1">
+                        <a:lnSpc>
+                          <a:spcPct val="100000"/>
+                        </a:lnSpc>
+                        <a:spcBef>
+                          <a:spcPts val="0"/>
+                        </a:spcBef>
+                        <a:spcAft>
+                          <a:spcPts val="0"/>
+                        </a:spcAft>
+                        <a:buClrTx/>
+                        <a:buSzTx/>
+                        <a:buFontTx/>
+                        <a:buNone/>
+                        <a:tabLst/>
+                        <a:defRPr/>
+                      </a:pPr>
+                      <a:r>
+                        <a:rPr kumimoji="0" lang="de-DE" sz="700" b="0" i="0" u="none" strike="noStrike" kern="1200" cap="none" spc="0" normalizeH="0" baseline="0" noProof="0">
+                          <a:ln>
+                            <a:noFill/>
+                          </a:ln>
+                          <a:solidFill>
+                            <a:prstClr val="black"/>
+                          </a:solidFill>
+                          <a:effectLst/>
+                          <a:uLnTx/>
+                          <a:uFillTx/>
+                          <a:latin typeface="Aptos" panose="02110004020202020204"/>
+                          <a:ea typeface="+mn-ea"/>
+                          <a:cs typeface="+mn-cs"/>
+                        </a:rPr>
+                        <a:t>(in correct format)</a:t>
+                      </a:r>
+                    </a:p>
+                  </a:txBody>
+                  <a:tcPr/>
+                </a:tc>
+                <a:tc>
+                  <a:txBody>
+                    <a:bodyPr/>
+                    <a:lstStyle/>
+                    <a:p>
+                      <a:pPr marL="0" marR="0" lvl="0" indent="0" algn="l" defTabSz="914400" rtl="0" eaLnBrk="1" fontAlgn="auto" latinLnBrk="0" hangingPunct="1">
+                        <a:lnSpc>
+                          <a:spcPct val="100000"/>
+                        </a:lnSpc>
+                        <a:spcBef>
+                          <a:spcPts val="0"/>
+                        </a:spcBef>
+                        <a:spcAft>
+                          <a:spcPts val="0"/>
+                        </a:spcAft>
+                        <a:buClrTx/>
+                        <a:buSzTx/>
+                        <a:buFontTx/>
+                        <a:buNone/>
+                        <a:tabLst/>
+                        <a:defRPr/>
+                      </a:pPr>
+                      <a:r>
+                        <a:rPr kumimoji="0" lang="de-DE" sz="700" b="0" i="0" u="none" strike="noStrike" kern="1200" cap="none" spc="0" normalizeH="0" baseline="0" noProof="0">
+                          <a:ln>
+                            <a:noFill/>
+                          </a:ln>
+                          <a:solidFill>
+                            <a:prstClr val="black"/>
+                          </a:solidFill>
+                          <a:effectLst/>
+                          <a:uLnTx/>
+                          <a:uFillTx/>
+                          <a:latin typeface="Aptos" panose="02110004020202020204"/>
+                          <a:ea typeface="+mn-ea"/>
+                          <a:cs typeface="+mn-cs"/>
+                        </a:rPr>
+                        <a:t>01.01.1999 </a:t>
+                      </a:r>
+                    </a:p>
+                    <a:p>
+                      <a:pPr marL="0" marR="0" lvl="0" indent="0" algn="l" defTabSz="914400" rtl="0" eaLnBrk="1" fontAlgn="auto" latinLnBrk="0" hangingPunct="1">
+                        <a:lnSpc>
+                          <a:spcPct val="100000"/>
+                        </a:lnSpc>
+                        <a:spcBef>
+                          <a:spcPts val="0"/>
+                        </a:spcBef>
+                        <a:spcAft>
+                          <a:spcPts val="0"/>
+                        </a:spcAft>
+                        <a:buClrTx/>
+                        <a:buSzTx/>
+                        <a:buFontTx/>
+                        <a:buNone/>
+                        <a:tabLst/>
+                        <a:defRPr/>
+                      </a:pPr>
+                      <a:r>
+                        <a:rPr kumimoji="0" lang="de-DE" sz="700" b="0" i="0" u="none" strike="noStrike" kern="1200" cap="none" spc="0" normalizeH="0" baseline="0" noProof="0">
+                          <a:ln>
+                            <a:noFill/>
+                          </a:ln>
+                          <a:solidFill>
+                            <a:prstClr val="black"/>
+                          </a:solidFill>
+                          <a:effectLst/>
+                          <a:uLnTx/>
+                          <a:uFillTx/>
+                          <a:latin typeface="Aptos" panose="02110004020202020204"/>
+                          <a:ea typeface="+mn-ea"/>
+                          <a:cs typeface="+mn-cs"/>
+                        </a:rPr>
+                        <a:t>(in correct format)</a:t>
+                      </a:r>
+                    </a:p>
+                  </a:txBody>
+                  <a:tcPr/>
+                </a:tc>
+                <a:tc>
+                  <a:txBody>
+                    <a:bodyPr/>
+                    <a:lstStyle/>
+                    <a:p>
+                      <a:pPr marL="0" marR="0" lvl="0" indent="0" algn="l" defTabSz="914400" rtl="0" eaLnBrk="1" fontAlgn="auto" latinLnBrk="0" hangingPunct="1">
+                        <a:lnSpc>
+                          <a:spcPct val="100000"/>
+                        </a:lnSpc>
+                        <a:spcBef>
+                          <a:spcPts val="0"/>
+                        </a:spcBef>
+                        <a:spcAft>
+                          <a:spcPts val="0"/>
+                        </a:spcAft>
+                        <a:buClrTx/>
+                        <a:buSzTx/>
+                        <a:buFontTx/>
+                        <a:buNone/>
+                        <a:tabLst/>
+                        <a:defRPr/>
+                      </a:pPr>
+                      <a:r>
+                        <a:rPr kumimoji="0" lang="de-DE" sz="700" b="0" i="0" u="none" strike="noStrike" kern="1200" cap="none" spc="0" normalizeH="0" baseline="0" noProof="0">
+                          <a:ln>
+                            <a:noFill/>
+                          </a:ln>
+                          <a:solidFill>
+                            <a:prstClr val="black"/>
+                          </a:solidFill>
+                          <a:effectLst/>
+                          <a:uLnTx/>
+                          <a:uFillTx/>
+                          <a:latin typeface="Aptos" panose="02110004020202020204"/>
+                          <a:ea typeface="+mn-ea"/>
+                          <a:cs typeface="+mn-cs"/>
+                        </a:rPr>
+                        <a:t>01.01.1999 </a:t>
+                      </a:r>
+                    </a:p>
+                    <a:p>
+                      <a:pPr marL="0" marR="0" lvl="0" indent="0" algn="l" defTabSz="914400" rtl="0" eaLnBrk="1" fontAlgn="auto" latinLnBrk="0" hangingPunct="1">
+                        <a:lnSpc>
+                          <a:spcPct val="100000"/>
+                        </a:lnSpc>
+                        <a:spcBef>
+                          <a:spcPts val="0"/>
+                        </a:spcBef>
+                        <a:spcAft>
+                          <a:spcPts val="0"/>
+                        </a:spcAft>
+                        <a:buClrTx/>
+                        <a:buSzTx/>
+                        <a:buFontTx/>
+                        <a:buNone/>
+                        <a:tabLst/>
+                        <a:defRPr/>
+                      </a:pPr>
+                      <a:r>
+                        <a:rPr kumimoji="0" lang="de-DE" sz="700" b="0" i="0" u="none" strike="noStrike" kern="1200" cap="none" spc="0" normalizeH="0" baseline="0" noProof="0">
+                          <a:ln>
+                            <a:noFill/>
+                          </a:ln>
+                          <a:solidFill>
+                            <a:prstClr val="black"/>
+                          </a:solidFill>
+                          <a:effectLst/>
+                          <a:uLnTx/>
+                          <a:uFillTx/>
+                          <a:latin typeface="Aptos" panose="02110004020202020204"/>
+                          <a:ea typeface="+mn-ea"/>
+                          <a:cs typeface="+mn-cs"/>
+                        </a:rPr>
+                        <a:t>(in correct format)</a:t>
+                      </a:r>
+                    </a:p>
+                  </a:txBody>
+                  <a:tcPr/>
+                </a:tc>
+                <a:tc>
+                  <a:txBody>
+                    <a:bodyPr/>
+                    <a:lstStyle/>
+                    <a:p>
+                      <a:r>
+                        <a:rPr lang="de-DE" sz="700"/>
+                        <a:t>currentTime</a:t>
+                      </a:r>
+                    </a:p>
+                    <a:p>
+                      <a:r>
+                        <a:rPr lang="de-DE" sz="700"/>
+                        <a:t>(also if not successful)</a:t>
+                      </a:r>
+                    </a:p>
+                  </a:txBody>
+                  <a:tcPr/>
+                </a:tc>
+                <a:tc>
+                  <a:txBody>
+                    <a:bodyPr/>
+                    <a:lstStyle/>
+                    <a:p>
+                      <a:r>
+                        <a:rPr lang="de-DE" sz="700"/>
+                        <a:t>-</a:t>
+                      </a:r>
+                    </a:p>
+                  </a:txBody>
+                  <a:tcPr/>
+                </a:tc>
+                <a:tc>
+                  <a:txBody>
+                    <a:bodyPr/>
+                    <a:lstStyle/>
+                    <a:p>
+                      <a:r>
+                        <a:rPr lang="de-DE" sz="700"/>
+                        <a:t>currentTime</a:t>
+                      </a:r>
+                    </a:p>
+                    <a:p>
+                      <a:r>
+                        <a:rPr lang="de-DE" sz="700"/>
+                        <a:t>(also if not successful)</a:t>
+                      </a:r>
+                    </a:p>
+                  </a:txBody>
+                  <a:tcPr/>
+                </a:tc>
+                <a:extLst>
+                  <a:ext uri="{0D108BD9-81ED-4DB2-BD59-A6C34878D82A}">
+                    <a16:rowId xmlns:a16="http://schemas.microsoft.com/office/drawing/2014/main" val="4128198377"/>
+                  </a:ext>
+                </a:extLst>
+              </a:tr>
+              <a:tr h="370840">
+                <a:tc>
+                  <a:txBody>
+                    <a:bodyPr/>
+                    <a:lstStyle/>
+                    <a:p>
+                      <a:r>
+                        <a:rPr lang="de-DE" sz="700"/>
+                        <a:t>last-successful-complete-control-construct-update-time</a:t>
+                      </a:r>
+                    </a:p>
+                  </a:txBody>
+                  <a:tcPr/>
+                </a:tc>
+                <a:tc>
+                  <a:txBody>
+                    <a:bodyPr/>
+                    <a:lstStyle/>
+                    <a:p>
+                      <a:r>
+                        <a:rPr lang="de-DE" sz="700"/>
+                        <a:t>String, timestamp</a:t>
+                      </a:r>
+                    </a:p>
+                  </a:txBody>
+                  <a:tcPr/>
+                </a:tc>
+                <a:tc>
+                  <a:txBody>
+                    <a:bodyPr/>
+                    <a:lstStyle/>
+                    <a:p>
+                      <a:r>
+                        <a:rPr lang="de-DE" sz="700"/>
+                        <a:t>periodic CC retrieval slidingWindow and QM, on-demand retrieval by call of live-services</a:t>
+                      </a:r>
+                    </a:p>
+                    <a:p>
+                      <a:r>
+                        <a:rPr lang="de-DE" sz="700"/>
+                        <a:t>Only in case of success</a:t>
+                      </a:r>
+                    </a:p>
+                  </a:txBody>
+                  <a:tcPr/>
+                </a:tc>
+                <a:tc>
+                  <a:txBody>
+                    <a:bodyPr/>
+                    <a:lstStyle/>
+                    <a:p>
+                      <a:r>
+                        <a:rPr lang="de-DE" sz="700"/>
+                        <a:t>null</a:t>
+                      </a:r>
+                    </a:p>
+                  </a:txBody>
+                  <a:tcPr/>
+                </a:tc>
+                <a:tc>
+                  <a:txBody>
+                    <a:bodyPr/>
+                    <a:lstStyle/>
+                    <a:p>
+                      <a:r>
+                        <a:rPr lang="de-DE" sz="700"/>
+                        <a:t>null</a:t>
+                      </a:r>
+                    </a:p>
+                  </a:txBody>
+                  <a:tcPr/>
+                </a:tc>
+                <a:tc>
+                  <a:txBody>
+                    <a:bodyPr/>
+                    <a:lstStyle/>
+                    <a:p>
+                      <a:r>
+                        <a:rPr lang="de-DE" sz="700"/>
+                        <a:t>-</a:t>
+                      </a:r>
+                    </a:p>
+                  </a:txBody>
+                  <a:tcPr/>
+                </a:tc>
+                <a:tc>
+                  <a:txBody>
+                    <a:bodyPr/>
+                    <a:lstStyle/>
+                    <a:p>
+                      <a:r>
+                        <a:rPr lang="de-DE" sz="700"/>
+                        <a:t>-</a:t>
+                      </a:r>
+                    </a:p>
+                  </a:txBody>
+                  <a:tcPr/>
+                </a:tc>
+                <a:tc>
+                  <a:txBody>
+                    <a:bodyPr/>
+                    <a:lstStyle/>
+                    <a:p>
+                      <a:r>
+                        <a:rPr lang="de-DE" sz="700"/>
+                        <a:t>currentTime</a:t>
+                      </a:r>
+                    </a:p>
+                    <a:p>
+                      <a:r>
+                        <a:rPr lang="de-DE" sz="700"/>
+                        <a:t>(only if successful)</a:t>
+                      </a:r>
+                    </a:p>
+                  </a:txBody>
+                  <a:tcPr/>
+                </a:tc>
+                <a:tc>
+                  <a:txBody>
+                    <a:bodyPr/>
+                    <a:lstStyle/>
+                    <a:p>
+                      <a:r>
+                        <a:rPr lang="de-DE" sz="700"/>
+                        <a:t>-</a:t>
+                      </a:r>
+                    </a:p>
+                  </a:txBody>
+                  <a:tcPr/>
+                </a:tc>
+                <a:tc>
+                  <a:txBody>
+                    <a:bodyPr/>
+                    <a:lstStyle/>
+                    <a:p>
+                      <a:r>
+                        <a:rPr lang="de-DE" sz="700"/>
+                        <a:t>currentTime</a:t>
+                      </a:r>
+                    </a:p>
+                    <a:p>
+                      <a:r>
+                        <a:rPr lang="de-DE" sz="700"/>
+                        <a:t>(only if successful)</a:t>
+                      </a:r>
+                    </a:p>
+                    <a:p>
+                      <a:endParaRPr lang="de-DE" sz="700"/>
+                    </a:p>
+                  </a:txBody>
+                  <a:tcPr/>
+                </a:tc>
+                <a:extLst>
+                  <a:ext uri="{0D108BD9-81ED-4DB2-BD59-A6C34878D82A}">
+                    <a16:rowId xmlns:a16="http://schemas.microsoft.com/office/drawing/2014/main" val="1707420997"/>
+                  </a:ext>
+                </a:extLst>
+              </a:tr>
+              <a:tr h="370840">
+                <a:tc>
+                  <a:txBody>
+                    <a:bodyPr/>
+                    <a:lstStyle/>
+                    <a:p>
+                      <a:r>
+                        <a:rPr lang="de-DE" sz="700"/>
+                        <a:t>last-control-construct-notification-update-time</a:t>
+                      </a:r>
+                    </a:p>
+                  </a:txBody>
+                  <a:tcPr/>
+                </a:tc>
+                <a:tc>
+                  <a:txBody>
+                    <a:bodyPr/>
+                    <a:lstStyle/>
+                    <a:p>
+                      <a:r>
+                        <a:rPr lang="de-DE" sz="700"/>
+                        <a:t>string, timestamp</a:t>
+                      </a:r>
+                    </a:p>
+                  </a:txBody>
+                  <a:tcPr/>
+                </a:tc>
+                <a:tc>
+                  <a:txBody>
+                    <a:bodyPr/>
+                    <a:lstStyle/>
+                    <a:p>
+                      <a:r>
+                        <a:rPr lang="de-DE" sz="700"/>
+                        <a:t>notification</a:t>
+                      </a:r>
+                    </a:p>
+                  </a:txBody>
+                  <a:tcPr/>
+                </a:tc>
+                <a:tc>
+                  <a:txBody>
+                    <a:bodyPr/>
+                    <a:lstStyle/>
+                    <a:p>
+                      <a:r>
+                        <a:rPr lang="de-DE" sz="700"/>
+                        <a:t>null</a:t>
+                      </a:r>
+                    </a:p>
+                  </a:txBody>
+                  <a:tcPr/>
+                </a:tc>
+                <a:tc>
+                  <a:txBody>
+                    <a:bodyPr/>
+                    <a:lstStyle/>
+                    <a:p>
+                      <a:r>
+                        <a:rPr lang="de-DE" sz="700"/>
+                        <a:t>null</a:t>
+                      </a:r>
+                    </a:p>
+                  </a:txBody>
+                  <a:tcPr/>
+                </a:tc>
+                <a:tc>
+                  <a:txBody>
+                    <a:bodyPr/>
+                    <a:lstStyle/>
+                    <a:p>
+                      <a:r>
+                        <a:rPr lang="de-DE" sz="700"/>
+                        <a:t>-</a:t>
+                      </a:r>
+                    </a:p>
+                  </a:txBody>
+                  <a:tcPr/>
+                </a:tc>
+                <a:tc>
+                  <a:txBody>
+                    <a:bodyPr/>
+                    <a:lstStyle/>
+                    <a:p>
+                      <a:r>
+                        <a:rPr lang="de-DE" sz="700"/>
+                        <a:t>-</a:t>
+                      </a:r>
+                    </a:p>
+                  </a:txBody>
+                  <a:tcPr/>
+                </a:tc>
+                <a:tc>
+                  <a:txBody>
+                    <a:bodyPr/>
+                    <a:lstStyle/>
+                    <a:p>
+                      <a:r>
+                        <a:rPr lang="de-DE" sz="700"/>
+                        <a:t>-</a:t>
+                      </a:r>
+                    </a:p>
+                  </a:txBody>
+                  <a:tcPr/>
+                </a:tc>
+                <a:tc>
+                  <a:txBody>
+                    <a:bodyPr/>
+                    <a:lstStyle/>
+                    <a:p>
+                      <a:r>
+                        <a:rPr lang="de-DE" sz="700"/>
+                        <a:t>currentTime</a:t>
+                      </a:r>
+                    </a:p>
+                  </a:txBody>
+                  <a:tcPr/>
+                </a:tc>
+                <a:tc>
+                  <a:txBody>
+                    <a:bodyPr/>
+                    <a:lstStyle/>
+                    <a:p>
+                      <a:r>
+                        <a:rPr lang="de-DE" sz="700"/>
+                        <a:t>-</a:t>
+                      </a:r>
+                    </a:p>
+                  </a:txBody>
+                  <a:tcPr/>
+                </a:tc>
+                <a:extLst>
+                  <a:ext uri="{0D108BD9-81ED-4DB2-BD59-A6C34878D82A}">
+                    <a16:rowId xmlns:a16="http://schemas.microsoft.com/office/drawing/2014/main" val="3885316261"/>
+                  </a:ext>
+                </a:extLst>
+              </a:tr>
+              <a:tr h="370840">
+                <a:tc>
+                  <a:txBody>
+                    <a:bodyPr/>
+                    <a:lstStyle/>
+                    <a:p>
+                      <a:r>
+                        <a:rPr lang="de-DE" sz="700"/>
+                        <a:t>number-of-partial-updates-since-last-complete-update</a:t>
+                      </a:r>
+                    </a:p>
+                  </a:txBody>
+                  <a:tcPr/>
+                </a:tc>
+                <a:tc>
+                  <a:txBody>
+                    <a:bodyPr/>
+                    <a:lstStyle/>
+                    <a:p>
+                      <a:r>
+                        <a:rPr lang="de-DE" sz="700"/>
+                        <a:t>integer</a:t>
+                      </a:r>
+                    </a:p>
+                  </a:txBody>
+                  <a:tcPr/>
+                </a:tc>
+                <a:tc>
+                  <a:txBody>
+                    <a:bodyPr/>
+                    <a:lstStyle/>
+                    <a:p>
+                      <a:r>
+                        <a:rPr lang="de-DE" sz="700"/>
+                        <a:t>notification</a:t>
+                      </a:r>
+                    </a:p>
+                  </a:txBody>
+                  <a:tcPr/>
+                </a:tc>
+                <a:tc>
+                  <a:txBody>
+                    <a:bodyPr/>
+                    <a:lstStyle/>
+                    <a:p>
+                      <a:r>
+                        <a:rPr lang="de-DE" sz="700"/>
+                        <a:t>0</a:t>
+                      </a:r>
+                    </a:p>
+                  </a:txBody>
+                  <a:tcPr/>
+                </a:tc>
+                <a:tc>
+                  <a:txBody>
+                    <a:bodyPr/>
+                    <a:lstStyle/>
+                    <a:p>
+                      <a:r>
+                        <a:rPr lang="de-DE" sz="700"/>
+                        <a:t>0</a:t>
+                      </a:r>
+                    </a:p>
+                  </a:txBody>
+                  <a:tcPr/>
+                </a:tc>
+                <a:tc>
+                  <a:txBody>
+                    <a:bodyPr/>
+                    <a:lstStyle/>
+                    <a:p>
+                      <a:r>
+                        <a:rPr lang="de-DE" sz="700"/>
+                        <a:t>0</a:t>
+                      </a:r>
+                    </a:p>
+                  </a:txBody>
+                  <a:tcPr/>
+                </a:tc>
+                <a:tc>
+                  <a:txBody>
+                    <a:bodyPr/>
+                    <a:lstStyle/>
+                    <a:p>
+                      <a:r>
+                        <a:rPr lang="de-DE" sz="700"/>
+                        <a:t>0</a:t>
+                      </a:r>
+                    </a:p>
+                  </a:txBody>
+                  <a:tcPr/>
+                </a:tc>
+                <a:tc>
+                  <a:txBody>
+                    <a:bodyPr/>
+                    <a:lstStyle/>
+                    <a:p>
+                      <a:r>
+                        <a:rPr lang="de-DE" sz="700"/>
+                        <a:t>0</a:t>
+                      </a:r>
+                    </a:p>
+                  </a:txBody>
+                  <a:tcPr/>
+                </a:tc>
+                <a:tc>
+                  <a:txBody>
+                    <a:bodyPr/>
+                    <a:lstStyle/>
+                    <a:p>
+                      <a:r>
+                        <a:rPr lang="de-DE" sz="700"/>
+                        <a:t>Increase by 1</a:t>
+                      </a:r>
+                    </a:p>
+                  </a:txBody>
+                  <a:tcPr/>
+                </a:tc>
+                <a:tc>
+                  <a:txBody>
+                    <a:bodyPr/>
+                    <a:lstStyle/>
+                    <a:p>
+                      <a:r>
+                        <a:rPr lang="de-DE" sz="700"/>
+                        <a:t>0</a:t>
+                      </a:r>
+                    </a:p>
+                  </a:txBody>
+                  <a:tcPr/>
+                </a:tc>
+                <a:extLst>
+                  <a:ext uri="{0D108BD9-81ED-4DB2-BD59-A6C34878D82A}">
+                    <a16:rowId xmlns:a16="http://schemas.microsoft.com/office/drawing/2014/main" val="2030681551"/>
+                  </a:ext>
+                </a:extLst>
+              </a:tr>
+              <a:tr h="370840">
+                <a:tc>
+                  <a:txBody>
+                    <a:bodyPr/>
+                    <a:lstStyle/>
+                    <a:p>
+                      <a:r>
+                        <a:rPr lang="de-DE" sz="700"/>
+                        <a:t>schema-cache-directory</a:t>
+                      </a:r>
+                    </a:p>
+                  </a:txBody>
+                  <a:tcPr/>
+                </a:tc>
+                <a:tc>
+                  <a:txBody>
+                    <a:bodyPr/>
+                    <a:lstStyle/>
+                    <a:p>
+                      <a:r>
+                        <a:rPr lang="de-DE" sz="700"/>
+                        <a:t>string</a:t>
+                      </a:r>
+                    </a:p>
+                  </a:txBody>
+                  <a:tcPr/>
+                </a:tc>
+                <a:tc>
+                  <a:txBody>
+                    <a:bodyPr/>
+                    <a:lstStyle/>
+                    <a:p>
+                      <a:r>
+                        <a:rPr lang="de-DE" sz="700"/>
+                        <a:t>only set during periodic sync</a:t>
+                      </a:r>
+                    </a:p>
+                  </a:txBody>
+                  <a:tcPr/>
+                </a:tc>
+                <a:tc>
+                  <a:txBody>
+                    <a:bodyPr/>
+                    <a:lstStyle/>
+                    <a:p>
+                      <a:r>
+                        <a:rPr lang="de-DE" sz="700"/>
+                        <a:t>schema-cache-directory from Controller deviceList</a:t>
+                      </a:r>
+                    </a:p>
+                  </a:txBody>
+                  <a:tcPr/>
+                </a:tc>
+                <a:tc>
+                  <a:txBody>
+                    <a:bodyPr/>
+                    <a:lstStyle/>
+                    <a:p>
+                      <a:r>
+                        <a:rPr lang="de-DE" sz="700"/>
+                        <a:t>-</a:t>
+                      </a:r>
+                    </a:p>
+                  </a:txBody>
+                  <a:tcPr/>
+                </a:tc>
+                <a:tc>
+                  <a:txBody>
+                    <a:bodyPr/>
+                    <a:lstStyle/>
+                    <a:p>
+                      <a:r>
+                        <a:rPr lang="de-DE" sz="700"/>
+                        <a:t>-</a:t>
+                      </a:r>
+                    </a:p>
+                  </a:txBody>
+                  <a:tcPr/>
+                </a:tc>
+                <a:tc>
+                  <a:txBody>
+                    <a:bodyPr/>
+                    <a:lstStyle/>
+                    <a:p>
+                      <a:r>
+                        <a:rPr lang="de-DE" sz="700"/>
+                        <a:t>-</a:t>
+                      </a:r>
+                    </a:p>
+                  </a:txBody>
+                  <a:tcPr/>
+                </a:tc>
+                <a:tc>
+                  <a:txBody>
+                    <a:bodyPr/>
+                    <a:lstStyle/>
+                    <a:p>
+                      <a:r>
+                        <a:rPr lang="de-DE" sz="700"/>
+                        <a:t>-</a:t>
+                      </a:r>
+                    </a:p>
+                  </a:txBody>
+                  <a:tcPr/>
+                </a:tc>
+                <a:tc>
+                  <a:txBody>
+                    <a:bodyPr/>
+                    <a:lstStyle/>
+                    <a:p>
+                      <a:r>
+                        <a:rPr lang="de-DE" sz="700"/>
+                        <a:t>-</a:t>
+                      </a:r>
+                    </a:p>
+                  </a:txBody>
+                  <a:tcPr/>
+                </a:tc>
+                <a:tc>
+                  <a:txBody>
+                    <a:bodyPr/>
+                    <a:lstStyle/>
+                    <a:p>
+                      <a:r>
+                        <a:rPr lang="de-DE" sz="700"/>
+                        <a:t>-</a:t>
+                      </a:r>
+                    </a:p>
+                  </a:txBody>
+                  <a:tcPr/>
+                </a:tc>
+                <a:extLst>
+                  <a:ext uri="{0D108BD9-81ED-4DB2-BD59-A6C34878D82A}">
+                    <a16:rowId xmlns:a16="http://schemas.microsoft.com/office/drawing/2014/main" val="3589919307"/>
+                  </a:ext>
+                </a:extLst>
+              </a:tr>
+              <a:tr h="370840">
+                <a:tc>
+                  <a:txBody>
+                    <a:bodyPr/>
+                    <a:lstStyle/>
+                    <a:p>
+                      <a:r>
+                        <a:rPr lang="de-DE" sz="700"/>
+                        <a:t>device-type</a:t>
+                      </a:r>
+                    </a:p>
+                  </a:txBody>
+                  <a:tcPr/>
+                </a:tc>
+                <a:tc>
+                  <a:txBody>
+                    <a:bodyPr/>
+                    <a:lstStyle/>
+                    <a:p>
+                      <a:r>
+                        <a:rPr lang="de-DE" sz="700"/>
+                        <a:t>string</a:t>
+                      </a:r>
+                    </a:p>
+                  </a:txBody>
+                  <a:tcPr/>
+                </a:tc>
+                <a:tc>
+                  <a:txBody>
+                    <a:bodyPr/>
+                    <a:lstStyle/>
+                    <a:p>
+                      <a:pPr marL="0" marR="0" lvl="0" indent="0" algn="l" defTabSz="914400" rtl="0" eaLnBrk="1" fontAlgn="auto" latinLnBrk="0" hangingPunct="1">
+                        <a:lnSpc>
+                          <a:spcPct val="100000"/>
+                        </a:lnSpc>
+                        <a:spcBef>
+                          <a:spcPts val="0"/>
+                        </a:spcBef>
+                        <a:spcAft>
+                          <a:spcPts val="0"/>
+                        </a:spcAft>
+                        <a:buClrTx/>
+                        <a:buSzTx/>
+                        <a:buFontTx/>
+                        <a:buNone/>
+                        <a:tabLst/>
+                        <a:defRPr/>
+                      </a:pPr>
+                      <a:r>
+                        <a:rPr lang="de-DE" sz="700"/>
+                        <a:t>only set during periodic sync</a:t>
+                      </a:r>
+                    </a:p>
+                    <a:p>
+                      <a:pPr marL="0" marR="0" lvl="0" indent="0" algn="l" defTabSz="914400" rtl="0" eaLnBrk="1" fontAlgn="auto" latinLnBrk="0" hangingPunct="1">
+                        <a:lnSpc>
+                          <a:spcPct val="100000"/>
+                        </a:lnSpc>
+                        <a:spcBef>
+                          <a:spcPts val="0"/>
+                        </a:spcBef>
+                        <a:spcAft>
+                          <a:spcPts val="0"/>
+                        </a:spcAft>
+                        <a:buClrTx/>
+                        <a:buSzTx/>
+                        <a:buFontTx/>
+                        <a:buNone/>
+                        <a:tabLst/>
+                        <a:defRPr/>
+                      </a:pPr>
+                      <a:r>
                         <a:rPr lang="de-DE" sz="700"/>
                         <a:t>(initialized with null, set once sync has retrieved it)</a:t>
                       </a:r>
@@ -5812,7 +6186,23 @@
                     <a:bodyPr/>
                     <a:lstStyle/>
                     <a:p>
-                      <a:endParaRPr lang="de-DE" sz="700"/>
+                      <a:r>
+                        <a:rPr lang="de-DE" sz="700"/>
+                        <a:t>-</a:t>
+                      </a:r>
+                    </a:p>
+                  </a:txBody>
+                  <a:tcPr/>
+                </a:tc>
+                <a:tc>
+                  <a:txBody>
+                    <a:bodyPr/>
+                    <a:lstStyle/>
+                    <a:p>
+                      <a:r>
+                        <a:rPr lang="de-DE" sz="700"/>
+                        <a:t>-</a:t>
+                      </a:r>
                     </a:p>
                   </a:txBody>
                   <a:tcPr/>
@@ -5945,7 +6335,23 @@
                     <a:bodyPr/>
                     <a:lstStyle/>
                     <a:p>
-                      <a:endParaRPr lang="de-DE" sz="700"/>
+                      <a:r>
+                        <a:rPr lang="de-DE" sz="700"/>
+                        <a:t>-</a:t>
+                      </a:r>
+                    </a:p>
+                  </a:txBody>
+                  <a:tcPr/>
+                </a:tc>
+                <a:tc>
+                  <a:txBody>
+                    <a:bodyPr/>
+                    <a:lstStyle/>
+                    <a:p>
+                      <a:r>
+                        <a:rPr lang="de-DE" sz="700"/>
+                        <a:t>-</a:t>
+                      </a:r>
                     </a:p>
                   </a:txBody>
                   <a:tcPr/>
@@ -6002,7 +6408,7 @@
                     <a:p>
                       <a:r>
                         <a:rPr lang="de-DE" sz="700"/>
-                        <a:t>false (not locked)</a:t>
+                        <a:t>false (not locked) - default</a:t>
                       </a:r>
                     </a:p>
                   </a:txBody>
@@ -6078,7 +6484,23 @@
                     <a:bodyPr/>
                     <a:lstStyle/>
                     <a:p>
-                      <a:endParaRPr lang="de-DE" sz="700"/>
+                      <a:r>
+                        <a:rPr lang="de-DE" sz="700"/>
+                        <a:t>-</a:t>
+                      </a:r>
+                    </a:p>
+                  </a:txBody>
+                  <a:tcPr/>
+                </a:tc>
+                <a:tc>
+                  <a:txBody>
+                    <a:bodyPr/>
+                    <a:lstStyle/>
+                    <a:p>
+                      <a:r>
+                        <a:rPr lang="de-DE" sz="700"/>
+                        <a:t>locked during the retrieval, unlocked upon finished retrieval</a:t>
+                      </a:r>
                     </a:p>
                   </a:txBody>
                   <a:tcPr/>
@@ -6086,6 +6508,155 @@
                 <a:extLst>
                   <a:ext uri="{0D108BD9-81ED-4DB2-BD59-A6C34878D82A}">
                     <a16:rowId xmlns:a16="http://schemas.microsoft.com/office/drawing/2014/main" val="2172653440"/>
+                  </a:ext>
+                </a:extLst>
+              </a:tr>
+              <a:tr h="370840">
+                <a:tc>
+                  <a:txBody>
+                    <a:bodyPr/>
+                    <a:lstStyle/>
+                    <a:p>
+                      <a:r>
+                        <a:rPr lang="de-DE" sz="700" i="0"/>
+                        <a:t>exclude-from-qm</a:t>
+                      </a:r>
+                    </a:p>
+                    <a:p>
+                      <a:r>
+                        <a:rPr lang="de-DE" sz="700" i="1"/>
+                        <a:t>(only used internally)</a:t>
+                      </a:r>
+                    </a:p>
+                  </a:txBody>
+                  <a:tcPr/>
+                </a:tc>
+                <a:tc>
+                  <a:txBody>
+                    <a:bodyPr/>
+                    <a:lstStyle/>
+                    <a:p>
+                      <a:r>
+                        <a:rPr lang="de-DE" sz="700"/>
+                        <a:t>boolean</a:t>
+                      </a:r>
+                    </a:p>
+                  </a:txBody>
+                  <a:tcPr/>
+                </a:tc>
+                <a:tc>
+                  <a:txBody>
+                    <a:bodyPr/>
+                    <a:lstStyle/>
+                    <a:p>
+                      <a:r>
+                        <a:rPr lang="de-DE" sz="700"/>
+                        <a:t>true (excluded) - default</a:t>
+                      </a:r>
+                    </a:p>
+                    <a:p>
+                      <a:r>
+                        <a:rPr lang="de-DE" sz="700"/>
+                        <a:t>false (not excluded)</a:t>
+                      </a:r>
+                    </a:p>
+                  </a:txBody>
+                  <a:tcPr/>
+                </a:tc>
+                <a:tc>
+                  <a:txBody>
+                    <a:bodyPr/>
+                    <a:lstStyle/>
+                    <a:p>
+                      <a:r>
+                        <a:rPr lang="de-DE" sz="700"/>
+                        <a:t>-</a:t>
+                      </a:r>
+                    </a:p>
+                  </a:txBody>
+                  <a:tcPr/>
+                </a:tc>
+                <a:tc>
+                  <a:txBody>
+                    <a:bodyPr/>
+                    <a:lstStyle/>
+                    <a:p>
+                      <a:r>
+                        <a:rPr lang="de-DE" sz="700"/>
+                        <a:t>-</a:t>
+                      </a:r>
+                    </a:p>
+                  </a:txBody>
+                  <a:tcPr/>
+                </a:tc>
+                <a:tc>
+                  <a:txBody>
+                    <a:bodyPr/>
+                    <a:lstStyle/>
+                    <a:p>
+                      <a:r>
+                        <a:rPr lang="de-DE" sz="700"/>
+                        <a:t>-</a:t>
+                      </a:r>
+                    </a:p>
+                  </a:txBody>
+                  <a:tcPr/>
+                </a:tc>
+                <a:tc>
+                  <a:txBody>
+                    <a:bodyPr/>
+                    <a:lstStyle/>
+                    <a:p>
+                      <a:r>
+                        <a:rPr lang="de-DE" sz="700"/>
+                        <a:t>-</a:t>
+                      </a:r>
+                    </a:p>
+                  </a:txBody>
+                  <a:tcPr/>
+                </a:tc>
+                <a:tc>
+                  <a:txBody>
+                    <a:bodyPr/>
+                    <a:lstStyle/>
+                    <a:p>
+                      <a:r>
+                        <a:rPr lang="de-DE" sz="700"/>
+                        <a:t>set to false, after successfully retrieved CC was written to cache</a:t>
+                      </a:r>
+                    </a:p>
+                  </a:txBody>
+                  <a:tcPr/>
+                </a:tc>
+                <a:tc>
+                  <a:txBody>
+                    <a:bodyPr/>
+                    <a:lstStyle/>
+                    <a:p>
+                      <a:r>
+                        <a:rPr lang="de-DE" sz="700"/>
+                        <a:t>-</a:t>
+                      </a:r>
+                    </a:p>
+                  </a:txBody>
+                  <a:tcPr/>
+                </a:tc>
+                <a:tc>
+                  <a:txBody>
+                    <a:bodyPr/>
+                    <a:lstStyle/>
+                    <a:p>
+                      <a:r>
+                        <a:rPr lang="de-DE" sz="700"/>
+                        <a:t>set to false, after successfully retrieved CC was written to cache</a:t>
+                      </a:r>
+                    </a:p>
+                  </a:txBody>
+                  <a:tcPr/>
+                </a:tc>
+                <a:extLst>
+                  <a:ext uri="{0D108BD9-81ED-4DB2-BD59-A6C34878D82A}">
+                    <a16:rowId xmlns:a16="http://schemas.microsoft.com/office/drawing/2014/main" val="1491137835"/>
                   </a:ext>
                 </a:extLst>
               </a:tr>
@@ -6149,7 +6720,7 @@
         <p:spPr>
           <a:xfrm>
             <a:off x="163987" y="6657945"/>
-            <a:ext cx="6865982" cy="200055"/>
+            <a:ext cx="9333004" cy="200055"/>
           </a:xfrm>
           <a:prstGeom prst="rect">
             <a:avLst/>
@@ -6164,7 +6735,7 @@
           <a:p>
             <a:r>
               <a:rPr lang="de-DE" sz="700"/>
-              <a:t>Note: when device gets disconnected, it is not deleted from deviceList anymore, therefore added-to-device-list-time is also not set to null (in contrary to previous MWDI v1.2.x)</a:t>
+              <a:t>Note: when device gets disconnected, it is not deleted from deviceList anymore in each case, but according to historicalControlConstructPolicy, therefore added-to-device-list-time is also not set to null (in contrary to previous MWDI v1.2.x)</a:t>
             </a:r>
           </a:p>
         </p:txBody>
@@ -6484,14 +7055,14 @@
           <p:nvPr>
             <p:extLst>
               <p:ext uri="{D42A27DB-BD31-4B8C-83A1-F6EECF244321}">
-                <p14:modId xmlns:p14="http://schemas.microsoft.com/office/powerpoint/2010/main" val="2087891569"/>
+                <p14:modId xmlns:p14="http://schemas.microsoft.com/office/powerpoint/2010/main" val="112627507"/>
               </p:ext>
             </p:extLst>
           </p:nvPr>
         </p:nvGraphicFramePr>
         <p:xfrm>
           <a:off x="203200" y="447574"/>
-          <a:ext cx="4464471" cy="4278680"/>
+          <a:ext cx="5184140" cy="4263000"/>
         </p:xfrm>
         <a:graphic>
           <a:graphicData uri="http://schemas.openxmlformats.org/drawingml/2006/table">
@@ -6500,38 +7071,45 @@
                 <a:tableStyleId>{5C22544A-7EE6-4342-B048-85BDC9FD1C3A}</a:tableStyleId>
               </a:tblPr>
               <a:tblGrid>
-                <a:gridCol w="435897">
+                <a:gridCol w="261620">
                   <a:extLst>
                     <a:ext uri="{9D8B030D-6E8A-4147-A177-3AD203B41FA5}">
                       <a16:colId xmlns:a16="http://schemas.microsoft.com/office/drawing/2014/main" val="1041723700"/>
                     </a:ext>
                   </a:extLst>
                 </a:gridCol>
-                <a:gridCol w="835742">
+                <a:gridCol w="868680">
                   <a:extLst>
                     <a:ext uri="{9D8B030D-6E8A-4147-A177-3AD203B41FA5}">
                       <a16:colId xmlns:a16="http://schemas.microsoft.com/office/drawing/2014/main" val="4138862625"/>
                     </a:ext>
                   </a:extLst>
                 </a:gridCol>
-                <a:gridCol w="1039566">
+                <a:gridCol w="1196340">
                   <a:extLst>
                     <a:ext uri="{9D8B030D-6E8A-4147-A177-3AD203B41FA5}">
                       <a16:colId xmlns:a16="http://schemas.microsoft.com/office/drawing/2014/main" val="2629712541"/>
                     </a:ext>
                   </a:extLst>
                 </a:gridCol>
-                <a:gridCol w="1862733">
+                <a:gridCol w="1798320">
                   <a:extLst>
                     <a:ext uri="{9D8B030D-6E8A-4147-A177-3AD203B41FA5}">
                       <a16:colId xmlns:a16="http://schemas.microsoft.com/office/drawing/2014/main" val="1231056635"/>
                     </a:ext>
                   </a:extLst>
                 </a:gridCol>
-                <a:gridCol w="290533">
+                <a:gridCol w="742427">
                   <a:extLst>
                     <a:ext uri="{9D8B030D-6E8A-4147-A177-3AD203B41FA5}">
                       <a16:colId xmlns:a16="http://schemas.microsoft.com/office/drawing/2014/main" val="3074369998"/>
+                    </a:ext>
+                  </a:extLst>
+                </a:gridCol>
+                <a:gridCol w="316753">
+                  <a:extLst>
+                    <a:ext uri="{9D8B030D-6E8A-4147-A177-3AD203B41FA5}">
+                      <a16:colId xmlns:a16="http://schemas.microsoft.com/office/drawing/2014/main" val="3243389079"/>
                     </a:ext>
                   </a:extLst>
                 </a:gridCol>
@@ -6616,6 +7194,19 @@
                     <a:p>
                       <a:r>
                         <a:rPr lang="de-DE" sz="1000"/>
+                        <a:t>exclude_from_qm</a:t>
+                      </a:r>
+                    </a:p>
+                  </a:txBody>
+                  <a:tcPr marB="36000"/>
+                </a:tc>
+                <a:tc>
+                  <a:txBody>
+                    <a:bodyPr/>
+                    <a:lstStyle/>
+                    <a:p>
+                      <a:r>
+                        <a:rPr lang="de-DE" sz="1000"/>
                         <a:t>…</a:t>
                       </a:r>
                     </a:p>
@@ -6686,7 +7277,20 @@
                     <a:p>
                       <a:r>
                         <a:rPr lang="de-DE" sz="1000"/>
-                        <a:t>null</a:t>
+                        <a:t>1999-01-01T00:00:00+01:00</a:t>
+                      </a:r>
+                    </a:p>
+                  </a:txBody>
+                  <a:tcPr marB="36000"/>
+                </a:tc>
+                <a:tc>
+                  <a:txBody>
+                    <a:bodyPr/>
+                    <a:lstStyle/>
+                    <a:p>
+                      <a:r>
+                        <a:rPr lang="de-DE" sz="1000"/>
+                        <a:t>true</a:t>
                       </a:r>
                     </a:p>
                   </a:txBody>
@@ -6766,7 +7370,20 @@
                     <a:p>
                       <a:r>
                         <a:rPr lang="de-DE" sz="1000"/>
-                        <a:t>null</a:t>
+                        <a:t>1999-01-01T00:00:00+01:00</a:t>
+                      </a:r>
+                    </a:p>
+                  </a:txBody>
+                  <a:tcPr marB="36000"/>
+                </a:tc>
+                <a:tc>
+                  <a:txBody>
+                    <a:bodyPr/>
+                    <a:lstStyle/>
+                    <a:p>
+                      <a:r>
+                        <a:rPr lang="de-DE" sz="1000"/>
+                        <a:t>True</a:t>
                       </a:r>
                     </a:p>
                   </a:txBody>
@@ -6847,6 +7464,19 @@
                       <a:r>
                         <a:rPr lang="de-DE" sz="1000"/>
                         <a:t>2025-05-05T01:00:00+01:00</a:t>
+                      </a:r>
+                    </a:p>
+                  </a:txBody>
+                  <a:tcPr marB="36000"/>
+                </a:tc>
+                <a:tc>
+                  <a:txBody>
+                    <a:bodyPr/>
+                    <a:lstStyle/>
+                    <a:p>
+                      <a:r>
+                        <a:rPr lang="de-DE" sz="1000"/>
+                        <a:t>false</a:t>
                       </a:r>
                     </a:p>
                   </a:txBody>
@@ -6954,6 +7584,19 @@
                     <a:bodyPr/>
                     <a:lstStyle/>
                     <a:p>
+                      <a:r>
+                        <a:rPr lang="de-DE" sz="1000"/>
+                        <a:t>false</a:t>
+                      </a:r>
+                    </a:p>
+                  </a:txBody>
+                  <a:tcPr marB="36000"/>
+                </a:tc>
+                <a:tc>
+                  <a:txBody>
+                    <a:bodyPr/>
+                    <a:lstStyle/>
+                    <a:p>
                       <a:endParaRPr lang="de-DE" sz="1000"/>
                     </a:p>
                   </a:txBody>
@@ -7051,6 +7694,19 @@
                     <a:bodyPr/>
                     <a:lstStyle/>
                     <a:p>
+                      <a:r>
+                        <a:rPr lang="de-DE" sz="1000"/>
+                        <a:t>false</a:t>
+                      </a:r>
+                    </a:p>
+                  </a:txBody>
+                  <a:tcPr marB="36000"/>
+                </a:tc>
+                <a:tc>
+                  <a:txBody>
+                    <a:bodyPr/>
+                    <a:lstStyle/>
+                    <a:p>
                       <a:endParaRPr lang="de-DE" sz="1000"/>
                     </a:p>
                   </a:txBody>
@@ -7151,6 +7807,19 @@
                     <a:bodyPr/>
                     <a:lstStyle/>
                     <a:p>
+                      <a:r>
+                        <a:rPr lang="de-DE" sz="1000"/>
+                        <a:t>false</a:t>
+                      </a:r>
+                    </a:p>
+                  </a:txBody>
+                  <a:tcPr marB="36000"/>
+                </a:tc>
+                <a:tc>
+                  <a:txBody>
+                    <a:bodyPr/>
+                    <a:lstStyle/>
+                    <a:p>
                       <a:endParaRPr lang="de-DE" sz="1000"/>
                     </a:p>
                   </a:txBody>
@@ -7248,6 +7917,19 @@
                     <a:bodyPr/>
                     <a:lstStyle/>
                     <a:p>
+                      <a:r>
+                        <a:rPr lang="de-DE" sz="1000"/>
+                        <a:t>false</a:t>
+                      </a:r>
+                    </a:p>
+                  </a:txBody>
+                  <a:tcPr marB="36000"/>
+                </a:tc>
+                <a:tc>
+                  <a:txBody>
+                    <a:bodyPr/>
+                    <a:lstStyle/>
+                    <a:p>
                       <a:endParaRPr lang="de-DE" sz="1000"/>
                     </a:p>
                   </a:txBody>
@@ -7324,6 +8006,16 @@
                   </a:txBody>
                   <a:tcPr marB="36000"/>
                 </a:tc>
+                <a:tc>
+                  <a:txBody>
+                    <a:bodyPr/>
+                    <a:lstStyle/>
+                    <a:p>
+                      <a:endParaRPr lang="de-DE" sz="1000"/>
+                    </a:p>
+                  </a:txBody>
+                  <a:tcPr marB="36000"/>
+                </a:tc>
                 <a:extLst>
                   <a:ext uri="{0D108BD9-81ED-4DB2-BD59-A6C34878D82A}">
                     <a16:rowId xmlns:a16="http://schemas.microsoft.com/office/drawing/2014/main" val="18228692"/>
@@ -7375,7 +8067,7 @@
                     <a:p>
                       <a:r>
                         <a:rPr lang="de-DE" sz="1000"/>
-                        <a:t>connecting</a:t>
+                        <a:t>disconnected</a:t>
                       </a:r>
                     </a:p>
                   </a:txBody>
@@ -7388,7 +8080,20 @@
                     <a:p>
                       <a:r>
                         <a:rPr lang="de-DE" sz="1000"/>
-                        <a:t>null</a:t>
+                        <a:t>1999-01-01T00:00:00+01:00</a:t>
+                      </a:r>
+                    </a:p>
+                  </a:txBody>
+                  <a:tcPr marB="36000"/>
+                </a:tc>
+                <a:tc>
+                  <a:txBody>
+                    <a:bodyPr/>
+                    <a:lstStyle/>
+                    <a:p>
+                      <a:r>
+                        <a:rPr lang="de-DE" sz="1000"/>
+                        <a:t>false</a:t>
                       </a:r>
                     </a:p>
                   </a:txBody>
@@ -7455,7 +8160,7 @@
                     <a:p>
                       <a:r>
                         <a:rPr lang="de-DE" sz="1000"/>
-                        <a:t>unable-to-connect</a:t>
+                        <a:t>disconnected</a:t>
                       </a:r>
                     </a:p>
                   </a:txBody>
@@ -7468,7 +8173,20 @@
                     <a:p>
                       <a:r>
                         <a:rPr lang="de-DE" sz="1000"/>
-                        <a:t>null</a:t>
+                        <a:t>1999-01-01T00:00:00+01:00</a:t>
+                      </a:r>
+                    </a:p>
+                  </a:txBody>
+                  <a:tcPr marB="36000"/>
+                </a:tc>
+                <a:tc>
+                  <a:txBody>
+                    <a:bodyPr/>
+                    <a:lstStyle/>
+                    <a:p>
+                      <a:r>
+                        <a:rPr lang="de-DE" sz="1000"/>
+                        <a:t>false</a:t>
                       </a:r>
                     </a:p>
                   </a:txBody>
@@ -7508,8 +8226,8 @@
         </p:nvSpPr>
         <p:spPr>
           <a:xfrm>
-            <a:off x="4794864" y="447573"/>
-            <a:ext cx="5482611" cy="1851127"/>
+            <a:off x="5676900" y="447573"/>
+            <a:ext cx="4600575" cy="2409927"/>
           </a:xfrm>
           <a:prstGeom prst="rect">
             <a:avLst/>
@@ -7638,7 +8356,7 @@
             </a:pPr>
             <a:r>
               <a:rPr lang="de-DE" sz="1100"/>
-              <a:t>Connected devices with timestamp == null are listed first</a:t>
+              <a:t>Connected devices with timestamp == 1999* are listed first</a:t>
             </a:r>
           </a:p>
           <a:p>
@@ -7658,7 +8376,7 @@
             </a:r>
             <a:r>
               <a:rPr lang="de-DE" sz="1100"/>
-              <a:t>null are sorted from old to new</a:t>
+              <a:t>1999* are sorted from old to new</a:t>
             </a:r>
           </a:p>
           <a:p>
@@ -7668,7 +8386,7 @@
             </a:pPr>
             <a:r>
               <a:rPr lang="de-DE" sz="1100"/>
-              <a:t>Not connected devices are at the end of the list</a:t>
+              <a:t>Not connected devices are at the end of the list (if devices are kept due to policy*)</a:t>
             </a:r>
           </a:p>
           <a:p>
@@ -7692,7 +8410,7 @@
             </a:pPr>
             <a:r>
               <a:rPr lang="de-DE" sz="1100"/>
-              <a:t>Successful retrieval: move device to the position after the last connected device in the deviceMetadataList (i.e. right before the first not-connected device)</a:t>
+              <a:t>Successful retrieval: move device to the position after the last connected device in the deviceMetadataList (i.e. right before the first not-connected device*)</a:t>
             </a:r>
           </a:p>
           <a:p>
@@ -7862,7 +8580,7 @@
             </a:pPr>
             <a:r>
               <a:rPr lang="de-DE" sz="1100"/>
-              <a:t>select 1st  not-locked device from list with timestamp == null,</a:t>
+              <a:t>select 1st  not-locked device from list with timestamp == 1999*,</a:t>
             </a:r>
           </a:p>
           <a:p>
@@ -7872,7 +8590,7 @@
             </a:pPr>
             <a:r>
               <a:rPr lang="de-DE" sz="1100"/>
-              <a:t>If none found, select 1st  not-locked device from deviceMetadataList (i.e. the one with oldest timestamp)</a:t>
+              <a:t>If none found, select 1st (connected) not-locked device from deviceMetadataList (i.e. the one with oldest timestamp)</a:t>
             </a:r>
           </a:p>
         </p:txBody>
@@ -7976,7 +8694,7 @@
             </a:r>
             <a:r>
               <a:rPr lang="de-DE" sz="1100"/>
-              <a:t> null</a:t>
+              <a:t> 1999 and exclude_from_qm == false</a:t>
             </a:r>
           </a:p>
         </p:txBody>
